--- a/slides/Week2__21_Assessment_Fundamentals.pptx
+++ b/slides/Week2__21_Assessment_Fundamentals.pptx
@@ -5,7 +5,7 @@
     <p:sldMasterId id="2147483684" r:id="rId1"/>
   </p:sldMasterIdLst>
   <p:notesMasterIdLst>
-    <p:notesMasterId r:id="rId65"/>
+    <p:notesMasterId r:id="rId63"/>
   </p:notesMasterIdLst>
   <p:sldIdLst>
     <p:sldId id="256" r:id="rId2"/>
@@ -16,61 +16,59 @@
     <p:sldId id="604" r:id="rId7"/>
     <p:sldId id="643" r:id="rId8"/>
     <p:sldId id="606" r:id="rId9"/>
-    <p:sldId id="607" r:id="rId10"/>
-    <p:sldId id="556" r:id="rId11"/>
-    <p:sldId id="634" r:id="rId12"/>
-    <p:sldId id="555" r:id="rId13"/>
-    <p:sldId id="612" r:id="rId14"/>
-    <p:sldId id="608" r:id="rId15"/>
-    <p:sldId id="609" r:id="rId16"/>
-    <p:sldId id="610" r:id="rId17"/>
-    <p:sldId id="650" r:id="rId18"/>
-    <p:sldId id="639" r:id="rId19"/>
-    <p:sldId id="611" r:id="rId20"/>
-    <p:sldId id="615" r:id="rId21"/>
-    <p:sldId id="616" r:id="rId22"/>
-    <p:sldId id="617" r:id="rId23"/>
-    <p:sldId id="618" r:id="rId24"/>
-    <p:sldId id="619" r:id="rId25"/>
-    <p:sldId id="640" r:id="rId26"/>
-    <p:sldId id="621" r:id="rId27"/>
-    <p:sldId id="622" r:id="rId28"/>
-    <p:sldId id="623" r:id="rId29"/>
-    <p:sldId id="624" r:id="rId30"/>
-    <p:sldId id="627" r:id="rId31"/>
-    <p:sldId id="625" r:id="rId32"/>
-    <p:sldId id="626" r:id="rId33"/>
-    <p:sldId id="564" r:id="rId34"/>
-    <p:sldId id="566" r:id="rId35"/>
-    <p:sldId id="567" r:id="rId36"/>
-    <p:sldId id="642" r:id="rId37"/>
-    <p:sldId id="568" r:id="rId38"/>
-    <p:sldId id="570" r:id="rId39"/>
-    <p:sldId id="561" r:id="rId40"/>
-    <p:sldId id="629" r:id="rId41"/>
-    <p:sldId id="658" r:id="rId42"/>
-    <p:sldId id="271" r:id="rId43"/>
-    <p:sldId id="558" r:id="rId44"/>
-    <p:sldId id="656" r:id="rId45"/>
-    <p:sldId id="263" r:id="rId46"/>
-    <p:sldId id="559" r:id="rId47"/>
-    <p:sldId id="560" r:id="rId48"/>
-    <p:sldId id="314" r:id="rId49"/>
-    <p:sldId id="651" r:id="rId50"/>
-    <p:sldId id="257" r:id="rId51"/>
-    <p:sldId id="572" r:id="rId52"/>
-    <p:sldId id="574" r:id="rId53"/>
-    <p:sldId id="575" r:id="rId54"/>
-    <p:sldId id="576" r:id="rId55"/>
-    <p:sldId id="578" r:id="rId56"/>
-    <p:sldId id="659" r:id="rId57"/>
-    <p:sldId id="654" r:id="rId58"/>
-    <p:sldId id="655" r:id="rId59"/>
-    <p:sldId id="648" r:id="rId60"/>
-    <p:sldId id="646" r:id="rId61"/>
-    <p:sldId id="647" r:id="rId62"/>
-    <p:sldId id="583" r:id="rId63"/>
-    <p:sldId id="585" r:id="rId64"/>
+    <p:sldId id="556" r:id="rId10"/>
+    <p:sldId id="634" r:id="rId11"/>
+    <p:sldId id="612" r:id="rId12"/>
+    <p:sldId id="608" r:id="rId13"/>
+    <p:sldId id="609" r:id="rId14"/>
+    <p:sldId id="610" r:id="rId15"/>
+    <p:sldId id="650" r:id="rId16"/>
+    <p:sldId id="639" r:id="rId17"/>
+    <p:sldId id="611" r:id="rId18"/>
+    <p:sldId id="615" r:id="rId19"/>
+    <p:sldId id="616" r:id="rId20"/>
+    <p:sldId id="617" r:id="rId21"/>
+    <p:sldId id="618" r:id="rId22"/>
+    <p:sldId id="619" r:id="rId23"/>
+    <p:sldId id="640" r:id="rId24"/>
+    <p:sldId id="621" r:id="rId25"/>
+    <p:sldId id="622" r:id="rId26"/>
+    <p:sldId id="623" r:id="rId27"/>
+    <p:sldId id="624" r:id="rId28"/>
+    <p:sldId id="627" r:id="rId29"/>
+    <p:sldId id="625" r:id="rId30"/>
+    <p:sldId id="626" r:id="rId31"/>
+    <p:sldId id="564" r:id="rId32"/>
+    <p:sldId id="566" r:id="rId33"/>
+    <p:sldId id="567" r:id="rId34"/>
+    <p:sldId id="642" r:id="rId35"/>
+    <p:sldId id="568" r:id="rId36"/>
+    <p:sldId id="570" r:id="rId37"/>
+    <p:sldId id="561" r:id="rId38"/>
+    <p:sldId id="629" r:id="rId39"/>
+    <p:sldId id="658" r:id="rId40"/>
+    <p:sldId id="271" r:id="rId41"/>
+    <p:sldId id="558" r:id="rId42"/>
+    <p:sldId id="656" r:id="rId43"/>
+    <p:sldId id="263" r:id="rId44"/>
+    <p:sldId id="559" r:id="rId45"/>
+    <p:sldId id="560" r:id="rId46"/>
+    <p:sldId id="314" r:id="rId47"/>
+    <p:sldId id="651" r:id="rId48"/>
+    <p:sldId id="257" r:id="rId49"/>
+    <p:sldId id="572" r:id="rId50"/>
+    <p:sldId id="574" r:id="rId51"/>
+    <p:sldId id="575" r:id="rId52"/>
+    <p:sldId id="576" r:id="rId53"/>
+    <p:sldId id="578" r:id="rId54"/>
+    <p:sldId id="659" r:id="rId55"/>
+    <p:sldId id="654" r:id="rId56"/>
+    <p:sldId id="655" r:id="rId57"/>
+    <p:sldId id="648" r:id="rId58"/>
+    <p:sldId id="646" r:id="rId59"/>
+    <p:sldId id="647" r:id="rId60"/>
+    <p:sldId id="583" r:id="rId61"/>
+    <p:sldId id="585" r:id="rId62"/>
   </p:sldIdLst>
   <p:sldSz cx="12192000" cy="6858000"/>
   <p:notesSz cx="6858000" cy="9144000"/>
@@ -14385,7 +14383,7 @@
           <a:p>
             <a:fld id="{55C38658-7CB9-E440-832B-263D86A72D82}" type="datetimeFigureOut">
               <a:rPr lang="en-US" smtClean="0"/>
-              <a:t>11/9/20</a:t>
+              <a:t>12/14/20</a:t>
             </a:fld>
             <a:endParaRPr lang="en-US"/>
           </a:p>
@@ -14755,219 +14753,62 @@
       </p:grpSpPr>
       <p:sp>
         <p:nvSpPr>
-          <p:cNvPr id="26625" name="Rectangle 7"/>
+          <p:cNvPr id="2" name="Slide Image Placeholder 1"/>
           <p:cNvSpPr>
-            <a:spLocks noGrp="1" noChangeArrowheads="1"/>
+            <a:spLocks noGrp="1" noRot="1" noChangeAspect="1"/>
+          </p:cNvSpPr>
+          <p:nvPr>
+            <p:ph type="sldImg"/>
+          </p:nvPr>
+        </p:nvSpPr>
+        <p:spPr/>
+      </p:sp>
+      <p:sp>
+        <p:nvSpPr>
+          <p:cNvPr id="3" name="Notes Placeholder 2"/>
+          <p:cNvSpPr>
+            <a:spLocks noGrp="1"/>
+          </p:cNvSpPr>
+          <p:nvPr>
+            <p:ph type="body" idx="1"/>
+          </p:nvPr>
+        </p:nvSpPr>
+        <p:spPr/>
+        <p:txBody>
+          <a:bodyPr/>
+          <a:lstStyle/>
+          <a:p>
+            <a:endParaRPr lang="en-US" dirty="0"/>
+          </a:p>
+        </p:txBody>
+      </p:sp>
+      <p:sp>
+        <p:nvSpPr>
+          <p:cNvPr id="4" name="Slide Number Placeholder 3"/>
+          <p:cNvSpPr>
+            <a:spLocks noGrp="1"/>
           </p:cNvSpPr>
           <p:nvPr>
             <p:ph type="sldNum" sz="quarter" idx="5"/>
           </p:nvPr>
         </p:nvSpPr>
-        <p:spPr>
-          <a:noFill/>
-          <a:ln/>
-          <a:extLst>
-            <a:ext uri="{909E8E84-426E-40DD-AFC4-6F175D3DCCD1}">
-              <a14:hiddenFill xmlns:a14="http://schemas.microsoft.com/office/drawing/2010/main">
-                <a:solidFill>
-                  <a:srgbClr val="FFFFFF"/>
-                </a:solidFill>
-              </a14:hiddenFill>
-            </a:ext>
-            <a:ext uri="{91240B29-F687-4F45-9708-019B960494DF}">
-              <a14:hiddenLine xmlns:a14="http://schemas.microsoft.com/office/drawing/2010/main" w="9525">
-                <a:solidFill>
-                  <a:srgbClr val="000000"/>
-                </a:solidFill>
-                <a:miter lim="800000"/>
-                <a:headEnd/>
-                <a:tailEnd/>
-              </a14:hiddenLine>
-            </a:ext>
-          </a:extLst>
-        </p:spPr>
-        <p:txBody>
-          <a:bodyPr/>
-          <a:lstStyle>
-            <a:lvl1pPr>
-              <a:defRPr sz="2400">
-                <a:solidFill>
-                  <a:schemeClr val="tx1"/>
-                </a:solidFill>
-                <a:latin typeface="Times" charset="0"/>
-                <a:ea typeface="ＭＳ Ｐゴシック" charset="-128"/>
-              </a:defRPr>
-            </a:lvl1pPr>
-            <a:lvl2pPr marL="742950" indent="-285750">
-              <a:defRPr sz="2400">
-                <a:solidFill>
-                  <a:schemeClr val="tx1"/>
-                </a:solidFill>
-                <a:latin typeface="Times" charset="0"/>
-                <a:ea typeface="ＭＳ Ｐゴシック" charset="-128"/>
-              </a:defRPr>
-            </a:lvl2pPr>
-            <a:lvl3pPr marL="1143000" indent="-228600">
-              <a:defRPr sz="2400">
-                <a:solidFill>
-                  <a:schemeClr val="tx1"/>
-                </a:solidFill>
-                <a:latin typeface="Times" charset="0"/>
-                <a:ea typeface="ＭＳ Ｐゴシック" charset="-128"/>
-              </a:defRPr>
-            </a:lvl3pPr>
-            <a:lvl4pPr marL="1600200" indent="-228600">
-              <a:defRPr sz="2400">
-                <a:solidFill>
-                  <a:schemeClr val="tx1"/>
-                </a:solidFill>
-                <a:latin typeface="Times" charset="0"/>
-                <a:ea typeface="ＭＳ Ｐゴシック" charset="-128"/>
-              </a:defRPr>
-            </a:lvl4pPr>
-            <a:lvl5pPr marL="2057400" indent="-228600">
-              <a:defRPr sz="2400">
-                <a:solidFill>
-                  <a:schemeClr val="tx1"/>
-                </a:solidFill>
-                <a:latin typeface="Times" charset="0"/>
-                <a:ea typeface="ＭＳ Ｐゴシック" charset="-128"/>
-              </a:defRPr>
-            </a:lvl5pPr>
-            <a:lvl6pPr marL="2514600" indent="-228600" eaLnBrk="0" fontAlgn="base" hangingPunct="0">
-              <a:spcBef>
-                <a:spcPct val="0"/>
-              </a:spcBef>
-              <a:spcAft>
-                <a:spcPct val="0"/>
-              </a:spcAft>
-              <a:defRPr sz="2400">
-                <a:solidFill>
-                  <a:schemeClr val="tx1"/>
-                </a:solidFill>
-                <a:latin typeface="Times" charset="0"/>
-                <a:ea typeface="ＭＳ Ｐゴシック" charset="-128"/>
-              </a:defRPr>
-            </a:lvl6pPr>
-            <a:lvl7pPr marL="2971800" indent="-228600" eaLnBrk="0" fontAlgn="base" hangingPunct="0">
-              <a:spcBef>
-                <a:spcPct val="0"/>
-              </a:spcBef>
-              <a:spcAft>
-                <a:spcPct val="0"/>
-              </a:spcAft>
-              <a:defRPr sz="2400">
-                <a:solidFill>
-                  <a:schemeClr val="tx1"/>
-                </a:solidFill>
-                <a:latin typeface="Times" charset="0"/>
-                <a:ea typeface="ＭＳ Ｐゴシック" charset="-128"/>
-              </a:defRPr>
-            </a:lvl7pPr>
-            <a:lvl8pPr marL="3429000" indent="-228600" eaLnBrk="0" fontAlgn="base" hangingPunct="0">
-              <a:spcBef>
-                <a:spcPct val="0"/>
-              </a:spcBef>
-              <a:spcAft>
-                <a:spcPct val="0"/>
-              </a:spcAft>
-              <a:defRPr sz="2400">
-                <a:solidFill>
-                  <a:schemeClr val="tx1"/>
-                </a:solidFill>
-                <a:latin typeface="Times" charset="0"/>
-                <a:ea typeface="ＭＳ Ｐゴシック" charset="-128"/>
-              </a:defRPr>
-            </a:lvl8pPr>
-            <a:lvl9pPr marL="3886200" indent="-228600" eaLnBrk="0" fontAlgn="base" hangingPunct="0">
-              <a:spcBef>
-                <a:spcPct val="0"/>
-              </a:spcBef>
-              <a:spcAft>
-                <a:spcPct val="0"/>
-              </a:spcAft>
-              <a:defRPr sz="2400">
-                <a:solidFill>
-                  <a:schemeClr val="tx1"/>
-                </a:solidFill>
-                <a:latin typeface="Times" charset="0"/>
-                <a:ea typeface="ＭＳ Ｐゴシック" charset="-128"/>
-              </a:defRPr>
-            </a:lvl9pPr>
-          </a:lstStyle>
-          <a:p>
-            <a:fld id="{DA57C22D-CD48-FD49-A952-E4182CECB470}" type="slidenum">
-              <a:rPr lang="en-US" altLang="en-US" sz="1200"/>
-              <a:pPr/>
-              <a:t>15</a:t>
-            </a:fld>
-            <a:endParaRPr lang="en-US" altLang="en-US" sz="1200"/>
-          </a:p>
-        </p:txBody>
-      </p:sp>
-      <p:sp>
-        <p:nvSpPr>
-          <p:cNvPr id="26626" name="Rectangle 2"/>
-          <p:cNvSpPr>
-            <a:spLocks noGrp="1" noRot="1" noChangeAspect="1" noChangeArrowheads="1" noTextEdit="1"/>
-          </p:cNvSpPr>
-          <p:nvPr>
-            <p:ph type="sldImg"/>
-          </p:nvPr>
-        </p:nvSpPr>
-        <p:spPr>
-          <a:ln/>
-        </p:spPr>
-      </p:sp>
-      <p:sp>
-        <p:nvSpPr>
-          <p:cNvPr id="26627" name="Rectangle 3"/>
-          <p:cNvSpPr>
-            <a:spLocks noGrp="1" noChangeArrowheads="1"/>
-          </p:cNvSpPr>
-          <p:nvPr>
-            <p:ph type="body" idx="1"/>
-          </p:nvPr>
-        </p:nvSpPr>
-        <p:spPr>
-          <a:noFill/>
-          <a:ln/>
-          <a:extLst>
-            <a:ext uri="{909E8E84-426E-40DD-AFC4-6F175D3DCCD1}">
-              <a14:hiddenFill xmlns:a14="http://schemas.microsoft.com/office/drawing/2010/main">
-                <a:solidFill>
-                  <a:srgbClr val="FFFFFF"/>
-                </a:solidFill>
-              </a14:hiddenFill>
-            </a:ext>
-            <a:ext uri="{91240B29-F687-4F45-9708-019B960494DF}">
-              <a14:hiddenLine xmlns:a14="http://schemas.microsoft.com/office/drawing/2010/main" w="9525">
-                <a:solidFill>
-                  <a:srgbClr val="000000"/>
-                </a:solidFill>
-                <a:miter lim="800000"/>
-                <a:headEnd/>
-                <a:tailEnd/>
-              </a14:hiddenLine>
-            </a:ext>
-            <a:ext uri="{FAA26D3D-D897-4be2-8F04-BA451C77F1D7}">
-              <ma14:placeholderFlag xmlns:ma14="http://schemas.microsoft.com/office/mac/drawingml/2011/main" xmlns="" val="1"/>
-            </a:ext>
-          </a:extLst>
-        </p:spPr>
+        <p:spPr/>
         <p:txBody>
           <a:bodyPr/>
           <a:lstStyle/>
           <a:p>
-            <a:pPr eaLnBrk="1" hangingPunct="1"/>
-            <a:endParaRPr lang="en-US" altLang="en-US" dirty="0"/>
+            <a:fld id="{2DFD7DFD-FAD7-2149-8B2A-B6C8944CBCA7}" type="slidenum">
+              <a:rPr lang="en-US" smtClean="0"/>
+              <a:t>15</a:t>
+            </a:fld>
+            <a:endParaRPr lang="en-US"/>
           </a:p>
         </p:txBody>
       </p:sp>
     </p:spTree>
     <p:extLst>
       <p:ext uri="{BB962C8B-B14F-4D97-AF65-F5344CB8AC3E}">
-        <p14:creationId xmlns:p14="http://schemas.microsoft.com/office/powerpoint/2010/main" val="798868223"/>
+        <p14:creationId xmlns:p14="http://schemas.microsoft.com/office/powerpoint/2010/main" val="2171315137"/>
       </p:ext>
     </p:extLst>
   </p:cSld>
@@ -15032,7 +14873,7 @@
             <a:spLocks noGrp="1"/>
           </p:cNvSpPr>
           <p:nvPr>
-            <p:ph type="sldNum" sz="quarter" idx="5"/>
+            <p:ph type="sldNum" sz="quarter" idx="10"/>
           </p:nvPr>
         </p:nvSpPr>
         <p:spPr/>
@@ -15040,9 +14881,15 @@
           <a:bodyPr/>
           <a:lstStyle/>
           <a:p>
-            <a:fld id="{2DFD7DFD-FAD7-2149-8B2A-B6C8944CBCA7}" type="slidenum">
+            <a:pPr>
+              <a:defRPr/>
+            </a:pPr>
+            <a:fld id="{8BFBC843-836B-9E43-A493-AD6B2A49912B}" type="slidenum">
               <a:rPr lang="en-US" smtClean="0"/>
-              <a:t>17</a:t>
+              <a:pPr>
+                <a:defRPr/>
+              </a:pPr>
+              <a:t>16</a:t>
             </a:fld>
             <a:endParaRPr lang="en-US"/>
           </a:p>
@@ -15051,7 +14898,7 @@
     </p:spTree>
     <p:extLst>
       <p:ext uri="{BB962C8B-B14F-4D97-AF65-F5344CB8AC3E}">
-        <p14:creationId xmlns:p14="http://schemas.microsoft.com/office/powerpoint/2010/main" val="2171315137"/>
+        <p14:creationId xmlns:p14="http://schemas.microsoft.com/office/powerpoint/2010/main" val="1783837982"/>
       </p:ext>
     </p:extLst>
   </p:cSld>
@@ -15132,7 +14979,7 @@
               <a:pPr>
                 <a:defRPr/>
               </a:pPr>
-              <a:t>18</a:t>
+              <a:t>17</a:t>
             </a:fld>
             <a:endParaRPr lang="en-US"/>
           </a:p>
@@ -15141,7 +14988,7 @@
     </p:spTree>
     <p:extLst>
       <p:ext uri="{BB962C8B-B14F-4D97-AF65-F5344CB8AC3E}">
-        <p14:creationId xmlns:p14="http://schemas.microsoft.com/office/powerpoint/2010/main" val="1783837982"/>
+        <p14:creationId xmlns:p14="http://schemas.microsoft.com/office/powerpoint/2010/main" val="285468850"/>
       </p:ext>
     </p:extLst>
   </p:cSld>
@@ -15222,7 +15069,7 @@
               <a:pPr>
                 <a:defRPr/>
               </a:pPr>
-              <a:t>19</a:t>
+              <a:t>18</a:t>
             </a:fld>
             <a:endParaRPr lang="en-US"/>
           </a:p>
@@ -15231,7 +15078,7 @@
     </p:spTree>
     <p:extLst>
       <p:ext uri="{BB962C8B-B14F-4D97-AF65-F5344CB8AC3E}">
-        <p14:creationId xmlns:p14="http://schemas.microsoft.com/office/powerpoint/2010/main" val="285468850"/>
+        <p14:creationId xmlns:p14="http://schemas.microsoft.com/office/powerpoint/2010/main" val="2509193803"/>
       </p:ext>
     </p:extLst>
   </p:cSld>
@@ -15285,96 +15132,6 @@
           <a:bodyPr/>
           <a:lstStyle/>
           <a:p>
-            <a:endParaRPr lang="en-US" dirty="0"/>
-          </a:p>
-        </p:txBody>
-      </p:sp>
-      <p:sp>
-        <p:nvSpPr>
-          <p:cNvPr id="4" name="Slide Number Placeholder 3"/>
-          <p:cNvSpPr>
-            <a:spLocks noGrp="1"/>
-          </p:cNvSpPr>
-          <p:nvPr>
-            <p:ph type="sldNum" sz="quarter" idx="10"/>
-          </p:nvPr>
-        </p:nvSpPr>
-        <p:spPr/>
-        <p:txBody>
-          <a:bodyPr/>
-          <a:lstStyle/>
-          <a:p>
-            <a:pPr>
-              <a:defRPr/>
-            </a:pPr>
-            <a:fld id="{8BFBC843-836B-9E43-A493-AD6B2A49912B}" type="slidenum">
-              <a:rPr lang="en-US" smtClean="0"/>
-              <a:pPr>
-                <a:defRPr/>
-              </a:pPr>
-              <a:t>20</a:t>
-            </a:fld>
-            <a:endParaRPr lang="en-US"/>
-          </a:p>
-        </p:txBody>
-      </p:sp>
-    </p:spTree>
-    <p:extLst>
-      <p:ext uri="{BB962C8B-B14F-4D97-AF65-F5344CB8AC3E}">
-        <p14:creationId xmlns:p14="http://schemas.microsoft.com/office/powerpoint/2010/main" val="2509193803"/>
-      </p:ext>
-    </p:extLst>
-  </p:cSld>
-  <p:clrMapOvr>
-    <a:masterClrMapping/>
-  </p:clrMapOvr>
-</p:notes>
-</file>
-
-<file path=ppt/notesSlides/notesSlide15.xml><?xml version="1.0" encoding="utf-8"?>
-<p:notes xmlns:a="http://schemas.openxmlformats.org/drawingml/2006/main" xmlns:r="http://schemas.openxmlformats.org/officeDocument/2006/relationships" xmlns:p="http://schemas.openxmlformats.org/presentationml/2006/main">
-  <p:cSld>
-    <p:spTree>
-      <p:nvGrpSpPr>
-        <p:cNvPr id="1" name=""/>
-        <p:cNvGrpSpPr/>
-        <p:nvPr/>
-      </p:nvGrpSpPr>
-      <p:grpSpPr>
-        <a:xfrm>
-          <a:off x="0" y="0"/>
-          <a:ext cx="0" cy="0"/>
-          <a:chOff x="0" y="0"/>
-          <a:chExt cx="0" cy="0"/>
-        </a:xfrm>
-      </p:grpSpPr>
-      <p:sp>
-        <p:nvSpPr>
-          <p:cNvPr id="2" name="Slide Image Placeholder 1"/>
-          <p:cNvSpPr>
-            <a:spLocks noGrp="1" noRot="1" noChangeAspect="1"/>
-          </p:cNvSpPr>
-          <p:nvPr>
-            <p:ph type="sldImg"/>
-          </p:nvPr>
-        </p:nvSpPr>
-        <p:spPr/>
-      </p:sp>
-      <p:sp>
-        <p:nvSpPr>
-          <p:cNvPr id="3" name="Notes Placeholder 2"/>
-          <p:cNvSpPr>
-            <a:spLocks noGrp="1"/>
-          </p:cNvSpPr>
-          <p:nvPr>
-            <p:ph type="body" idx="1"/>
-          </p:nvPr>
-        </p:nvSpPr>
-        <p:spPr/>
-        <p:txBody>
-          <a:bodyPr/>
-          <a:lstStyle/>
-          <a:p>
             <a:endParaRPr lang="en-US" dirty="0">
               <a:cs typeface="Calibri"/>
             </a:endParaRPr>
@@ -15398,7 +15155,7 @@
           <a:p>
             <a:fld id="{2DFD7DFD-FAD7-2149-8B2A-B6C8944CBCA7}" type="slidenum">
               <a:rPr lang="en-US" smtClean="0"/>
-              <a:t>21</a:t>
+              <a:t>19</a:t>
             </a:fld>
             <a:endParaRPr lang="en-US"/>
           </a:p>
@@ -15417,7 +15174,7 @@
 </p:notes>
 </file>
 
-<file path=ppt/notesSlides/notesSlide16.xml><?xml version="1.0" encoding="utf-8"?>
+<file path=ppt/notesSlides/notesSlide15.xml><?xml version="1.0" encoding="utf-8"?>
 <p:notes xmlns:a="http://schemas.openxmlformats.org/drawingml/2006/main" xmlns:r="http://schemas.openxmlformats.org/officeDocument/2006/relationships" xmlns:p="http://schemas.openxmlformats.org/presentationml/2006/main">
   <p:cSld>
     <p:spTree>
@@ -15635,7 +15392,7 @@
             <a:fld id="{4F86096D-A437-2840-8ED9-514E567B7EF9}" type="slidenum">
               <a:rPr lang="en-US" altLang="en-US" sz="1200"/>
               <a:pPr/>
-              <a:t>30</a:t>
+              <a:t>28</a:t>
             </a:fld>
             <a:endParaRPr lang="en-US" altLang="en-US" sz="1200"/>
           </a:p>
@@ -15645,6 +15402,96 @@
     <p:extLst>
       <p:ext uri="{BB962C8B-B14F-4D97-AF65-F5344CB8AC3E}">
         <p14:creationId xmlns:p14="http://schemas.microsoft.com/office/powerpoint/2010/main" val="2617576339"/>
+      </p:ext>
+    </p:extLst>
+  </p:cSld>
+  <p:clrMapOvr>
+    <a:masterClrMapping/>
+  </p:clrMapOvr>
+</p:notes>
+</file>
+
+<file path=ppt/notesSlides/notesSlide16.xml><?xml version="1.0" encoding="utf-8"?>
+<p:notes xmlns:a="http://schemas.openxmlformats.org/drawingml/2006/main" xmlns:r="http://schemas.openxmlformats.org/officeDocument/2006/relationships" xmlns:p="http://schemas.openxmlformats.org/presentationml/2006/main">
+  <p:cSld>
+    <p:spTree>
+      <p:nvGrpSpPr>
+        <p:cNvPr id="1" name=""/>
+        <p:cNvGrpSpPr/>
+        <p:nvPr/>
+      </p:nvGrpSpPr>
+      <p:grpSpPr>
+        <a:xfrm>
+          <a:off x="0" y="0"/>
+          <a:ext cx="0" cy="0"/>
+          <a:chOff x="0" y="0"/>
+          <a:chExt cx="0" cy="0"/>
+        </a:xfrm>
+      </p:grpSpPr>
+      <p:sp>
+        <p:nvSpPr>
+          <p:cNvPr id="2" name="Slide Image Placeholder 1"/>
+          <p:cNvSpPr>
+            <a:spLocks noGrp="1" noRot="1" noChangeAspect="1"/>
+          </p:cNvSpPr>
+          <p:nvPr>
+            <p:ph type="sldImg"/>
+          </p:nvPr>
+        </p:nvSpPr>
+        <p:spPr/>
+      </p:sp>
+      <p:sp>
+        <p:nvSpPr>
+          <p:cNvPr id="3" name="Notes Placeholder 2"/>
+          <p:cNvSpPr>
+            <a:spLocks noGrp="1"/>
+          </p:cNvSpPr>
+          <p:nvPr>
+            <p:ph type="body" idx="1"/>
+          </p:nvPr>
+        </p:nvSpPr>
+        <p:spPr/>
+        <p:txBody>
+          <a:bodyPr/>
+          <a:lstStyle/>
+          <a:p>
+            <a:endParaRPr lang="en-US" dirty="0"/>
+          </a:p>
+        </p:txBody>
+      </p:sp>
+      <p:sp>
+        <p:nvSpPr>
+          <p:cNvPr id="4" name="Slide Number Placeholder 3"/>
+          <p:cNvSpPr>
+            <a:spLocks noGrp="1"/>
+          </p:cNvSpPr>
+          <p:nvPr>
+            <p:ph type="sldNum" sz="quarter" idx="10"/>
+          </p:nvPr>
+        </p:nvSpPr>
+        <p:spPr/>
+        <p:txBody>
+          <a:bodyPr/>
+          <a:lstStyle/>
+          <a:p>
+            <a:pPr>
+              <a:defRPr/>
+            </a:pPr>
+            <a:fld id="{8BFBC843-836B-9E43-A493-AD6B2A49912B}" type="slidenum">
+              <a:rPr lang="en-US" smtClean="0"/>
+              <a:pPr>
+                <a:defRPr/>
+              </a:pPr>
+              <a:t>31</a:t>
+            </a:fld>
+            <a:endParaRPr lang="en-US"/>
+          </a:p>
+        </p:txBody>
+      </p:sp>
+    </p:spTree>
+    <p:extLst>
+      <p:ext uri="{BB962C8B-B14F-4D97-AF65-F5344CB8AC3E}">
+        <p14:creationId xmlns:p14="http://schemas.microsoft.com/office/powerpoint/2010/main" val="328096762"/>
       </p:ext>
     </p:extLst>
   </p:cSld>
@@ -15725,7 +15572,7 @@
               <a:pPr>
                 <a:defRPr/>
               </a:pPr>
-              <a:t>33</a:t>
+              <a:t>32</a:t>
             </a:fld>
             <a:endParaRPr lang="en-US"/>
           </a:p>
@@ -15734,7 +15581,7 @@
     </p:spTree>
     <p:extLst>
       <p:ext uri="{BB962C8B-B14F-4D97-AF65-F5344CB8AC3E}">
-        <p14:creationId xmlns:p14="http://schemas.microsoft.com/office/powerpoint/2010/main" val="328096762"/>
+        <p14:creationId xmlns:p14="http://schemas.microsoft.com/office/powerpoint/2010/main" val="3856997702"/>
       </p:ext>
     </p:extLst>
   </p:cSld>
@@ -15815,7 +15662,7 @@
               <a:pPr>
                 <a:defRPr/>
               </a:pPr>
-              <a:t>34</a:t>
+              <a:t>33</a:t>
             </a:fld>
             <a:endParaRPr lang="en-US"/>
           </a:p>
@@ -15824,7 +15671,7 @@
     </p:spTree>
     <p:extLst>
       <p:ext uri="{BB962C8B-B14F-4D97-AF65-F5344CB8AC3E}">
-        <p14:creationId xmlns:p14="http://schemas.microsoft.com/office/powerpoint/2010/main" val="3856997702"/>
+        <p14:creationId xmlns:p14="http://schemas.microsoft.com/office/powerpoint/2010/main" val="3131354805"/>
       </p:ext>
     </p:extLst>
   </p:cSld>
@@ -15897,15 +15744,9 @@
           <a:bodyPr/>
           <a:lstStyle/>
           <a:p>
-            <a:pPr>
-              <a:defRPr/>
-            </a:pPr>
-            <a:fld id="{8BFBC843-836B-9E43-A493-AD6B2A49912B}" type="slidenum">
+            <a:fld id="{961643F4-0D65-42AE-BC6A-FFC5B6949592}" type="slidenum">
               <a:rPr lang="en-US" smtClean="0"/>
-              <a:pPr>
-                <a:defRPr/>
-              </a:pPr>
-              <a:t>35</a:t>
+              <a:t>34</a:t>
             </a:fld>
             <a:endParaRPr lang="en-US"/>
           </a:p>
@@ -15914,7 +15755,7 @@
     </p:spTree>
     <p:extLst>
       <p:ext uri="{BB962C8B-B14F-4D97-AF65-F5344CB8AC3E}">
-        <p14:creationId xmlns:p14="http://schemas.microsoft.com/office/powerpoint/2010/main" val="3131354805"/>
+        <p14:creationId xmlns:p14="http://schemas.microsoft.com/office/powerpoint/2010/main" val="3068387755"/>
       </p:ext>
     </p:extLst>
   </p:cSld>
@@ -16071,90 +15912,6 @@
           <a:bodyPr/>
           <a:lstStyle/>
           <a:p>
-            <a:fld id="{961643F4-0D65-42AE-BC6A-FFC5B6949592}" type="slidenum">
-              <a:rPr lang="en-US" smtClean="0"/>
-              <a:t>36</a:t>
-            </a:fld>
-            <a:endParaRPr lang="en-US"/>
-          </a:p>
-        </p:txBody>
-      </p:sp>
-    </p:spTree>
-    <p:extLst>
-      <p:ext uri="{BB962C8B-B14F-4D97-AF65-F5344CB8AC3E}">
-        <p14:creationId xmlns:p14="http://schemas.microsoft.com/office/powerpoint/2010/main" val="3068387755"/>
-      </p:ext>
-    </p:extLst>
-  </p:cSld>
-  <p:clrMapOvr>
-    <a:masterClrMapping/>
-  </p:clrMapOvr>
-</p:notes>
-</file>
-
-<file path=ppt/notesSlides/notesSlide21.xml><?xml version="1.0" encoding="utf-8"?>
-<p:notes xmlns:a="http://schemas.openxmlformats.org/drawingml/2006/main" xmlns:r="http://schemas.openxmlformats.org/officeDocument/2006/relationships" xmlns:p="http://schemas.openxmlformats.org/presentationml/2006/main">
-  <p:cSld>
-    <p:spTree>
-      <p:nvGrpSpPr>
-        <p:cNvPr id="1" name=""/>
-        <p:cNvGrpSpPr/>
-        <p:nvPr/>
-      </p:nvGrpSpPr>
-      <p:grpSpPr>
-        <a:xfrm>
-          <a:off x="0" y="0"/>
-          <a:ext cx="0" cy="0"/>
-          <a:chOff x="0" y="0"/>
-          <a:chExt cx="0" cy="0"/>
-        </a:xfrm>
-      </p:grpSpPr>
-      <p:sp>
-        <p:nvSpPr>
-          <p:cNvPr id="2" name="Slide Image Placeholder 1"/>
-          <p:cNvSpPr>
-            <a:spLocks noGrp="1" noRot="1" noChangeAspect="1"/>
-          </p:cNvSpPr>
-          <p:nvPr>
-            <p:ph type="sldImg"/>
-          </p:nvPr>
-        </p:nvSpPr>
-        <p:spPr/>
-      </p:sp>
-      <p:sp>
-        <p:nvSpPr>
-          <p:cNvPr id="3" name="Notes Placeholder 2"/>
-          <p:cNvSpPr>
-            <a:spLocks noGrp="1"/>
-          </p:cNvSpPr>
-          <p:nvPr>
-            <p:ph type="body" idx="1"/>
-          </p:nvPr>
-        </p:nvSpPr>
-        <p:spPr/>
-        <p:txBody>
-          <a:bodyPr/>
-          <a:lstStyle/>
-          <a:p>
-            <a:endParaRPr lang="en-US" dirty="0"/>
-          </a:p>
-        </p:txBody>
-      </p:sp>
-      <p:sp>
-        <p:nvSpPr>
-          <p:cNvPr id="4" name="Slide Number Placeholder 3"/>
-          <p:cNvSpPr>
-            <a:spLocks noGrp="1"/>
-          </p:cNvSpPr>
-          <p:nvPr>
-            <p:ph type="sldNum" sz="quarter" idx="10"/>
-          </p:nvPr>
-        </p:nvSpPr>
-        <p:spPr/>
-        <p:txBody>
-          <a:bodyPr/>
-          <a:lstStyle/>
-          <a:p>
             <a:pPr>
               <a:defRPr/>
             </a:pPr>
@@ -16163,7 +15920,7 @@
               <a:pPr>
                 <a:defRPr/>
               </a:pPr>
-              <a:t>38</a:t>
+              <a:t>36</a:t>
             </a:fld>
             <a:endParaRPr lang="en-US"/>
           </a:p>
@@ -16182,7 +15939,7 @@
 </p:notes>
 </file>
 
-<file path=ppt/notesSlides/notesSlide22.xml><?xml version="1.0" encoding="utf-8"?>
+<file path=ppt/notesSlides/notesSlide21.xml><?xml version="1.0" encoding="utf-8"?>
 <p:notes xmlns:a="http://schemas.openxmlformats.org/drawingml/2006/main" xmlns:r="http://schemas.openxmlformats.org/officeDocument/2006/relationships" xmlns:p="http://schemas.openxmlformats.org/presentationml/2006/main">
   <p:cSld>
     <p:spTree>
@@ -16405,7 +16162,7 @@
             <a:fld id="{C2747A80-BDF2-074B-950B-35CBE4DA9234}" type="slidenum">
               <a:rPr lang="en-US" altLang="en-US" sz="1200"/>
               <a:pPr/>
-              <a:t>40</a:t>
+              <a:t>38</a:t>
             </a:fld>
             <a:endParaRPr lang="en-US" altLang="en-US" sz="1200"/>
           </a:p>
@@ -16415,6 +16172,90 @@
     <p:extLst>
       <p:ext uri="{BB962C8B-B14F-4D97-AF65-F5344CB8AC3E}">
         <p14:creationId xmlns:p14="http://schemas.microsoft.com/office/powerpoint/2010/main" val="69547542"/>
+      </p:ext>
+    </p:extLst>
+  </p:cSld>
+  <p:clrMapOvr>
+    <a:masterClrMapping/>
+  </p:clrMapOvr>
+</p:notes>
+</file>
+
+<file path=ppt/notesSlides/notesSlide22.xml><?xml version="1.0" encoding="utf-8"?>
+<p:notes xmlns:a="http://schemas.openxmlformats.org/drawingml/2006/main" xmlns:r="http://schemas.openxmlformats.org/officeDocument/2006/relationships" xmlns:p="http://schemas.openxmlformats.org/presentationml/2006/main">
+  <p:cSld>
+    <p:spTree>
+      <p:nvGrpSpPr>
+        <p:cNvPr id="1" name=""/>
+        <p:cNvGrpSpPr/>
+        <p:nvPr/>
+      </p:nvGrpSpPr>
+      <p:grpSpPr>
+        <a:xfrm>
+          <a:off x="0" y="0"/>
+          <a:ext cx="0" cy="0"/>
+          <a:chOff x="0" y="0"/>
+          <a:chExt cx="0" cy="0"/>
+        </a:xfrm>
+      </p:grpSpPr>
+      <p:sp>
+        <p:nvSpPr>
+          <p:cNvPr id="2" name="Slide Image Placeholder 1"/>
+          <p:cNvSpPr>
+            <a:spLocks noGrp="1" noRot="1" noChangeAspect="1"/>
+          </p:cNvSpPr>
+          <p:nvPr>
+            <p:ph type="sldImg"/>
+          </p:nvPr>
+        </p:nvSpPr>
+        <p:spPr/>
+      </p:sp>
+      <p:sp>
+        <p:nvSpPr>
+          <p:cNvPr id="3" name="Notes Placeholder 2"/>
+          <p:cNvSpPr>
+            <a:spLocks noGrp="1"/>
+          </p:cNvSpPr>
+          <p:nvPr>
+            <p:ph type="body" idx="1"/>
+          </p:nvPr>
+        </p:nvSpPr>
+        <p:spPr/>
+        <p:txBody>
+          <a:bodyPr/>
+          <a:lstStyle/>
+          <a:p>
+            <a:endParaRPr lang="en-US" dirty="0"/>
+          </a:p>
+        </p:txBody>
+      </p:sp>
+      <p:sp>
+        <p:nvSpPr>
+          <p:cNvPr id="4" name="Slide Number Placeholder 3"/>
+          <p:cNvSpPr>
+            <a:spLocks noGrp="1"/>
+          </p:cNvSpPr>
+          <p:nvPr>
+            <p:ph type="sldNum" sz="quarter" idx="10"/>
+          </p:nvPr>
+        </p:nvSpPr>
+        <p:spPr/>
+        <p:txBody>
+          <a:bodyPr/>
+          <a:lstStyle/>
+          <a:p>
+            <a:fld id="{F5FB7915-CB2F-9741-A606-164BDE3D49AE}" type="slidenum">
+              <a:rPr lang="en-US" smtClean="0"/>
+              <a:t>40</a:t>
+            </a:fld>
+            <a:endParaRPr lang="en-US"/>
+          </a:p>
+        </p:txBody>
+      </p:sp>
+    </p:spTree>
+    <p:extLst>
+      <p:ext uri="{BB962C8B-B14F-4D97-AF65-F5344CB8AC3E}">
+        <p14:creationId xmlns:p14="http://schemas.microsoft.com/office/powerpoint/2010/main" val="21235900"/>
       </p:ext>
     </p:extLst>
   </p:cSld>
@@ -16468,6 +16309,23 @@
           <a:bodyPr/>
           <a:lstStyle/>
           <a:p>
+            <a:pPr marL="0" marR="0" lvl="0" indent="0" algn="l" defTabSz="914400" rtl="0" eaLnBrk="1" fontAlgn="auto" latinLnBrk="0" hangingPunct="1">
+              <a:lnSpc>
+                <a:spcPct val="100000"/>
+              </a:lnSpc>
+              <a:spcBef>
+                <a:spcPts val="0"/>
+              </a:spcBef>
+              <a:spcAft>
+                <a:spcPts val="0"/>
+              </a:spcAft>
+              <a:buClrTx/>
+              <a:buSzTx/>
+              <a:buFontTx/>
+              <a:buNone/>
+              <a:tabLst/>
+              <a:defRPr/>
+            </a:pPr>
             <a:endParaRPr lang="en-US" dirty="0"/>
           </a:p>
         </p:txBody>
@@ -16479,7 +16337,7 @@
             <a:spLocks noGrp="1"/>
           </p:cNvSpPr>
           <p:nvPr>
-            <p:ph type="sldNum" sz="quarter" idx="10"/>
+            <p:ph type="sldNum" sz="quarter" idx="5"/>
           </p:nvPr>
         </p:nvSpPr>
         <p:spPr/>
@@ -16489,7 +16347,7 @@
           <a:p>
             <a:fld id="{F5FB7915-CB2F-9741-A606-164BDE3D49AE}" type="slidenum">
               <a:rPr lang="en-US" smtClean="0"/>
-              <a:t>42</a:t>
+              <a:t>41</a:t>
             </a:fld>
             <a:endParaRPr lang="en-US"/>
           </a:p>
@@ -16498,7 +16356,7 @@
     </p:spTree>
     <p:extLst>
       <p:ext uri="{BB962C8B-B14F-4D97-AF65-F5344CB8AC3E}">
-        <p14:creationId xmlns:p14="http://schemas.microsoft.com/office/powerpoint/2010/main" val="21235900"/>
+        <p14:creationId xmlns:p14="http://schemas.microsoft.com/office/powerpoint/2010/main" val="811110717"/>
       </p:ext>
     </p:extLst>
   </p:cSld>
@@ -16552,23 +16410,6 @@
           <a:bodyPr/>
           <a:lstStyle/>
           <a:p>
-            <a:pPr marL="0" marR="0" lvl="0" indent="0" algn="l" defTabSz="914400" rtl="0" eaLnBrk="1" fontAlgn="auto" latinLnBrk="0" hangingPunct="1">
-              <a:lnSpc>
-                <a:spcPct val="100000"/>
-              </a:lnSpc>
-              <a:spcBef>
-                <a:spcPts val="0"/>
-              </a:spcBef>
-              <a:spcAft>
-                <a:spcPts val="0"/>
-              </a:spcAft>
-              <a:buClrTx/>
-              <a:buSzTx/>
-              <a:buFontTx/>
-              <a:buNone/>
-              <a:tabLst/>
-              <a:defRPr/>
-            </a:pPr>
             <a:endParaRPr lang="en-US" dirty="0"/>
           </a:p>
         </p:txBody>
@@ -16580,7 +16421,7 @@
             <a:spLocks noGrp="1"/>
           </p:cNvSpPr>
           <p:nvPr>
-            <p:ph type="sldNum" sz="quarter" idx="5"/>
+            <p:ph type="sldNum" sz="quarter" idx="10"/>
           </p:nvPr>
         </p:nvSpPr>
         <p:spPr/>
@@ -16590,7 +16431,7 @@
           <a:p>
             <a:fld id="{F5FB7915-CB2F-9741-A606-164BDE3D49AE}" type="slidenum">
               <a:rPr lang="en-US" smtClean="0"/>
-              <a:t>43</a:t>
+              <a:t>42</a:t>
             </a:fld>
             <a:endParaRPr lang="en-US"/>
           </a:p>
@@ -16599,7 +16440,7 @@
     </p:spTree>
     <p:extLst>
       <p:ext uri="{BB962C8B-B14F-4D97-AF65-F5344CB8AC3E}">
-        <p14:creationId xmlns:p14="http://schemas.microsoft.com/office/powerpoint/2010/main" val="811110717"/>
+        <p14:creationId xmlns:p14="http://schemas.microsoft.com/office/powerpoint/2010/main" val="1792684855"/>
       </p:ext>
     </p:extLst>
   </p:cSld>
@@ -16674,7 +16515,7 @@
           <a:p>
             <a:fld id="{F5FB7915-CB2F-9741-A606-164BDE3D49AE}" type="slidenum">
               <a:rPr lang="en-US" smtClean="0"/>
-              <a:t>44</a:t>
+              <a:t>43</a:t>
             </a:fld>
             <a:endParaRPr lang="en-US"/>
           </a:p>
@@ -16683,7 +16524,7 @@
     </p:spTree>
     <p:extLst>
       <p:ext uri="{BB962C8B-B14F-4D97-AF65-F5344CB8AC3E}">
-        <p14:creationId xmlns:p14="http://schemas.microsoft.com/office/powerpoint/2010/main" val="1792684855"/>
+        <p14:creationId xmlns:p14="http://schemas.microsoft.com/office/powerpoint/2010/main" val="3166914015"/>
       </p:ext>
     </p:extLst>
   </p:cSld>
@@ -16748,7 +16589,7 @@
             <a:spLocks noGrp="1"/>
           </p:cNvSpPr>
           <p:nvPr>
-            <p:ph type="sldNum" sz="quarter" idx="10"/>
+            <p:ph type="sldNum" sz="quarter" idx="5"/>
           </p:nvPr>
         </p:nvSpPr>
         <p:spPr/>
@@ -16758,7 +16599,7 @@
           <a:p>
             <a:fld id="{F5FB7915-CB2F-9741-A606-164BDE3D49AE}" type="slidenum">
               <a:rPr lang="en-US" smtClean="0"/>
-              <a:t>45</a:t>
+              <a:t>44</a:t>
             </a:fld>
             <a:endParaRPr lang="en-US"/>
           </a:p>
@@ -16767,7 +16608,7 @@
     </p:spTree>
     <p:extLst>
       <p:ext uri="{BB962C8B-B14F-4D97-AF65-F5344CB8AC3E}">
-        <p14:creationId xmlns:p14="http://schemas.microsoft.com/office/powerpoint/2010/main" val="3166914015"/>
+        <p14:creationId xmlns:p14="http://schemas.microsoft.com/office/powerpoint/2010/main" val="504498607"/>
       </p:ext>
     </p:extLst>
   </p:cSld>
@@ -16842,7 +16683,7 @@
           <a:p>
             <a:fld id="{F5FB7915-CB2F-9741-A606-164BDE3D49AE}" type="slidenum">
               <a:rPr lang="en-US" smtClean="0"/>
-              <a:t>46</a:t>
+              <a:t>45</a:t>
             </a:fld>
             <a:endParaRPr lang="en-US"/>
           </a:p>
@@ -16851,7 +16692,7 @@
     </p:spTree>
     <p:extLst>
       <p:ext uri="{BB962C8B-B14F-4D97-AF65-F5344CB8AC3E}">
-        <p14:creationId xmlns:p14="http://schemas.microsoft.com/office/powerpoint/2010/main" val="504498607"/>
+        <p14:creationId xmlns:p14="http://schemas.microsoft.com/office/powerpoint/2010/main" val="3529318183"/>
       </p:ext>
     </p:extLst>
   </p:cSld>
@@ -16916,7 +16757,7 @@
             <a:spLocks noGrp="1"/>
           </p:cNvSpPr>
           <p:nvPr>
-            <p:ph type="sldNum" sz="quarter" idx="5"/>
+            <p:ph type="sldNum" sz="quarter" idx="10"/>
           </p:nvPr>
         </p:nvSpPr>
         <p:spPr/>
@@ -16926,7 +16767,7 @@
           <a:p>
             <a:fld id="{F5FB7915-CB2F-9741-A606-164BDE3D49AE}" type="slidenum">
               <a:rPr lang="en-US" smtClean="0"/>
-              <a:t>47</a:t>
+              <a:t>46</a:t>
             </a:fld>
             <a:endParaRPr lang="en-US"/>
           </a:p>
@@ -16935,7 +16776,7 @@
     </p:spTree>
     <p:extLst>
       <p:ext uri="{BB962C8B-B14F-4D97-AF65-F5344CB8AC3E}">
-        <p14:creationId xmlns:p14="http://schemas.microsoft.com/office/powerpoint/2010/main" val="3529318183"/>
+        <p14:creationId xmlns:p14="http://schemas.microsoft.com/office/powerpoint/2010/main" val="3164532864"/>
       </p:ext>
     </p:extLst>
   </p:cSld>
@@ -16989,7 +16830,7 @@
           <a:bodyPr/>
           <a:lstStyle/>
           <a:p>
-            <a:endParaRPr lang="en-US" dirty="0"/>
+            <a:endParaRPr lang="en-US"/>
           </a:p>
         </p:txBody>
       </p:sp>
@@ -17000,7 +16841,7 @@
             <a:spLocks noGrp="1"/>
           </p:cNvSpPr>
           <p:nvPr>
-            <p:ph type="sldNum" sz="quarter" idx="10"/>
+            <p:ph type="sldNum" sz="quarter" idx="5"/>
           </p:nvPr>
         </p:nvSpPr>
         <p:spPr/>
@@ -17008,9 +16849,9 @@
           <a:bodyPr/>
           <a:lstStyle/>
           <a:p>
-            <a:fld id="{F5FB7915-CB2F-9741-A606-164BDE3D49AE}" type="slidenum">
+            <a:fld id="{35539C08-4B3E-4D43-BFD9-DE915D94F6AF}" type="slidenum">
               <a:rPr lang="en-US" smtClean="0"/>
-              <a:t>48</a:t>
+              <a:t>47</a:t>
             </a:fld>
             <a:endParaRPr lang="en-US"/>
           </a:p>
@@ -17019,7 +16860,7 @@
     </p:spTree>
     <p:extLst>
       <p:ext uri="{BB962C8B-B14F-4D97-AF65-F5344CB8AC3E}">
-        <p14:creationId xmlns:p14="http://schemas.microsoft.com/office/powerpoint/2010/main" val="3164532864"/>
+        <p14:creationId xmlns:p14="http://schemas.microsoft.com/office/powerpoint/2010/main" val="574140832"/>
       </p:ext>
     </p:extLst>
   </p:cSld>
@@ -17330,9 +17171,9 @@
           <a:bodyPr/>
           <a:lstStyle/>
           <a:p>
-            <a:fld id="{35539C08-4B3E-4D43-BFD9-DE915D94F6AF}" type="slidenum">
+            <a:fld id="{2DFD7DFD-FAD7-2149-8B2A-B6C8944CBCA7}" type="slidenum">
               <a:rPr lang="en-US" smtClean="0"/>
-              <a:t>49</a:t>
+              <a:t>48</a:t>
             </a:fld>
             <a:endParaRPr lang="en-US"/>
           </a:p>
@@ -17341,7 +17182,7 @@
     </p:spTree>
     <p:extLst>
       <p:ext uri="{BB962C8B-B14F-4D97-AF65-F5344CB8AC3E}">
-        <p14:creationId xmlns:p14="http://schemas.microsoft.com/office/powerpoint/2010/main" val="574140832"/>
+        <p14:creationId xmlns:p14="http://schemas.microsoft.com/office/powerpoint/2010/main" val="1392751595"/>
       </p:ext>
     </p:extLst>
   </p:cSld>
@@ -17395,7 +17236,7 @@
           <a:bodyPr/>
           <a:lstStyle/>
           <a:p>
-            <a:endParaRPr lang="en-US"/>
+            <a:endParaRPr lang="en-US" dirty="0"/>
           </a:p>
         </p:txBody>
       </p:sp>
@@ -17406,7 +17247,7 @@
             <a:spLocks noGrp="1"/>
           </p:cNvSpPr>
           <p:nvPr>
-            <p:ph type="sldNum" sz="quarter" idx="5"/>
+            <p:ph type="sldNum" sz="quarter" idx="10"/>
           </p:nvPr>
         </p:nvSpPr>
         <p:spPr/>
@@ -17414,8 +17255,14 @@
           <a:bodyPr/>
           <a:lstStyle/>
           <a:p>
-            <a:fld id="{2DFD7DFD-FAD7-2149-8B2A-B6C8944CBCA7}" type="slidenum">
+            <a:pPr>
+              <a:defRPr/>
+            </a:pPr>
+            <a:fld id="{8BFBC843-836B-9E43-A493-AD6B2A49912B}" type="slidenum">
               <a:rPr lang="en-US" smtClean="0"/>
+              <a:pPr>
+                <a:defRPr/>
+              </a:pPr>
               <a:t>50</a:t>
             </a:fld>
             <a:endParaRPr lang="en-US"/>
@@ -17425,7 +17272,7 @@
     </p:spTree>
     <p:extLst>
       <p:ext uri="{BB962C8B-B14F-4D97-AF65-F5344CB8AC3E}">
-        <p14:creationId xmlns:p14="http://schemas.microsoft.com/office/powerpoint/2010/main" val="1392751595"/>
+        <p14:creationId xmlns:p14="http://schemas.microsoft.com/office/powerpoint/2010/main" val="1248049559"/>
       </p:ext>
     </p:extLst>
   </p:cSld>
@@ -17506,7 +17353,7 @@
               <a:pPr>
                 <a:defRPr/>
               </a:pPr>
-              <a:t>52</a:t>
+              <a:t>51</a:t>
             </a:fld>
             <a:endParaRPr lang="en-US"/>
           </a:p>
@@ -17515,7 +17362,7 @@
     </p:spTree>
     <p:extLst>
       <p:ext uri="{BB962C8B-B14F-4D97-AF65-F5344CB8AC3E}">
-        <p14:creationId xmlns:p14="http://schemas.microsoft.com/office/powerpoint/2010/main" val="1248049559"/>
+        <p14:creationId xmlns:p14="http://schemas.microsoft.com/office/powerpoint/2010/main" val="2990250246"/>
       </p:ext>
     </p:extLst>
   </p:cSld>
@@ -17596,7 +17443,7 @@
               <a:pPr>
                 <a:defRPr/>
               </a:pPr>
-              <a:t>53</a:t>
+              <a:t>52</a:t>
             </a:fld>
             <a:endParaRPr lang="en-US"/>
           </a:p>
@@ -17605,7 +17452,7 @@
     </p:spTree>
     <p:extLst>
       <p:ext uri="{BB962C8B-B14F-4D97-AF65-F5344CB8AC3E}">
-        <p14:creationId xmlns:p14="http://schemas.microsoft.com/office/powerpoint/2010/main" val="2990250246"/>
+        <p14:creationId xmlns:p14="http://schemas.microsoft.com/office/powerpoint/2010/main" val="745313395"/>
       </p:ext>
     </p:extLst>
   </p:cSld>
@@ -17686,7 +17533,7 @@
               <a:pPr>
                 <a:defRPr/>
               </a:pPr>
-              <a:t>54</a:t>
+              <a:t>53</a:t>
             </a:fld>
             <a:endParaRPr lang="en-US"/>
           </a:p>
@@ -17695,7 +17542,7 @@
     </p:spTree>
     <p:extLst>
       <p:ext uri="{BB962C8B-B14F-4D97-AF65-F5344CB8AC3E}">
-        <p14:creationId xmlns:p14="http://schemas.microsoft.com/office/powerpoint/2010/main" val="745313395"/>
+        <p14:creationId xmlns:p14="http://schemas.microsoft.com/office/powerpoint/2010/main" val="549591133"/>
       </p:ext>
     </p:extLst>
   </p:cSld>
@@ -17760,7 +17607,7 @@
             <a:spLocks noGrp="1"/>
           </p:cNvSpPr>
           <p:nvPr>
-            <p:ph type="sldNum" sz="quarter" idx="10"/>
+            <p:ph type="sldNum" sz="quarter" idx="5"/>
           </p:nvPr>
         </p:nvSpPr>
         <p:spPr/>
@@ -17768,15 +17615,9 @@
           <a:bodyPr/>
           <a:lstStyle/>
           <a:p>
-            <a:pPr>
-              <a:defRPr/>
-            </a:pPr>
-            <a:fld id="{8BFBC843-836B-9E43-A493-AD6B2A49912B}" type="slidenum">
+            <a:fld id="{2DFD7DFD-FAD7-2149-8B2A-B6C8944CBCA7}" type="slidenum">
               <a:rPr lang="en-US" smtClean="0"/>
-              <a:pPr>
-                <a:defRPr/>
-              </a:pPr>
-              <a:t>55</a:t>
+              <a:t>54</a:t>
             </a:fld>
             <a:endParaRPr lang="en-US"/>
           </a:p>
@@ -17785,7 +17626,7 @@
     </p:spTree>
     <p:extLst>
       <p:ext uri="{BB962C8B-B14F-4D97-AF65-F5344CB8AC3E}">
-        <p14:creationId xmlns:p14="http://schemas.microsoft.com/office/powerpoint/2010/main" val="549591133"/>
+        <p14:creationId xmlns:p14="http://schemas.microsoft.com/office/powerpoint/2010/main" val="1353340634"/>
       </p:ext>
     </p:extLst>
   </p:cSld>
@@ -17839,7 +17680,7 @@
           <a:bodyPr/>
           <a:lstStyle/>
           <a:p>
-            <a:endParaRPr lang="en-US" dirty="0"/>
+            <a:endParaRPr lang="en-US" b="1" dirty="0"/>
           </a:p>
         </p:txBody>
       </p:sp>
@@ -17850,7 +17691,7 @@
             <a:spLocks noGrp="1"/>
           </p:cNvSpPr>
           <p:nvPr>
-            <p:ph type="sldNum" sz="quarter" idx="5"/>
+            <p:ph type="sldNum" sz="quarter" idx="10"/>
           </p:nvPr>
         </p:nvSpPr>
         <p:spPr/>
@@ -17858,7 +17699,7 @@
           <a:bodyPr/>
           <a:lstStyle/>
           <a:p>
-            <a:fld id="{2DFD7DFD-FAD7-2149-8B2A-B6C8944CBCA7}" type="slidenum">
+            <a:fld id="{8641D13A-4A86-9F48-967B-A19337ADEEDC}" type="slidenum">
               <a:rPr lang="en-US" smtClean="0"/>
               <a:t>56</a:t>
             </a:fld>
@@ -17869,7 +17710,7 @@
     </p:spTree>
     <p:extLst>
       <p:ext uri="{BB962C8B-B14F-4D97-AF65-F5344CB8AC3E}">
-        <p14:creationId xmlns:p14="http://schemas.microsoft.com/office/powerpoint/2010/main" val="1353340634"/>
+        <p14:creationId xmlns:p14="http://schemas.microsoft.com/office/powerpoint/2010/main" val="498810471"/>
       </p:ext>
     </p:extLst>
   </p:cSld>
@@ -17923,7 +17764,7 @@
           <a:bodyPr/>
           <a:lstStyle/>
           <a:p>
-            <a:endParaRPr lang="en-US" b="1" dirty="0"/>
+            <a:endParaRPr lang="en-US" dirty="0"/>
           </a:p>
         </p:txBody>
       </p:sp>
@@ -17942,9 +17783,9 @@
           <a:bodyPr/>
           <a:lstStyle/>
           <a:p>
-            <a:fld id="{8641D13A-4A86-9F48-967B-A19337ADEEDC}" type="slidenum">
+            <a:fld id="{71295B12-301F-5043-8F46-0683F5BD73FC}" type="slidenum">
               <a:rPr lang="en-US" smtClean="0"/>
-              <a:t>58</a:t>
+              <a:t>57</a:t>
             </a:fld>
             <a:endParaRPr lang="en-US"/>
           </a:p>
@@ -17953,7 +17794,7 @@
     </p:spTree>
     <p:extLst>
       <p:ext uri="{BB962C8B-B14F-4D97-AF65-F5344CB8AC3E}">
-        <p14:creationId xmlns:p14="http://schemas.microsoft.com/office/powerpoint/2010/main" val="498810471"/>
+        <p14:creationId xmlns:p14="http://schemas.microsoft.com/office/powerpoint/2010/main" val="1091751654"/>
       </p:ext>
     </p:extLst>
   </p:cSld>
@@ -18009,6 +17850,9 @@
           <a:p>
             <a:endParaRPr lang="en-US" dirty="0"/>
           </a:p>
+          <a:p>
+            <a:endParaRPr lang="en-US" dirty="0"/>
+          </a:p>
         </p:txBody>
       </p:sp>
       <p:sp>
@@ -18028,7 +17872,7 @@
           <a:p>
             <a:fld id="{71295B12-301F-5043-8F46-0683F5BD73FC}" type="slidenum">
               <a:rPr lang="en-US" smtClean="0"/>
-              <a:t>59</a:t>
+              <a:t>58</a:t>
             </a:fld>
             <a:endParaRPr lang="en-US"/>
           </a:p>
@@ -18037,7 +17881,7 @@
     </p:spTree>
     <p:extLst>
       <p:ext uri="{BB962C8B-B14F-4D97-AF65-F5344CB8AC3E}">
-        <p14:creationId xmlns:p14="http://schemas.microsoft.com/office/powerpoint/2010/main" val="1091751654"/>
+        <p14:creationId xmlns:p14="http://schemas.microsoft.com/office/powerpoint/2010/main" val="4064844737"/>
       </p:ext>
     </p:extLst>
   </p:cSld>
@@ -18093,9 +17937,6 @@
           <a:p>
             <a:endParaRPr lang="en-US" dirty="0"/>
           </a:p>
-          <a:p>
-            <a:endParaRPr lang="en-US" dirty="0"/>
-          </a:p>
         </p:txBody>
       </p:sp>
       <p:sp>
@@ -18115,7 +17956,7 @@
           <a:p>
             <a:fld id="{71295B12-301F-5043-8F46-0683F5BD73FC}" type="slidenum">
               <a:rPr lang="en-US" smtClean="0"/>
-              <a:t>60</a:t>
+              <a:t>59</a:t>
             </a:fld>
             <a:endParaRPr lang="en-US"/>
           </a:p>
@@ -18124,7 +17965,7 @@
     </p:spTree>
     <p:extLst>
       <p:ext uri="{BB962C8B-B14F-4D97-AF65-F5344CB8AC3E}">
-        <p14:creationId xmlns:p14="http://schemas.microsoft.com/office/powerpoint/2010/main" val="4064844737"/>
+        <p14:creationId xmlns:p14="http://schemas.microsoft.com/office/powerpoint/2010/main" val="2960240850"/>
       </p:ext>
     </p:extLst>
   </p:cSld>
@@ -18287,9 +18128,15 @@
           <a:bodyPr/>
           <a:lstStyle/>
           <a:p>
-            <a:fld id="{71295B12-301F-5043-8F46-0683F5BD73FC}" type="slidenum">
+            <a:pPr>
+              <a:defRPr/>
+            </a:pPr>
+            <a:fld id="{8BFBC843-836B-9E43-A493-AD6B2A49912B}" type="slidenum">
               <a:rPr lang="en-US" smtClean="0"/>
-              <a:t>61</a:t>
+              <a:pPr>
+                <a:defRPr/>
+              </a:pPr>
+              <a:t>60</a:t>
             </a:fld>
             <a:endParaRPr lang="en-US"/>
           </a:p>
@@ -18298,7 +18145,7 @@
     </p:spTree>
     <p:extLst>
       <p:ext uri="{BB962C8B-B14F-4D97-AF65-F5344CB8AC3E}">
-        <p14:creationId xmlns:p14="http://schemas.microsoft.com/office/powerpoint/2010/main" val="2960240850"/>
+        <p14:creationId xmlns:p14="http://schemas.microsoft.com/office/powerpoint/2010/main" val="1513055375"/>
       </p:ext>
     </p:extLst>
   </p:cSld>
@@ -18352,96 +18199,6 @@
           <a:bodyPr/>
           <a:lstStyle/>
           <a:p>
-            <a:endParaRPr lang="en-US" dirty="0"/>
-          </a:p>
-        </p:txBody>
-      </p:sp>
-      <p:sp>
-        <p:nvSpPr>
-          <p:cNvPr id="4" name="Slide Number Placeholder 3"/>
-          <p:cNvSpPr>
-            <a:spLocks noGrp="1"/>
-          </p:cNvSpPr>
-          <p:nvPr>
-            <p:ph type="sldNum" sz="quarter" idx="10"/>
-          </p:nvPr>
-        </p:nvSpPr>
-        <p:spPr/>
-        <p:txBody>
-          <a:bodyPr/>
-          <a:lstStyle/>
-          <a:p>
-            <a:pPr>
-              <a:defRPr/>
-            </a:pPr>
-            <a:fld id="{8BFBC843-836B-9E43-A493-AD6B2A49912B}" type="slidenum">
-              <a:rPr lang="en-US" smtClean="0"/>
-              <a:pPr>
-                <a:defRPr/>
-              </a:pPr>
-              <a:t>62</a:t>
-            </a:fld>
-            <a:endParaRPr lang="en-US"/>
-          </a:p>
-        </p:txBody>
-      </p:sp>
-    </p:spTree>
-    <p:extLst>
-      <p:ext uri="{BB962C8B-B14F-4D97-AF65-F5344CB8AC3E}">
-        <p14:creationId xmlns:p14="http://schemas.microsoft.com/office/powerpoint/2010/main" val="1513055375"/>
-      </p:ext>
-    </p:extLst>
-  </p:cSld>
-  <p:clrMapOvr>
-    <a:masterClrMapping/>
-  </p:clrMapOvr>
-</p:notes>
-</file>
-
-<file path=ppt/notesSlides/notesSlide42.xml><?xml version="1.0" encoding="utf-8"?>
-<p:notes xmlns:a="http://schemas.openxmlformats.org/drawingml/2006/main" xmlns:r="http://schemas.openxmlformats.org/officeDocument/2006/relationships" xmlns:p="http://schemas.openxmlformats.org/presentationml/2006/main">
-  <p:cSld>
-    <p:spTree>
-      <p:nvGrpSpPr>
-        <p:cNvPr id="1" name=""/>
-        <p:cNvGrpSpPr/>
-        <p:nvPr/>
-      </p:nvGrpSpPr>
-      <p:grpSpPr>
-        <a:xfrm>
-          <a:off x="0" y="0"/>
-          <a:ext cx="0" cy="0"/>
-          <a:chOff x="0" y="0"/>
-          <a:chExt cx="0" cy="0"/>
-        </a:xfrm>
-      </p:grpSpPr>
-      <p:sp>
-        <p:nvSpPr>
-          <p:cNvPr id="2" name="Slide Image Placeholder 1"/>
-          <p:cNvSpPr>
-            <a:spLocks noGrp="1" noRot="1" noChangeAspect="1"/>
-          </p:cNvSpPr>
-          <p:nvPr>
-            <p:ph type="sldImg"/>
-          </p:nvPr>
-        </p:nvSpPr>
-        <p:spPr/>
-      </p:sp>
-      <p:sp>
-        <p:nvSpPr>
-          <p:cNvPr id="3" name="Notes Placeholder 2"/>
-          <p:cNvSpPr>
-            <a:spLocks noGrp="1"/>
-          </p:cNvSpPr>
-          <p:nvPr>
-            <p:ph type="body" idx="1"/>
-          </p:nvPr>
-        </p:nvSpPr>
-        <p:spPr/>
-        <p:txBody>
-          <a:bodyPr/>
-          <a:lstStyle/>
-          <a:p>
             <a:endParaRPr lang="en-US"/>
           </a:p>
         </p:txBody>
@@ -18463,7 +18220,7 @@
           <a:p>
             <a:fld id="{2DFD7DFD-FAD7-2149-8B2A-B6C8944CBCA7}" type="slidenum">
               <a:rPr lang="en-US" smtClean="0"/>
-              <a:t>63</a:t>
+              <a:t>61</a:t>
             </a:fld>
             <a:endParaRPr lang="en-US"/>
           </a:p>
@@ -18728,7 +18485,7 @@
               <a:pPr>
                 <a:defRPr/>
               </a:pPr>
-              <a:t>10</a:t>
+              <a:t>9</a:t>
             </a:fld>
             <a:endParaRPr lang="en-US"/>
           </a:p>
@@ -18818,7 +18575,7 @@
               <a:pPr>
                 <a:defRPr/>
               </a:pPr>
-              <a:t>12</a:t>
+              <a:t>11</a:t>
             </a:fld>
             <a:endParaRPr lang="en-US"/>
           </a:p>
@@ -18827,7 +18584,7 @@
     </p:spTree>
     <p:extLst>
       <p:ext uri="{BB962C8B-B14F-4D97-AF65-F5344CB8AC3E}">
-        <p14:creationId xmlns:p14="http://schemas.microsoft.com/office/powerpoint/2010/main" val="2160250"/>
+        <p14:creationId xmlns:p14="http://schemas.microsoft.com/office/powerpoint/2010/main" val="2586488719"/>
       </p:ext>
     </p:extLst>
   </p:cSld>
@@ -18856,68 +18613,219 @@
       </p:grpSpPr>
       <p:sp>
         <p:nvSpPr>
-          <p:cNvPr id="2" name="Slide Image Placeholder 1"/>
+          <p:cNvPr id="26625" name="Rectangle 7"/>
           <p:cNvSpPr>
-            <a:spLocks noGrp="1" noRot="1" noChangeAspect="1"/>
+            <a:spLocks noGrp="1" noChangeArrowheads="1"/>
+          </p:cNvSpPr>
+          <p:nvPr>
+            <p:ph type="sldNum" sz="quarter" idx="5"/>
+          </p:nvPr>
+        </p:nvSpPr>
+        <p:spPr>
+          <a:noFill/>
+          <a:ln/>
+          <a:extLst>
+            <a:ext uri="{909E8E84-426E-40DD-AFC4-6F175D3DCCD1}">
+              <a14:hiddenFill xmlns:a14="http://schemas.microsoft.com/office/drawing/2010/main">
+                <a:solidFill>
+                  <a:srgbClr val="FFFFFF"/>
+                </a:solidFill>
+              </a14:hiddenFill>
+            </a:ext>
+            <a:ext uri="{91240B29-F687-4F45-9708-019B960494DF}">
+              <a14:hiddenLine xmlns:a14="http://schemas.microsoft.com/office/drawing/2010/main" w="9525">
+                <a:solidFill>
+                  <a:srgbClr val="000000"/>
+                </a:solidFill>
+                <a:miter lim="800000"/>
+                <a:headEnd/>
+                <a:tailEnd/>
+              </a14:hiddenLine>
+            </a:ext>
+          </a:extLst>
+        </p:spPr>
+        <p:txBody>
+          <a:bodyPr/>
+          <a:lstStyle>
+            <a:lvl1pPr>
+              <a:defRPr sz="2400">
+                <a:solidFill>
+                  <a:schemeClr val="tx1"/>
+                </a:solidFill>
+                <a:latin typeface="Times" charset="0"/>
+                <a:ea typeface="ＭＳ Ｐゴシック" charset="-128"/>
+              </a:defRPr>
+            </a:lvl1pPr>
+            <a:lvl2pPr marL="742950" indent="-285750">
+              <a:defRPr sz="2400">
+                <a:solidFill>
+                  <a:schemeClr val="tx1"/>
+                </a:solidFill>
+                <a:latin typeface="Times" charset="0"/>
+                <a:ea typeface="ＭＳ Ｐゴシック" charset="-128"/>
+              </a:defRPr>
+            </a:lvl2pPr>
+            <a:lvl3pPr marL="1143000" indent="-228600">
+              <a:defRPr sz="2400">
+                <a:solidFill>
+                  <a:schemeClr val="tx1"/>
+                </a:solidFill>
+                <a:latin typeface="Times" charset="0"/>
+                <a:ea typeface="ＭＳ Ｐゴシック" charset="-128"/>
+              </a:defRPr>
+            </a:lvl3pPr>
+            <a:lvl4pPr marL="1600200" indent="-228600">
+              <a:defRPr sz="2400">
+                <a:solidFill>
+                  <a:schemeClr val="tx1"/>
+                </a:solidFill>
+                <a:latin typeface="Times" charset="0"/>
+                <a:ea typeface="ＭＳ Ｐゴシック" charset="-128"/>
+              </a:defRPr>
+            </a:lvl4pPr>
+            <a:lvl5pPr marL="2057400" indent="-228600">
+              <a:defRPr sz="2400">
+                <a:solidFill>
+                  <a:schemeClr val="tx1"/>
+                </a:solidFill>
+                <a:latin typeface="Times" charset="0"/>
+                <a:ea typeface="ＭＳ Ｐゴシック" charset="-128"/>
+              </a:defRPr>
+            </a:lvl5pPr>
+            <a:lvl6pPr marL="2514600" indent="-228600" eaLnBrk="0" fontAlgn="base" hangingPunct="0">
+              <a:spcBef>
+                <a:spcPct val="0"/>
+              </a:spcBef>
+              <a:spcAft>
+                <a:spcPct val="0"/>
+              </a:spcAft>
+              <a:defRPr sz="2400">
+                <a:solidFill>
+                  <a:schemeClr val="tx1"/>
+                </a:solidFill>
+                <a:latin typeface="Times" charset="0"/>
+                <a:ea typeface="ＭＳ Ｐゴシック" charset="-128"/>
+              </a:defRPr>
+            </a:lvl6pPr>
+            <a:lvl7pPr marL="2971800" indent="-228600" eaLnBrk="0" fontAlgn="base" hangingPunct="0">
+              <a:spcBef>
+                <a:spcPct val="0"/>
+              </a:spcBef>
+              <a:spcAft>
+                <a:spcPct val="0"/>
+              </a:spcAft>
+              <a:defRPr sz="2400">
+                <a:solidFill>
+                  <a:schemeClr val="tx1"/>
+                </a:solidFill>
+                <a:latin typeface="Times" charset="0"/>
+                <a:ea typeface="ＭＳ Ｐゴシック" charset="-128"/>
+              </a:defRPr>
+            </a:lvl7pPr>
+            <a:lvl8pPr marL="3429000" indent="-228600" eaLnBrk="0" fontAlgn="base" hangingPunct="0">
+              <a:spcBef>
+                <a:spcPct val="0"/>
+              </a:spcBef>
+              <a:spcAft>
+                <a:spcPct val="0"/>
+              </a:spcAft>
+              <a:defRPr sz="2400">
+                <a:solidFill>
+                  <a:schemeClr val="tx1"/>
+                </a:solidFill>
+                <a:latin typeface="Times" charset="0"/>
+                <a:ea typeface="ＭＳ Ｐゴシック" charset="-128"/>
+              </a:defRPr>
+            </a:lvl8pPr>
+            <a:lvl9pPr marL="3886200" indent="-228600" eaLnBrk="0" fontAlgn="base" hangingPunct="0">
+              <a:spcBef>
+                <a:spcPct val="0"/>
+              </a:spcBef>
+              <a:spcAft>
+                <a:spcPct val="0"/>
+              </a:spcAft>
+              <a:defRPr sz="2400">
+                <a:solidFill>
+                  <a:schemeClr val="tx1"/>
+                </a:solidFill>
+                <a:latin typeface="Times" charset="0"/>
+                <a:ea typeface="ＭＳ Ｐゴシック" charset="-128"/>
+              </a:defRPr>
+            </a:lvl9pPr>
+          </a:lstStyle>
+          <a:p>
+            <a:fld id="{DA57C22D-CD48-FD49-A952-E4182CECB470}" type="slidenum">
+              <a:rPr lang="en-US" altLang="en-US" sz="1200"/>
+              <a:pPr/>
+              <a:t>13</a:t>
+            </a:fld>
+            <a:endParaRPr lang="en-US" altLang="en-US" sz="1200"/>
+          </a:p>
+        </p:txBody>
+      </p:sp>
+      <p:sp>
+        <p:nvSpPr>
+          <p:cNvPr id="26626" name="Rectangle 2"/>
+          <p:cNvSpPr>
+            <a:spLocks noGrp="1" noRot="1" noChangeAspect="1" noChangeArrowheads="1" noTextEdit="1"/>
           </p:cNvSpPr>
           <p:nvPr>
             <p:ph type="sldImg"/>
           </p:nvPr>
         </p:nvSpPr>
-        <p:spPr/>
+        <p:spPr>
+          <a:ln/>
+        </p:spPr>
       </p:sp>
       <p:sp>
         <p:nvSpPr>
-          <p:cNvPr id="3" name="Notes Placeholder 2"/>
+          <p:cNvPr id="26627" name="Rectangle 3"/>
           <p:cNvSpPr>
-            <a:spLocks noGrp="1"/>
+            <a:spLocks noGrp="1" noChangeArrowheads="1"/>
           </p:cNvSpPr>
           <p:nvPr>
             <p:ph type="body" idx="1"/>
           </p:nvPr>
         </p:nvSpPr>
-        <p:spPr/>
+        <p:spPr>
+          <a:noFill/>
+          <a:ln/>
+          <a:extLst>
+            <a:ext uri="{909E8E84-426E-40DD-AFC4-6F175D3DCCD1}">
+              <a14:hiddenFill xmlns:a14="http://schemas.microsoft.com/office/drawing/2010/main">
+                <a:solidFill>
+                  <a:srgbClr val="FFFFFF"/>
+                </a:solidFill>
+              </a14:hiddenFill>
+            </a:ext>
+            <a:ext uri="{91240B29-F687-4F45-9708-019B960494DF}">
+              <a14:hiddenLine xmlns:a14="http://schemas.microsoft.com/office/drawing/2010/main" w="9525">
+                <a:solidFill>
+                  <a:srgbClr val="000000"/>
+                </a:solidFill>
+                <a:miter lim="800000"/>
+                <a:headEnd/>
+                <a:tailEnd/>
+              </a14:hiddenLine>
+            </a:ext>
+            <a:ext uri="{FAA26D3D-D897-4be2-8F04-BA451C77F1D7}">
+              <ma14:placeholderFlag xmlns="" xmlns:ma14="http://schemas.microsoft.com/office/mac/drawingml/2011/main" val="1"/>
+            </a:ext>
+          </a:extLst>
+        </p:spPr>
         <p:txBody>
           <a:bodyPr/>
           <a:lstStyle/>
           <a:p>
-            <a:endParaRPr lang="en-US" dirty="0"/>
-          </a:p>
-        </p:txBody>
-      </p:sp>
-      <p:sp>
-        <p:nvSpPr>
-          <p:cNvPr id="4" name="Slide Number Placeholder 3"/>
-          <p:cNvSpPr>
-            <a:spLocks noGrp="1"/>
-          </p:cNvSpPr>
-          <p:nvPr>
-            <p:ph type="sldNum" sz="quarter" idx="10"/>
-          </p:nvPr>
-        </p:nvSpPr>
-        <p:spPr/>
-        <p:txBody>
-          <a:bodyPr/>
-          <a:lstStyle/>
-          <a:p>
-            <a:pPr>
-              <a:defRPr/>
-            </a:pPr>
-            <a:fld id="{8BFBC843-836B-9E43-A493-AD6B2A49912B}" type="slidenum">
-              <a:rPr lang="en-US" smtClean="0"/>
-              <a:pPr>
-                <a:defRPr/>
-              </a:pPr>
-              <a:t>13</a:t>
-            </a:fld>
-            <a:endParaRPr lang="en-US"/>
+            <a:pPr eaLnBrk="1" hangingPunct="1"/>
+            <a:endParaRPr lang="en-US" altLang="en-US" dirty="0"/>
           </a:p>
         </p:txBody>
       </p:sp>
     </p:spTree>
     <p:extLst>
       <p:ext uri="{BB962C8B-B14F-4D97-AF65-F5344CB8AC3E}">
-        <p14:creationId xmlns:p14="http://schemas.microsoft.com/office/powerpoint/2010/main" val="2586488719"/>
+        <p14:creationId xmlns:p14="http://schemas.microsoft.com/office/powerpoint/2010/main" val="798868223"/>
       </p:ext>
     </p:extLst>
   </p:cSld>
@@ -19041,7 +18949,7 @@
               </a14:hiddenLine>
             </a:ext>
             <a:ext uri="{FAA26D3D-D897-4be2-8F04-BA451C77F1D7}">
-              <ma14:placeholderFlag xmlns="" xmlns:ma14="http://schemas.microsoft.com/office/mac/drawingml/2011/main" val="1"/>
+              <ma14:placeholderFlag xmlns:ma14="http://schemas.microsoft.com/office/mac/drawingml/2011/main" xmlns="" val="1"/>
             </a:ext>
           </a:extLst>
         </p:spPr>
@@ -19419,7 +19327,7 @@
           <a:p>
             <a:fld id="{E76F26E0-2ED5-1B4C-9D44-9364A5F1EF5B}" type="datetimeFigureOut">
               <a:rPr lang="en-US" smtClean="0"/>
-              <a:t>11/9/20</a:t>
+              <a:t>12/14/20</a:t>
             </a:fld>
             <a:endParaRPr lang="en-US"/>
           </a:p>
@@ -19489,7 +19397,7 @@
               </a14:hiddenLine>
             </a:ext>
             <a:ext uri="{FAA26D3D-D897-4be2-8F04-BA451C77F1D7}">
-              <ma14:placeholderFlag xmlns="" xmlns:ma14="http://schemas.microsoft.com/office/mac/drawingml/2011/main" val="1"/>
+              <ma14:placeholderFlag xmlns:ma14="http://schemas.microsoft.com/office/mac/drawingml/2011/main" xmlns="" val="1"/>
             </a:ext>
           </a:extLst>
         </p:spPr>
@@ -19623,7 +19531,7 @@
           <a:p>
             <a:fld id="{E76F26E0-2ED5-1B4C-9D44-9364A5F1EF5B}" type="datetimeFigureOut">
               <a:rPr lang="en-US" smtClean="0"/>
-              <a:t>11/9/20</a:t>
+              <a:t>12/14/20</a:t>
             </a:fld>
             <a:endParaRPr lang="en-US"/>
           </a:p>
@@ -20036,7 +19944,7 @@
           <a:p>
             <a:fld id="{E76F26E0-2ED5-1B4C-9D44-9364A5F1EF5B}" type="datetimeFigureOut">
               <a:rPr lang="en-US" smtClean="0"/>
-              <a:t>11/9/20</a:t>
+              <a:t>12/14/20</a:t>
             </a:fld>
             <a:endParaRPr lang="en-US"/>
           </a:p>
@@ -21788,7 +21696,7 @@
               </a14:hiddenLine>
             </a:ext>
             <a:ext uri="{FAA26D3D-D897-4be2-8F04-BA451C77F1D7}">
-              <ma14:placeholderFlag xmlns="" xmlns:ma14="http://schemas.microsoft.com/office/mac/drawingml/2011/main" val="1"/>
+              <ma14:placeholderFlag xmlns:ma14="http://schemas.microsoft.com/office/mac/drawingml/2011/main" xmlns="" val="1"/>
             </a:ext>
           </a:extLst>
         </p:spPr>
@@ -22325,7 +22233,7 @@
               </a14:hiddenLine>
             </a:ext>
             <a:ext uri="{FAA26D3D-D897-4be2-8F04-BA451C77F1D7}">
-              <ma14:placeholderFlag xmlns="" xmlns:ma14="http://schemas.microsoft.com/office/mac/drawingml/2011/main" val="1"/>
+              <ma14:placeholderFlag xmlns:ma14="http://schemas.microsoft.com/office/mac/drawingml/2011/main" xmlns="" val="1"/>
             </a:ext>
           </a:extLst>
         </p:spPr>
@@ -22855,7 +22763,7 @@
           <a:p>
             <a:fld id="{E76F26E0-2ED5-1B4C-9D44-9364A5F1EF5B}" type="datetimeFigureOut">
               <a:rPr lang="en-US" smtClean="0"/>
-              <a:t>11/9/20</a:t>
+              <a:t>12/14/20</a:t>
             </a:fld>
             <a:endParaRPr lang="en-US"/>
           </a:p>
@@ -23104,7 +23012,7 @@
           <a:p>
             <a:fld id="{E76F26E0-2ED5-1B4C-9D44-9364A5F1EF5B}" type="datetimeFigureOut">
               <a:rPr lang="en-US" smtClean="0"/>
-              <a:t>11/9/20</a:t>
+              <a:t>12/14/20</a:t>
             </a:fld>
             <a:endParaRPr lang="en-US"/>
           </a:p>
@@ -23174,7 +23082,7 @@
               </a14:hiddenLine>
             </a:ext>
             <a:ext uri="{FAA26D3D-D897-4be2-8F04-BA451C77F1D7}">
-              <ma14:placeholderFlag xmlns="" xmlns:ma14="http://schemas.microsoft.com/office/mac/drawingml/2011/main" val="1"/>
+              <ma14:placeholderFlag xmlns:ma14="http://schemas.microsoft.com/office/mac/drawingml/2011/main" xmlns="" val="1"/>
             </a:ext>
           </a:extLst>
         </p:spPr>
@@ -23236,7 +23144,7 @@
               </a14:hiddenLine>
             </a:ext>
             <a:ext uri="{FAA26D3D-D897-4be2-8F04-BA451C77F1D7}">
-              <ma14:placeholderFlag xmlns="" xmlns:ma14="http://schemas.microsoft.com/office/mac/drawingml/2011/main" val="1"/>
+              <ma14:placeholderFlag xmlns:ma14="http://schemas.microsoft.com/office/mac/drawingml/2011/main" xmlns="" val="1"/>
             </a:ext>
           </a:extLst>
         </p:spPr>
@@ -23336,7 +23244,7 @@
           <a:p>
             <a:fld id="{E76F26E0-2ED5-1B4C-9D44-9364A5F1EF5B}" type="datetimeFigureOut">
               <a:rPr lang="en-US" smtClean="0"/>
-              <a:t>11/9/20</a:t>
+              <a:t>12/14/20</a:t>
             </a:fld>
             <a:endParaRPr lang="en-US"/>
           </a:p>
@@ -23406,7 +23314,7 @@
               </a14:hiddenLine>
             </a:ext>
             <a:ext uri="{FAA26D3D-D897-4be2-8F04-BA451C77F1D7}">
-              <ma14:placeholderFlag xmlns="" xmlns:ma14="http://schemas.microsoft.com/office/mac/drawingml/2011/main" val="1"/>
+              <ma14:placeholderFlag xmlns:ma14="http://schemas.microsoft.com/office/mac/drawingml/2011/main" xmlns="" val="1"/>
             </a:ext>
           </a:extLst>
         </p:spPr>
@@ -23468,7 +23376,7 @@
               </a14:hiddenLine>
             </a:ext>
             <a:ext uri="{FAA26D3D-D897-4be2-8F04-BA451C77F1D7}">
-              <ma14:placeholderFlag xmlns="" xmlns:ma14="http://schemas.microsoft.com/office/mac/drawingml/2011/main" val="1"/>
+              <ma14:placeholderFlag xmlns:ma14="http://schemas.microsoft.com/office/mac/drawingml/2011/main" xmlns="" val="1"/>
             </a:ext>
           </a:extLst>
         </p:spPr>
@@ -23652,7 +23560,7 @@
           <a:p>
             <a:fld id="{E76F26E0-2ED5-1B4C-9D44-9364A5F1EF5B}" type="datetimeFigureOut">
               <a:rPr lang="en-US" smtClean="0"/>
-              <a:t>11/9/20</a:t>
+              <a:t>12/14/20</a:t>
             </a:fld>
             <a:endParaRPr lang="en-US"/>
           </a:p>
@@ -23722,7 +23630,7 @@
               </a14:hiddenLine>
             </a:ext>
             <a:ext uri="{FAA26D3D-D897-4be2-8F04-BA451C77F1D7}">
-              <ma14:placeholderFlag xmlns="" xmlns:ma14="http://schemas.microsoft.com/office/mac/drawingml/2011/main" val="1"/>
+              <ma14:placeholderFlag xmlns:ma14="http://schemas.microsoft.com/office/mac/drawingml/2011/main" xmlns="" val="1"/>
             </a:ext>
           </a:extLst>
         </p:spPr>
@@ -23784,7 +23692,7 @@
               </a14:hiddenLine>
             </a:ext>
             <a:ext uri="{FAA26D3D-D897-4be2-8F04-BA451C77F1D7}">
-              <ma14:placeholderFlag xmlns="" xmlns:ma14="http://schemas.microsoft.com/office/mac/drawingml/2011/main" val="1"/>
+              <ma14:placeholderFlag xmlns:ma14="http://schemas.microsoft.com/office/mac/drawingml/2011/main" xmlns="" val="1"/>
             </a:ext>
           </a:extLst>
         </p:spPr>
@@ -23884,7 +23792,7 @@
           <a:p>
             <a:fld id="{E76F26E0-2ED5-1B4C-9D44-9364A5F1EF5B}" type="datetimeFigureOut">
               <a:rPr lang="en-US" smtClean="0"/>
-              <a:t>11/9/20</a:t>
+              <a:t>12/14/20</a:t>
             </a:fld>
             <a:endParaRPr lang="en-US"/>
           </a:p>
@@ -23954,7 +23862,7 @@
               </a14:hiddenLine>
             </a:ext>
             <a:ext uri="{FAA26D3D-D897-4be2-8F04-BA451C77F1D7}">
-              <ma14:placeholderFlag xmlns="" xmlns:ma14="http://schemas.microsoft.com/office/mac/drawingml/2011/main" val="1"/>
+              <ma14:placeholderFlag xmlns:ma14="http://schemas.microsoft.com/office/mac/drawingml/2011/main" xmlns="" val="1"/>
             </a:ext>
           </a:extLst>
         </p:spPr>
@@ -24016,7 +23924,7 @@
               </a14:hiddenLine>
             </a:ext>
             <a:ext uri="{FAA26D3D-D897-4be2-8F04-BA451C77F1D7}">
-              <ma14:placeholderFlag xmlns="" xmlns:ma14="http://schemas.microsoft.com/office/mac/drawingml/2011/main" val="1"/>
+              <ma14:placeholderFlag xmlns:ma14="http://schemas.microsoft.com/office/mac/drawingml/2011/main" xmlns="" val="1"/>
             </a:ext>
           </a:extLst>
         </p:spPr>
@@ -24106,7 +24014,7 @@
               </a14:hiddenLine>
             </a:ext>
             <a:ext uri="{FAA26D3D-D897-4be2-8F04-BA451C77F1D7}">
-              <ma14:placeholderFlag xmlns="" xmlns:ma14="http://schemas.microsoft.com/office/mac/drawingml/2011/main" val="1"/>
+              <ma14:placeholderFlag xmlns:ma14="http://schemas.microsoft.com/office/mac/drawingml/2011/main" xmlns="" val="1"/>
             </a:ext>
           </a:extLst>
         </p:spPr>
@@ -24202,7 +24110,7 @@
           <a:p>
             <a:fld id="{E76F26E0-2ED5-1B4C-9D44-9364A5F1EF5B}" type="datetimeFigureOut">
               <a:rPr lang="en-US" smtClean="0"/>
-              <a:t>11/9/20</a:t>
+              <a:t>12/14/20</a:t>
             </a:fld>
             <a:endParaRPr lang="en-US"/>
           </a:p>
@@ -24639,7 +24547,7 @@
               </a14:hiddenLine>
             </a:ext>
             <a:ext uri="{FAA26D3D-D897-4be2-8F04-BA451C77F1D7}">
-              <ma14:placeholderFlag xmlns="" xmlns:ma14="http://schemas.microsoft.com/office/mac/drawingml/2011/main" val="1"/>
+              <ma14:placeholderFlag xmlns:ma14="http://schemas.microsoft.com/office/mac/drawingml/2011/main" xmlns="" val="1"/>
             </a:ext>
           </a:extLst>
         </p:spPr>
@@ -24703,7 +24611,7 @@
           <a:p>
             <a:fld id="{E76F26E0-2ED5-1B4C-9D44-9364A5F1EF5B}" type="datetimeFigureOut">
               <a:rPr lang="en-US" smtClean="0"/>
-              <a:t>11/9/20</a:t>
+              <a:t>12/14/20</a:t>
             </a:fld>
             <a:endParaRPr lang="en-US"/>
           </a:p>
@@ -24794,7 +24702,7 @@
               </a14:hiddenLine>
             </a:ext>
             <a:ext uri="{FAA26D3D-D897-4be2-8F04-BA451C77F1D7}">
-              <ma14:placeholderFlag xmlns="" xmlns:ma14="http://schemas.microsoft.com/office/mac/drawingml/2011/main" val="1"/>
+              <ma14:placeholderFlag xmlns:ma14="http://schemas.microsoft.com/office/mac/drawingml/2011/main" xmlns="" val="1"/>
             </a:ext>
           </a:extLst>
         </p:spPr>
@@ -25018,7 +24926,7 @@
               </a14:hiddenLine>
             </a:ext>
             <a:ext uri="{FAA26D3D-D897-4be2-8F04-BA451C77F1D7}">
-              <ma14:placeholderFlag xmlns="" xmlns:ma14="http://schemas.microsoft.com/office/mac/drawingml/2011/main" val="1"/>
+              <ma14:placeholderFlag xmlns:ma14="http://schemas.microsoft.com/office/mac/drawingml/2011/main" xmlns="" val="1"/>
             </a:ext>
           </a:extLst>
         </p:spPr>
@@ -25620,7 +25528,7 @@
               <a:rPr lang="en-US" dirty="0">
                 <a:ea typeface="ＭＳ Ｐゴシック"/>
               </a:rPr>
-              <a:t>CDS 663 Week 2 – Begin Jim</a:t>
+              <a:t>CDS 663 Week 2</a:t>
             </a:r>
             <a:endParaRPr lang="en-US" dirty="0"/>
           </a:p>
@@ -25640,350 +25548,6 @@
 </file>
 
 <file path=ppt/slides/slide10.xml><?xml version="1.0" encoding="utf-8"?>
-<p:sld xmlns:a="http://schemas.openxmlformats.org/drawingml/2006/main" xmlns:r="http://schemas.openxmlformats.org/officeDocument/2006/relationships" xmlns:p="http://schemas.openxmlformats.org/presentationml/2006/main">
-  <p:cSld>
-    <p:spTree>
-      <p:nvGrpSpPr>
-        <p:cNvPr id="1" name=""/>
-        <p:cNvGrpSpPr/>
-        <p:nvPr/>
-      </p:nvGrpSpPr>
-      <p:grpSpPr>
-        <a:xfrm>
-          <a:off x="0" y="0"/>
-          <a:ext cx="0" cy="0"/>
-          <a:chOff x="0" y="0"/>
-          <a:chExt cx="0" cy="0"/>
-        </a:xfrm>
-      </p:grpSpPr>
-      <p:sp>
-        <p:nvSpPr>
-          <p:cNvPr id="2" name="Date Placeholder 1"/>
-          <p:cNvSpPr>
-            <a:spLocks noGrp="1"/>
-          </p:cNvSpPr>
-          <p:nvPr>
-            <p:ph type="dt" sz="half" idx="10"/>
-          </p:nvPr>
-        </p:nvSpPr>
-        <p:spPr/>
-        <p:txBody>
-          <a:bodyPr/>
-          <a:lstStyle/>
-          <a:p>
-            <a:pPr>
-              <a:defRPr/>
-            </a:pPr>
-            <a:r>
-              <a:rPr lang="en-US"/>
-              <a:t>McKay Moore Sohlberg, PhD, CCC-SLP</a:t>
-            </a:r>
-            <a:endParaRPr lang="en-US" dirty="0"/>
-          </a:p>
-        </p:txBody>
-      </p:sp>
-      <p:sp>
-        <p:nvSpPr>
-          <p:cNvPr id="3" name="Title 2"/>
-          <p:cNvSpPr>
-            <a:spLocks noGrp="1"/>
-          </p:cNvSpPr>
-          <p:nvPr>
-            <p:ph type="title"/>
-          </p:nvPr>
-        </p:nvSpPr>
-        <p:spPr>
-          <a:xfrm>
-            <a:off x="1977263" y="225970"/>
-            <a:ext cx="8233540" cy="838200"/>
-          </a:xfrm>
-        </p:spPr>
-        <p:txBody>
-          <a:bodyPr/>
-          <a:lstStyle/>
-          <a:p>
-            <a:r>
-              <a:rPr lang="en-US" sz="2800" dirty="0"/>
-              <a:t>The Tension when Selecting Outcome Measures for Cognitive Rehabilitation</a:t>
-            </a:r>
-          </a:p>
-        </p:txBody>
-      </p:sp>
-      <p:sp>
-        <p:nvSpPr>
-          <p:cNvPr id="9" name="Up Arrow 8"/>
-          <p:cNvSpPr/>
-          <p:nvPr/>
-        </p:nvSpPr>
-        <p:spPr>
-          <a:xfrm rot="16200000" flipH="1">
-            <a:off x="2366193" y="1071297"/>
-            <a:ext cx="3087298" cy="3515583"/>
-          </a:xfrm>
-          <a:prstGeom prst="upArrow">
-            <a:avLst>
-              <a:gd name="adj1" fmla="val 50000"/>
-              <a:gd name="adj2" fmla="val 35000"/>
-            </a:avLst>
-          </a:prstGeom>
-          <a:solidFill>
-            <a:srgbClr val="0070C0"/>
-          </a:solidFill>
-        </p:spPr>
-        <p:style>
-          <a:lnRef idx="2">
-            <a:schemeClr val="accent2">
-              <a:shade val="50000"/>
-            </a:schemeClr>
-          </a:lnRef>
-          <a:fillRef idx="1">
-            <a:schemeClr val="accent2"/>
-          </a:fillRef>
-          <a:effectRef idx="0">
-            <a:schemeClr val="accent2"/>
-          </a:effectRef>
-          <a:fontRef idx="minor">
-            <a:schemeClr val="lt1"/>
-          </a:fontRef>
-        </p:style>
-      </p:sp>
-      <p:sp>
-        <p:nvSpPr>
-          <p:cNvPr id="10" name="TextBox 9"/>
-          <p:cNvSpPr txBox="1"/>
-          <p:nvPr/>
-        </p:nvSpPr>
-        <p:spPr>
-          <a:xfrm>
-            <a:off x="2609250" y="2321257"/>
-            <a:ext cx="2869324" cy="1015663"/>
-          </a:xfrm>
-          <a:prstGeom prst="rect">
-            <a:avLst/>
-          </a:prstGeom>
-          <a:noFill/>
-        </p:spPr>
-        <p:txBody>
-          <a:bodyPr wrap="square" rtlCol="0">
-            <a:spAutoFit/>
-          </a:bodyPr>
-          <a:lstStyle/>
-          <a:p>
-            <a:pPr algn="r"/>
-            <a:r>
-              <a:rPr lang="en-US" sz="2000" b="1" dirty="0">
-                <a:solidFill>
-                  <a:schemeClr val="bg1"/>
-                </a:solidFill>
-                <a:latin typeface="+mj-lt"/>
-              </a:rPr>
-              <a:t>Person-Centered Focus </a:t>
-            </a:r>
-            <a:br>
-              <a:rPr lang="en-US" sz="2000" b="1" dirty="0">
-                <a:solidFill>
-                  <a:schemeClr val="bg1"/>
-                </a:solidFill>
-                <a:latin typeface="+mj-lt"/>
-              </a:rPr>
-            </a:br>
-            <a:r>
-              <a:rPr lang="en-US" sz="2000" i="1" dirty="0">
-                <a:solidFill>
-                  <a:schemeClr val="bg1"/>
-                </a:solidFill>
-                <a:latin typeface="+mj-lt"/>
-              </a:rPr>
-              <a:t>(meaningful, ecological)</a:t>
-            </a:r>
-          </a:p>
-        </p:txBody>
-      </p:sp>
-      <p:sp>
-        <p:nvSpPr>
-          <p:cNvPr id="11" name="Up Arrow 10"/>
-          <p:cNvSpPr/>
-          <p:nvPr/>
-        </p:nvSpPr>
-        <p:spPr>
-          <a:xfrm rot="5400000">
-            <a:off x="6538811" y="1071297"/>
-            <a:ext cx="3087298" cy="3515583"/>
-          </a:xfrm>
-          <a:prstGeom prst="upArrow">
-            <a:avLst>
-              <a:gd name="adj1" fmla="val 50000"/>
-              <a:gd name="adj2" fmla="val 35000"/>
-            </a:avLst>
-          </a:prstGeom>
-          <a:solidFill>
-            <a:srgbClr val="0070C0"/>
-          </a:solidFill>
-        </p:spPr>
-        <p:style>
-          <a:lnRef idx="2">
-            <a:schemeClr val="accent2">
-              <a:shade val="50000"/>
-            </a:schemeClr>
-          </a:lnRef>
-          <a:fillRef idx="1">
-            <a:schemeClr val="accent2"/>
-          </a:fillRef>
-          <a:effectRef idx="0">
-            <a:schemeClr val="accent2"/>
-          </a:effectRef>
-          <a:fontRef idx="minor">
-            <a:schemeClr val="lt1"/>
-          </a:fontRef>
-        </p:style>
-      </p:sp>
-      <p:sp>
-        <p:nvSpPr>
-          <p:cNvPr id="12" name="TextBox 11"/>
-          <p:cNvSpPr txBox="1"/>
-          <p:nvPr/>
-        </p:nvSpPr>
-        <p:spPr>
-          <a:xfrm>
-            <a:off x="6498089" y="2475144"/>
-            <a:ext cx="2664372" cy="707886"/>
-          </a:xfrm>
-          <a:prstGeom prst="rect">
-            <a:avLst/>
-          </a:prstGeom>
-          <a:noFill/>
-        </p:spPr>
-        <p:txBody>
-          <a:bodyPr wrap="square" rtlCol="0">
-            <a:spAutoFit/>
-          </a:bodyPr>
-          <a:lstStyle/>
-          <a:p>
-            <a:r>
-              <a:rPr lang="en-US" sz="2000" b="1" dirty="0">
-                <a:solidFill>
-                  <a:schemeClr val="bg1"/>
-                </a:solidFill>
-                <a:latin typeface="+mj-lt"/>
-              </a:rPr>
-              <a:t>Measurable</a:t>
-            </a:r>
-            <a:br>
-              <a:rPr lang="en-US" sz="2000" b="1" dirty="0">
-                <a:solidFill>
-                  <a:schemeClr val="bg1"/>
-                </a:solidFill>
-                <a:latin typeface="+mj-lt"/>
-              </a:rPr>
-            </a:br>
-            <a:r>
-              <a:rPr lang="en-US" sz="2000" i="1" dirty="0">
-                <a:solidFill>
-                  <a:schemeClr val="bg1"/>
-                </a:solidFill>
-                <a:latin typeface="+mj-lt"/>
-              </a:rPr>
-              <a:t>(reliable, observable)</a:t>
-            </a:r>
-          </a:p>
-        </p:txBody>
-      </p:sp>
-      <p:sp>
-        <p:nvSpPr>
-          <p:cNvPr id="13" name="TextBox 12"/>
-          <p:cNvSpPr txBox="1"/>
-          <p:nvPr/>
-        </p:nvSpPr>
-        <p:spPr>
-          <a:xfrm>
-            <a:off x="3494692" y="3881518"/>
-            <a:ext cx="5029198" cy="1785104"/>
-          </a:xfrm>
-          <a:prstGeom prst="rect">
-            <a:avLst/>
-          </a:prstGeom>
-          <a:noFill/>
-        </p:spPr>
-        <p:txBody>
-          <a:bodyPr wrap="square" rtlCol="0">
-            <a:spAutoFit/>
-          </a:bodyPr>
-          <a:lstStyle/>
-          <a:p>
-            <a:r>
-              <a:rPr lang="en-US" sz="2200" dirty="0">
-                <a:latin typeface="+mj-lt"/>
-              </a:rPr>
-              <a:t>In a review of 31 tests assessing cognitive-linguistic skills:</a:t>
-            </a:r>
-          </a:p>
-          <a:p>
-            <a:r>
-              <a:rPr lang="en-US" sz="2200" b="1" dirty="0">
-                <a:solidFill>
-                  <a:schemeClr val="accent2">
-                    <a:lumMod val="75000"/>
-                  </a:schemeClr>
-                </a:solidFill>
-                <a:latin typeface="+mj-lt"/>
-              </a:rPr>
-              <a:t>None of the tests were predictive of performance in contexts relevant to daily life (ecological validity)</a:t>
-            </a:r>
-          </a:p>
-        </p:txBody>
-      </p:sp>
-      <p:sp>
-        <p:nvSpPr>
-          <p:cNvPr id="14" name="TextBox 13"/>
-          <p:cNvSpPr txBox="1"/>
-          <p:nvPr/>
-        </p:nvSpPr>
-        <p:spPr>
-          <a:xfrm>
-            <a:off x="7673895" y="5783726"/>
-            <a:ext cx="2729041" cy="400110"/>
-          </a:xfrm>
-          <a:prstGeom prst="rect">
-            <a:avLst/>
-          </a:prstGeom>
-          <a:noFill/>
-        </p:spPr>
-        <p:txBody>
-          <a:bodyPr wrap="square" rtlCol="0">
-            <a:spAutoFit/>
-          </a:bodyPr>
-          <a:lstStyle/>
-          <a:p>
-            <a:pPr algn="ctr"/>
-            <a:r>
-              <a:rPr lang="en-US" sz="2000" i="1" dirty="0" err="1">
-                <a:latin typeface="+mj-lt"/>
-              </a:rPr>
-              <a:t>Turkstra</a:t>
-            </a:r>
-            <a:r>
-              <a:rPr lang="en-US" sz="2000" i="1" dirty="0">
-                <a:latin typeface="+mj-lt"/>
-              </a:rPr>
-              <a:t> et al, 2005</a:t>
-            </a:r>
-          </a:p>
-        </p:txBody>
-      </p:sp>
-    </p:spTree>
-    <p:extLst>
-      <p:ext uri="{BB962C8B-B14F-4D97-AF65-F5344CB8AC3E}">
-        <p14:creationId xmlns:p14="http://schemas.microsoft.com/office/powerpoint/2010/main" val="2532172994"/>
-      </p:ext>
-    </p:extLst>
-  </p:cSld>
-  <p:clrMapOvr>
-    <a:masterClrMapping/>
-  </p:clrMapOvr>
-</p:sld>
-</file>
-
-<file path=ppt/slides/slide11.xml><?xml version="1.0" encoding="utf-8"?>
 <p:sld xmlns:a="http://schemas.openxmlformats.org/drawingml/2006/main" xmlns:r="http://schemas.openxmlformats.org/officeDocument/2006/relationships" xmlns:p="http://schemas.openxmlformats.org/presentationml/2006/main">
   <p:cSld>
     <p:spTree>
@@ -26860,7 +26424,572 @@
 </p:sld>
 </file>
 
+<file path=ppt/slides/slide11.xml><?xml version="1.0" encoding="utf-8"?>
+<p:sld xmlns:a="http://schemas.openxmlformats.org/drawingml/2006/main" xmlns:r="http://schemas.openxmlformats.org/officeDocument/2006/relationships" xmlns:p="http://schemas.openxmlformats.org/presentationml/2006/main">
+  <p:cSld>
+    <p:spTree>
+      <p:nvGrpSpPr>
+        <p:cNvPr id="1" name=""/>
+        <p:cNvGrpSpPr/>
+        <p:nvPr/>
+      </p:nvGrpSpPr>
+      <p:grpSpPr>
+        <a:xfrm>
+          <a:off x="0" y="0"/>
+          <a:ext cx="0" cy="0"/>
+          <a:chOff x="0" y="0"/>
+          <a:chExt cx="0" cy="0"/>
+        </a:xfrm>
+      </p:grpSpPr>
+      <p:sp>
+        <p:nvSpPr>
+          <p:cNvPr id="22530" name="Rectangle 2"/>
+          <p:cNvSpPr>
+            <a:spLocks noGrp="1" noRot="1" noChangeArrowheads="1"/>
+          </p:cNvSpPr>
+          <p:nvPr>
+            <p:ph type="title"/>
+          </p:nvPr>
+        </p:nvSpPr>
+        <p:spPr/>
+        <p:txBody>
+          <a:bodyPr/>
+          <a:lstStyle/>
+          <a:p>
+            <a:pPr eaLnBrk="1" hangingPunct="1"/>
+            <a:r>
+              <a:rPr lang="en-US" altLang="en-US" sz="2800" dirty="0"/>
+              <a:t>Can be hard to find </a:t>
+            </a:r>
+            <a:r>
+              <a:rPr lang="ja-JP" altLang="en-US" sz="2800" dirty="0"/>
+              <a:t>“</a:t>
+            </a:r>
+            <a:r>
+              <a:rPr lang="en-US" altLang="ja-JP" sz="2800" dirty="0"/>
+              <a:t>ecologically valid</a:t>
+            </a:r>
+            <a:r>
+              <a:rPr lang="ja-JP" altLang="en-US" sz="2800" dirty="0"/>
+              <a:t>”</a:t>
+            </a:r>
+            <a:r>
+              <a:rPr lang="en-US" altLang="ja-JP" sz="2800" dirty="0"/>
+              <a:t> standardized tests..</a:t>
+            </a:r>
+            <a:endParaRPr lang="en-US" altLang="en-US" sz="2800" dirty="0"/>
+          </a:p>
+        </p:txBody>
+      </p:sp>
+      <p:sp>
+        <p:nvSpPr>
+          <p:cNvPr id="22531" name="Rectangle 3"/>
+          <p:cNvSpPr>
+            <a:spLocks noGrp="1" noRot="1" noChangeArrowheads="1"/>
+          </p:cNvSpPr>
+          <p:nvPr>
+            <p:ph type="body" idx="1"/>
+          </p:nvPr>
+        </p:nvSpPr>
+        <p:spPr/>
+        <p:txBody>
+          <a:bodyPr/>
+          <a:lstStyle/>
+          <a:p>
+            <a:pPr eaLnBrk="1" hangingPunct="1"/>
+            <a:r>
+              <a:rPr lang="en-US" altLang="en-US" sz="2800" dirty="0"/>
+              <a:t>Executive functions: Testing environment may mask problems; base rate problem…often around 50%; </a:t>
+            </a:r>
+          </a:p>
+          <a:p>
+            <a:pPr eaLnBrk="1" hangingPunct="1"/>
+            <a:r>
+              <a:rPr lang="en-US" altLang="en-US" sz="2800" dirty="0"/>
+              <a:t>Discourse/pragmatics: Sensitivity to context; base rate problem, reliability for assessing more complex functions</a:t>
+            </a:r>
+          </a:p>
+          <a:p>
+            <a:pPr eaLnBrk="1" hangingPunct="1">
+              <a:buFont typeface="Wingdings 3" charset="2"/>
+              <a:buNone/>
+            </a:pPr>
+            <a:endParaRPr lang="en-US" altLang="en-US" dirty="0"/>
+          </a:p>
+        </p:txBody>
+      </p:sp>
+      <p:sp>
+        <p:nvSpPr>
+          <p:cNvPr id="2" name="TextBox 1"/>
+          <p:cNvSpPr txBox="1"/>
+          <p:nvPr/>
+        </p:nvSpPr>
+        <p:spPr>
+          <a:xfrm>
+            <a:off x="246911" y="6173272"/>
+            <a:ext cx="2445488" cy="369332"/>
+          </a:xfrm>
+          <a:prstGeom prst="rect">
+            <a:avLst/>
+          </a:prstGeom>
+          <a:solidFill>
+            <a:schemeClr val="bg2"/>
+          </a:solidFill>
+        </p:spPr>
+        <p:txBody>
+          <a:bodyPr wrap="square" rtlCol="0">
+            <a:spAutoFit/>
+          </a:bodyPr>
+          <a:lstStyle/>
+          <a:p>
+            <a:endParaRPr lang="en-US"/>
+          </a:p>
+        </p:txBody>
+      </p:sp>
+    </p:spTree>
+    <p:extLst>
+      <p:ext uri="{BB962C8B-B14F-4D97-AF65-F5344CB8AC3E}">
+        <p14:creationId xmlns:p14="http://schemas.microsoft.com/office/powerpoint/2010/main" val="812843723"/>
+      </p:ext>
+    </p:extLst>
+  </p:cSld>
+  <p:clrMapOvr>
+    <a:masterClrMapping/>
+  </p:clrMapOvr>
+</p:sld>
+</file>
+
 <file path=ppt/slides/slide12.xml><?xml version="1.0" encoding="utf-8"?>
+<p:sld xmlns:a="http://schemas.openxmlformats.org/drawingml/2006/main" xmlns:r="http://schemas.openxmlformats.org/officeDocument/2006/relationships" xmlns:p="http://schemas.openxmlformats.org/presentationml/2006/main">
+  <p:cSld>
+    <p:spTree>
+      <p:nvGrpSpPr>
+        <p:cNvPr id="1" name=""/>
+        <p:cNvGrpSpPr/>
+        <p:nvPr/>
+      </p:nvGrpSpPr>
+      <p:grpSpPr>
+        <a:xfrm>
+          <a:off x="0" y="0"/>
+          <a:ext cx="0" cy="0"/>
+          <a:chOff x="0" y="0"/>
+          <a:chExt cx="0" cy="0"/>
+        </a:xfrm>
+      </p:grpSpPr>
+      <p:sp>
+        <p:nvSpPr>
+          <p:cNvPr id="31746" name="Rectangle 2"/>
+          <p:cNvSpPr>
+            <a:spLocks noGrp="1" noRot="1" noChangeArrowheads="1"/>
+          </p:cNvSpPr>
+          <p:nvPr>
+            <p:ph type="title"/>
+          </p:nvPr>
+        </p:nvSpPr>
+        <p:spPr/>
+        <p:txBody>
+          <a:bodyPr/>
+          <a:lstStyle/>
+          <a:p>
+            <a:pPr eaLnBrk="1" hangingPunct="1"/>
+            <a:r>
+              <a:rPr lang="en-US" altLang="en-US" dirty="0"/>
+              <a:t>Static/Descriptive vs. Dynamic/Experimental</a:t>
+            </a:r>
+          </a:p>
+        </p:txBody>
+      </p:sp>
+      <p:sp>
+        <p:nvSpPr>
+          <p:cNvPr id="31747" name="Rectangle 3"/>
+          <p:cNvSpPr>
+            <a:spLocks noGrp="1" noRot="1" noChangeArrowheads="1"/>
+          </p:cNvSpPr>
+          <p:nvPr>
+            <p:ph type="body" idx="1"/>
+          </p:nvPr>
+        </p:nvSpPr>
+        <p:spPr/>
+        <p:txBody>
+          <a:bodyPr/>
+          <a:lstStyle/>
+          <a:p>
+            <a:pPr eaLnBrk="1" hangingPunct="1">
+              <a:lnSpc>
+                <a:spcPct val="90000"/>
+              </a:lnSpc>
+            </a:pPr>
+            <a:r>
+              <a:rPr lang="en-US" altLang="en-US" dirty="0"/>
+              <a:t>Static: Measures performance w/out attempting to identify the factors that influence performance (positive or negative)</a:t>
+            </a:r>
+          </a:p>
+          <a:p>
+            <a:pPr eaLnBrk="1" hangingPunct="1">
+              <a:lnSpc>
+                <a:spcPct val="90000"/>
+              </a:lnSpc>
+            </a:pPr>
+            <a:r>
+              <a:rPr lang="en-US" altLang="en-US" dirty="0"/>
+              <a:t>Dynamic: Attempts to identify the effects of factors.</a:t>
+            </a:r>
+          </a:p>
+          <a:p>
+            <a:pPr lvl="1" eaLnBrk="1" hangingPunct="1">
+              <a:lnSpc>
+                <a:spcPct val="90000"/>
+              </a:lnSpc>
+            </a:pPr>
+            <a:r>
+              <a:rPr lang="en-US" altLang="en-US" dirty="0"/>
+              <a:t>Test-retest is one example</a:t>
+            </a:r>
+          </a:p>
+          <a:p>
+            <a:pPr lvl="1" eaLnBrk="1" hangingPunct="1">
+              <a:lnSpc>
+                <a:spcPct val="90000"/>
+              </a:lnSpc>
+            </a:pPr>
+            <a:r>
+              <a:rPr lang="en-US" altLang="en-US" dirty="0"/>
+              <a:t>Flexible testing—accommodating an impairment</a:t>
+            </a:r>
+          </a:p>
+          <a:p>
+            <a:pPr lvl="1" eaLnBrk="1" hangingPunct="1">
+              <a:lnSpc>
+                <a:spcPct val="90000"/>
+              </a:lnSpc>
+            </a:pPr>
+            <a:r>
+              <a:rPr lang="en-US" altLang="en-US" dirty="0"/>
+              <a:t>Experimental...try altering administration according to hypothesis</a:t>
+            </a:r>
+          </a:p>
+        </p:txBody>
+      </p:sp>
+      <p:sp>
+        <p:nvSpPr>
+          <p:cNvPr id="2" name="TextBox 1"/>
+          <p:cNvSpPr txBox="1"/>
+          <p:nvPr/>
+        </p:nvSpPr>
+        <p:spPr>
+          <a:xfrm>
+            <a:off x="267587" y="6173272"/>
+            <a:ext cx="2399413" cy="506928"/>
+          </a:xfrm>
+          <a:prstGeom prst="rect">
+            <a:avLst/>
+          </a:prstGeom>
+          <a:solidFill>
+            <a:schemeClr val="bg2"/>
+          </a:solidFill>
+        </p:spPr>
+        <p:txBody>
+          <a:bodyPr wrap="square" rtlCol="0">
+            <a:spAutoFit/>
+          </a:bodyPr>
+          <a:lstStyle/>
+          <a:p>
+            <a:endParaRPr lang="en-US"/>
+          </a:p>
+        </p:txBody>
+      </p:sp>
+    </p:spTree>
+    <p:extLst>
+      <p:ext uri="{BB962C8B-B14F-4D97-AF65-F5344CB8AC3E}">
+        <p14:creationId xmlns:p14="http://schemas.microsoft.com/office/powerpoint/2010/main" val="1996687068"/>
+      </p:ext>
+    </p:extLst>
+  </p:cSld>
+  <p:clrMapOvr>
+    <a:masterClrMapping/>
+  </p:clrMapOvr>
+</p:sld>
+</file>
+
+<file path=ppt/slides/slide13.xml><?xml version="1.0" encoding="utf-8"?>
+<p:sld xmlns:a="http://schemas.openxmlformats.org/drawingml/2006/main" xmlns:r="http://schemas.openxmlformats.org/officeDocument/2006/relationships" xmlns:p="http://schemas.openxmlformats.org/presentationml/2006/main">
+  <p:cSld>
+    <p:spTree>
+      <p:nvGrpSpPr>
+        <p:cNvPr id="1" name=""/>
+        <p:cNvGrpSpPr/>
+        <p:nvPr/>
+      </p:nvGrpSpPr>
+      <p:grpSpPr>
+        <a:xfrm>
+          <a:off x="0" y="0"/>
+          <a:ext cx="0" cy="0"/>
+          <a:chOff x="0" y="0"/>
+          <a:chExt cx="0" cy="0"/>
+        </a:xfrm>
+      </p:grpSpPr>
+      <p:sp>
+        <p:nvSpPr>
+          <p:cNvPr id="10242" name="Rectangle 2"/>
+          <p:cNvSpPr>
+            <a:spLocks noGrp="1" noRot="1" noChangeArrowheads="1"/>
+          </p:cNvSpPr>
+          <p:nvPr>
+            <p:ph type="title"/>
+          </p:nvPr>
+        </p:nvSpPr>
+        <p:spPr/>
+        <p:txBody>
+          <a:bodyPr/>
+          <a:lstStyle/>
+          <a:p>
+            <a:pPr eaLnBrk="1" hangingPunct="1"/>
+            <a:r>
+              <a:rPr lang="en-US" altLang="en-US" dirty="0"/>
+              <a:t>Cognitive Assessment Areas</a:t>
+            </a:r>
+          </a:p>
+        </p:txBody>
+      </p:sp>
+      <p:sp>
+        <p:nvSpPr>
+          <p:cNvPr id="10243" name="Rectangle 3"/>
+          <p:cNvSpPr>
+            <a:spLocks noGrp="1" noRot="1" noChangeArrowheads="1"/>
+          </p:cNvSpPr>
+          <p:nvPr>
+            <p:ph type="body" idx="1"/>
+          </p:nvPr>
+        </p:nvSpPr>
+        <p:spPr/>
+        <p:txBody>
+          <a:bodyPr/>
+          <a:lstStyle/>
+          <a:p>
+            <a:r>
+              <a:rPr lang="en-US" altLang="en-US" dirty="0">
+                <a:ea typeface="ＭＳ Ｐゴシック"/>
+              </a:rPr>
+              <a:t>Orientation/Arousal </a:t>
+            </a:r>
+          </a:p>
+          <a:p>
+            <a:pPr eaLnBrk="1" hangingPunct="1"/>
+            <a:r>
+              <a:rPr lang="en-US" altLang="en-US" dirty="0"/>
+              <a:t>General Cognitive/Intellectual Abilities</a:t>
+            </a:r>
+          </a:p>
+          <a:p>
+            <a:pPr eaLnBrk="1" hangingPunct="1"/>
+            <a:r>
+              <a:rPr lang="en-US" altLang="en-US" dirty="0"/>
+              <a:t>General Measures of Disability and Outcome</a:t>
+            </a:r>
+          </a:p>
+          <a:p>
+            <a:pPr eaLnBrk="1" hangingPunct="1"/>
+            <a:r>
+              <a:rPr lang="en-US" altLang="en-US" dirty="0"/>
+              <a:t>Attention</a:t>
+            </a:r>
+          </a:p>
+          <a:p>
+            <a:pPr eaLnBrk="1" hangingPunct="1"/>
+            <a:r>
+              <a:rPr lang="en-US" altLang="en-US" dirty="0"/>
+              <a:t>Memory &amp; New Learning</a:t>
+            </a:r>
+          </a:p>
+          <a:p>
+            <a:pPr eaLnBrk="1" hangingPunct="1"/>
+            <a:r>
+              <a:rPr lang="en-US" altLang="en-US" dirty="0"/>
+              <a:t>Executive Functions</a:t>
+            </a:r>
+          </a:p>
+        </p:txBody>
+      </p:sp>
+      <p:sp>
+        <p:nvSpPr>
+          <p:cNvPr id="2" name="TextBox 1"/>
+          <p:cNvSpPr txBox="1"/>
+          <p:nvPr/>
+        </p:nvSpPr>
+        <p:spPr>
+          <a:xfrm>
+            <a:off x="0" y="6173272"/>
+            <a:ext cx="2743200" cy="481528"/>
+          </a:xfrm>
+          <a:prstGeom prst="rect">
+            <a:avLst/>
+          </a:prstGeom>
+          <a:solidFill>
+            <a:schemeClr val="bg2"/>
+          </a:solidFill>
+        </p:spPr>
+        <p:txBody>
+          <a:bodyPr wrap="square" rtlCol="0">
+            <a:spAutoFit/>
+          </a:bodyPr>
+          <a:lstStyle/>
+          <a:p>
+            <a:endParaRPr lang="en-US"/>
+          </a:p>
+        </p:txBody>
+      </p:sp>
+    </p:spTree>
+    <p:extLst>
+      <p:ext uri="{BB962C8B-B14F-4D97-AF65-F5344CB8AC3E}">
+        <p14:creationId xmlns:p14="http://schemas.microsoft.com/office/powerpoint/2010/main" val="1808622292"/>
+      </p:ext>
+    </p:extLst>
+  </p:cSld>
+  <p:clrMapOvr>
+    <a:masterClrMapping/>
+  </p:clrMapOvr>
+</p:sld>
+</file>
+
+<file path=ppt/slides/slide14.xml><?xml version="1.0" encoding="utf-8"?>
+<p:sld xmlns:a="http://schemas.openxmlformats.org/drawingml/2006/main" xmlns:r="http://schemas.openxmlformats.org/officeDocument/2006/relationships" xmlns:p="http://schemas.openxmlformats.org/presentationml/2006/main">
+  <p:cSld>
+    <p:spTree>
+      <p:nvGrpSpPr>
+        <p:cNvPr id="1" name=""/>
+        <p:cNvGrpSpPr/>
+        <p:nvPr/>
+      </p:nvGrpSpPr>
+      <p:grpSpPr>
+        <a:xfrm>
+          <a:off x="0" y="0"/>
+          <a:ext cx="0" cy="0"/>
+          <a:chOff x="0" y="0"/>
+          <a:chExt cx="0" cy="0"/>
+        </a:xfrm>
+      </p:grpSpPr>
+      <p:sp>
+        <p:nvSpPr>
+          <p:cNvPr id="29698" name="Rectangle 2"/>
+          <p:cNvSpPr>
+            <a:spLocks noGrp="1" noRot="1" noChangeArrowheads="1"/>
+          </p:cNvSpPr>
+          <p:nvPr>
+            <p:ph type="title"/>
+          </p:nvPr>
+        </p:nvSpPr>
+        <p:spPr/>
+        <p:txBody>
+          <a:bodyPr/>
+          <a:lstStyle/>
+          <a:p>
+            <a:pPr eaLnBrk="1" hangingPunct="1"/>
+            <a:r>
+              <a:rPr lang="en-US" altLang="en-US" dirty="0"/>
+              <a:t>Orientation/Arousal</a:t>
+            </a:r>
+          </a:p>
+        </p:txBody>
+      </p:sp>
+      <p:sp>
+        <p:nvSpPr>
+          <p:cNvPr id="29699" name="Rectangle 3"/>
+          <p:cNvSpPr>
+            <a:spLocks noGrp="1" noRot="1" noChangeArrowheads="1"/>
+          </p:cNvSpPr>
+          <p:nvPr>
+            <p:ph type="body" idx="1"/>
+          </p:nvPr>
+        </p:nvSpPr>
+        <p:spPr/>
+        <p:txBody>
+          <a:bodyPr/>
+          <a:lstStyle/>
+          <a:p>
+            <a:pPr eaLnBrk="1" hangingPunct="1">
+              <a:lnSpc>
+                <a:spcPct val="90000"/>
+              </a:lnSpc>
+            </a:pPr>
+            <a:r>
+              <a:rPr lang="en-US" altLang="en-US" sz="2800" dirty="0"/>
+              <a:t>COMA: different instruments used to measure (</a:t>
+            </a:r>
+            <a:r>
+              <a:rPr lang="en-US" altLang="en-US" sz="2800" dirty="0" err="1"/>
+              <a:t>Glascow</a:t>
+            </a:r>
+            <a:r>
+              <a:rPr lang="en-US" altLang="en-US" sz="2800" dirty="0"/>
+              <a:t> Coma Scale awards points for eye opening, best motor response, best verbal response)</a:t>
+            </a:r>
+          </a:p>
+          <a:p>
+            <a:pPr eaLnBrk="1" hangingPunct="1">
+              <a:lnSpc>
+                <a:spcPct val="90000"/>
+              </a:lnSpc>
+            </a:pPr>
+            <a:r>
+              <a:rPr lang="en-US" altLang="en-US" sz="2800" dirty="0"/>
+              <a:t>PTA (GOAT is an example of instrument and looks at orientation to person, place, time &amp; circumstance)</a:t>
+            </a:r>
+          </a:p>
+          <a:p>
+            <a:pPr eaLnBrk="1" hangingPunct="1">
+              <a:lnSpc>
+                <a:spcPct val="90000"/>
+              </a:lnSpc>
+            </a:pPr>
+            <a:r>
+              <a:rPr lang="en-US" altLang="en-US" sz="2800" dirty="0"/>
+              <a:t>Scales to track progress: most widely used is the Rancho Los Amigos Levels of Cognitive Functioning</a:t>
+            </a:r>
+          </a:p>
+        </p:txBody>
+      </p:sp>
+      <p:sp>
+        <p:nvSpPr>
+          <p:cNvPr id="2" name="TextBox 1"/>
+          <p:cNvSpPr txBox="1"/>
+          <p:nvPr/>
+        </p:nvSpPr>
+        <p:spPr>
+          <a:xfrm>
+            <a:off x="195521" y="6357938"/>
+            <a:ext cx="2105246" cy="369332"/>
+          </a:xfrm>
+          <a:prstGeom prst="rect">
+            <a:avLst/>
+          </a:prstGeom>
+          <a:solidFill>
+            <a:schemeClr val="bg2"/>
+          </a:solidFill>
+        </p:spPr>
+        <p:txBody>
+          <a:bodyPr wrap="square" rtlCol="0">
+            <a:spAutoFit/>
+          </a:bodyPr>
+          <a:lstStyle/>
+          <a:p>
+            <a:endParaRPr lang="en-US" dirty="0"/>
+          </a:p>
+        </p:txBody>
+      </p:sp>
+    </p:spTree>
+    <p:extLst>
+      <p:ext uri="{BB962C8B-B14F-4D97-AF65-F5344CB8AC3E}">
+        <p14:creationId xmlns:p14="http://schemas.microsoft.com/office/powerpoint/2010/main" val="884725071"/>
+      </p:ext>
+    </p:extLst>
+  </p:cSld>
+  <p:clrMapOvr>
+    <a:masterClrMapping/>
+  </p:clrMapOvr>
+</p:sld>
+</file>
+
+<file path=ppt/slides/slide15.xml><?xml version="1.0" encoding="utf-8"?>
 <p:sld xmlns:a="http://schemas.openxmlformats.org/drawingml/2006/main" xmlns:r="http://schemas.openxmlformats.org/officeDocument/2006/relationships" xmlns:p="http://schemas.openxmlformats.org/presentationml/2006/main">
   <p:cSld>
     <p:spTree>
@@ -26905,1152 +27034,6 @@
       </p:sp>
       <p:sp>
         <p:nvSpPr>
-          <p:cNvPr id="3" name="Title 2"/>
-          <p:cNvSpPr>
-            <a:spLocks noGrp="1"/>
-          </p:cNvSpPr>
-          <p:nvPr>
-            <p:ph type="title"/>
-          </p:nvPr>
-        </p:nvSpPr>
-        <p:spPr/>
-        <p:txBody>
-          <a:bodyPr/>
-          <a:lstStyle/>
-          <a:p>
-            <a:r>
-              <a:rPr lang="en-US" dirty="0"/>
-              <a:t>Limited Time for Evaluation</a:t>
-            </a:r>
-          </a:p>
-        </p:txBody>
-      </p:sp>
-      <p:graphicFrame>
-        <p:nvGraphicFramePr>
-          <p:cNvPr id="5" name="Table Placeholder 5"/>
-          <p:cNvGraphicFramePr>
-            <a:graphicFrameLocks/>
-          </p:cNvGraphicFramePr>
-          <p:nvPr/>
-        </p:nvGraphicFramePr>
-        <p:xfrm>
-          <a:off x="2133600" y="1124600"/>
-          <a:ext cx="8077200" cy="4818996"/>
-        </p:xfrm>
-        <a:graphic>
-          <a:graphicData uri="http://schemas.openxmlformats.org/drawingml/2006/table">
-            <a:tbl>
-              <a:tblPr firstRow="1" bandRow="1">
-                <a:tableStyleId>{3B4B98B0-60AC-42C2-AFA5-B58CD77FA1E5}</a:tableStyleId>
-              </a:tblPr>
-              <a:tblGrid>
-                <a:gridCol w="2575034">
-                  <a:extLst>
-                    <a:ext uri="{9D8B030D-6E8A-4147-A177-3AD203B41FA5}">
-                      <a16:colId xmlns:a16="http://schemas.microsoft.com/office/drawing/2014/main" val="20000"/>
-                    </a:ext>
-                  </a:extLst>
-                </a:gridCol>
-                <a:gridCol w="5502166">
-                  <a:extLst>
-                    <a:ext uri="{9D8B030D-6E8A-4147-A177-3AD203B41FA5}">
-                      <a16:colId xmlns:a16="http://schemas.microsoft.com/office/drawing/2014/main" val="20001"/>
-                    </a:ext>
-                  </a:extLst>
-                </a:gridCol>
-              </a:tblGrid>
-              <a:tr h="535444">
-                <a:tc gridSpan="2">
-                  <a:txBody>
-                    <a:bodyPr/>
-                    <a:lstStyle/>
-                    <a:p>
-                      <a:r>
-                        <a:rPr lang="en-US" sz="1800" b="0" i="1" dirty="0"/>
-                        <a:t>Evaluation for Assistive Technology for Cognition </a:t>
-                      </a:r>
-                      <a:r>
-                        <a:rPr lang="en-US" sz="1600" b="0" i="1" dirty="0"/>
-                        <a:t>(</a:t>
-                      </a:r>
-                      <a:r>
-                        <a:rPr lang="en-US" sz="1600" b="0" i="1" dirty="0" err="1"/>
-                        <a:t>Sohlberg</a:t>
-                      </a:r>
-                      <a:r>
-                        <a:rPr lang="en-US" sz="1600" b="0" i="1" dirty="0"/>
-                        <a:t> &amp; </a:t>
-                      </a:r>
-                      <a:r>
-                        <a:rPr lang="en-US" sz="1600" b="0" i="1" dirty="0" err="1"/>
-                        <a:t>Turkstra</a:t>
-                      </a:r>
-                      <a:r>
-                        <a:rPr lang="en-US" sz="1600" b="0" i="1" dirty="0"/>
-                        <a:t>, 2011)</a:t>
-                      </a:r>
-                    </a:p>
-                  </a:txBody>
-                  <a:tcPr anchor="ctr"/>
-                </a:tc>
-                <a:tc hMerge="1">
-                  <a:txBody>
-                    <a:bodyPr/>
-                    <a:lstStyle/>
-                    <a:p>
-                      <a:pPr algn="ctr"/>
-                      <a:endParaRPr lang="en-US" sz="2000" b="1" dirty="0">
-                        <a:solidFill>
-                          <a:schemeClr val="bg1"/>
-                        </a:solidFill>
-                      </a:endParaRPr>
-                    </a:p>
-                  </a:txBody>
-                  <a:tcPr anchor="ctr"/>
-                </a:tc>
-                <a:extLst>
-                  <a:ext uri="{0D108BD9-81ED-4DB2-BD59-A6C34878D82A}">
-                    <a16:rowId xmlns:a16="http://schemas.microsoft.com/office/drawing/2014/main" val="10000"/>
-                  </a:ext>
-                </a:extLst>
-              </a:tr>
-              <a:tr h="535444">
-                <a:tc>
-                  <a:txBody>
-                    <a:bodyPr/>
-                    <a:lstStyle/>
-                    <a:p>
-                      <a:r>
-                        <a:rPr lang="en-US" sz="1800" dirty="0"/>
-                        <a:t>Episodic Memory</a:t>
-                      </a:r>
-                      <a:endParaRPr lang="en-US" sz="1800" b="1" dirty="0">
-                        <a:latin typeface="+mj-lt"/>
-                      </a:endParaRPr>
-                    </a:p>
-                  </a:txBody>
-                  <a:tcPr marT="34290" marB="34290" anchor="ctr"/>
-                </a:tc>
-                <a:tc>
-                  <a:txBody>
-                    <a:bodyPr/>
-                    <a:lstStyle/>
-                    <a:p>
-                      <a:r>
-                        <a:rPr lang="en-US" sz="1800" dirty="0"/>
-                        <a:t>Remembering daily events &amp; personal experience</a:t>
-                      </a:r>
-                      <a:endParaRPr lang="en-US" sz="1800" dirty="0">
-                        <a:latin typeface="+mj-lt"/>
-                      </a:endParaRPr>
-                    </a:p>
-                  </a:txBody>
-                  <a:tcPr marT="34290" marB="34290" anchor="ctr"/>
-                </a:tc>
-                <a:extLst>
-                  <a:ext uri="{0D108BD9-81ED-4DB2-BD59-A6C34878D82A}">
-                    <a16:rowId xmlns:a16="http://schemas.microsoft.com/office/drawing/2014/main" val="10001"/>
-                  </a:ext>
-                </a:extLst>
-              </a:tr>
-              <a:tr h="535444">
-                <a:tc>
-                  <a:txBody>
-                    <a:bodyPr/>
-                    <a:lstStyle/>
-                    <a:p>
-                      <a:r>
-                        <a:rPr lang="en-US" sz="1800" dirty="0"/>
-                        <a:t>Semantic Memory</a:t>
-                      </a:r>
-                      <a:endParaRPr lang="en-US" sz="1800" b="1" dirty="0">
-                        <a:latin typeface="+mj-lt"/>
-                      </a:endParaRPr>
-                    </a:p>
-                  </a:txBody>
-                  <a:tcPr marT="34290" marB="34290" anchor="ctr"/>
-                </a:tc>
-                <a:tc>
-                  <a:txBody>
-                    <a:bodyPr/>
-                    <a:lstStyle/>
-                    <a:p>
-                      <a:pPr marL="0" marR="0" indent="0" algn="l" defTabSz="914400" rtl="0" eaLnBrk="1" fontAlgn="auto" latinLnBrk="0" hangingPunct="1">
-                        <a:lnSpc>
-                          <a:spcPct val="100000"/>
-                        </a:lnSpc>
-                        <a:spcBef>
-                          <a:spcPts val="0"/>
-                        </a:spcBef>
-                        <a:spcAft>
-                          <a:spcPts val="0"/>
-                        </a:spcAft>
-                        <a:buClrTx/>
-                        <a:buSzTx/>
-                        <a:buFontTx/>
-                        <a:buNone/>
-                        <a:tabLst/>
-                        <a:defRPr/>
-                      </a:pPr>
-                      <a:r>
-                        <a:rPr lang="en-US" dirty="0"/>
-                        <a:t>Remembering facts &amp; knowledge-based information</a:t>
-                      </a:r>
-                    </a:p>
-                  </a:txBody>
-                  <a:tcPr marT="34290" marB="34290" anchor="ctr"/>
-                </a:tc>
-                <a:extLst>
-                  <a:ext uri="{0D108BD9-81ED-4DB2-BD59-A6C34878D82A}">
-                    <a16:rowId xmlns:a16="http://schemas.microsoft.com/office/drawing/2014/main" val="10002"/>
-                  </a:ext>
-                </a:extLst>
-              </a:tr>
-              <a:tr h="535444">
-                <a:tc>
-                  <a:txBody>
-                    <a:bodyPr/>
-                    <a:lstStyle/>
-                    <a:p>
-                      <a:r>
-                        <a:rPr lang="en-US" sz="1800" dirty="0"/>
-                        <a:t>Prospective Memory</a:t>
-                      </a:r>
-                      <a:endParaRPr lang="en-US" sz="1800" b="1" baseline="0" dirty="0">
-                        <a:latin typeface="+mj-lt"/>
-                      </a:endParaRPr>
-                    </a:p>
-                  </a:txBody>
-                  <a:tcPr marT="34290" marB="34290" anchor="ctr"/>
-                </a:tc>
-                <a:tc>
-                  <a:txBody>
-                    <a:bodyPr/>
-                    <a:lstStyle/>
-                    <a:p>
-                      <a:pPr marL="0" marR="0" indent="0" algn="l" defTabSz="914400" rtl="0" eaLnBrk="1" fontAlgn="auto" latinLnBrk="0" hangingPunct="1">
-                        <a:lnSpc>
-                          <a:spcPct val="100000"/>
-                        </a:lnSpc>
-                        <a:spcBef>
-                          <a:spcPts val="0"/>
-                        </a:spcBef>
-                        <a:spcAft>
-                          <a:spcPts val="0"/>
-                        </a:spcAft>
-                        <a:buClrTx/>
-                        <a:buSzTx/>
-                        <a:buFontTx/>
-                        <a:buNone/>
-                        <a:tabLst/>
-                        <a:defRPr/>
-                      </a:pPr>
-                      <a:r>
-                        <a:rPr lang="en-US" dirty="0"/>
-                        <a:t>Remembering to carry out future intentions</a:t>
-                      </a:r>
-                    </a:p>
-                  </a:txBody>
-                  <a:tcPr marT="34290" marB="34290" anchor="ctr"/>
-                </a:tc>
-                <a:extLst>
-                  <a:ext uri="{0D108BD9-81ED-4DB2-BD59-A6C34878D82A}">
-                    <a16:rowId xmlns:a16="http://schemas.microsoft.com/office/drawing/2014/main" val="10003"/>
-                  </a:ext>
-                </a:extLst>
-              </a:tr>
-              <a:tr h="535444">
-                <a:tc>
-                  <a:txBody>
-                    <a:bodyPr/>
-                    <a:lstStyle/>
-                    <a:p>
-                      <a:r>
-                        <a:rPr lang="en-US" sz="1800" dirty="0"/>
-                        <a:t>Procedural Memory</a:t>
-                      </a:r>
-                      <a:endParaRPr lang="en-US" sz="1800" b="1" dirty="0">
-                        <a:latin typeface="+mj-lt"/>
-                      </a:endParaRPr>
-                    </a:p>
-                  </a:txBody>
-                  <a:tcPr marT="34290" marB="34290" anchor="ctr"/>
-                </a:tc>
-                <a:tc>
-                  <a:txBody>
-                    <a:bodyPr/>
-                    <a:lstStyle/>
-                    <a:p>
-                      <a:pPr marL="0" marR="0" indent="0" algn="l" defTabSz="914400" rtl="0" eaLnBrk="1" fontAlgn="auto" latinLnBrk="0" hangingPunct="1">
-                        <a:lnSpc>
-                          <a:spcPct val="100000"/>
-                        </a:lnSpc>
-                        <a:spcBef>
-                          <a:spcPts val="0"/>
-                        </a:spcBef>
-                        <a:spcAft>
-                          <a:spcPts val="0"/>
-                        </a:spcAft>
-                        <a:buClrTx/>
-                        <a:buSzTx/>
-                        <a:buFontTx/>
-                        <a:buNone/>
-                        <a:tabLst/>
-                        <a:defRPr/>
-                      </a:pPr>
-                      <a:r>
-                        <a:rPr lang="en-US" dirty="0"/>
-                        <a:t>Remembering habitual procedures &amp; actions</a:t>
-                      </a:r>
-                    </a:p>
-                  </a:txBody>
-                  <a:tcPr marT="34290" marB="34290" anchor="ctr"/>
-                </a:tc>
-                <a:extLst>
-                  <a:ext uri="{0D108BD9-81ED-4DB2-BD59-A6C34878D82A}">
-                    <a16:rowId xmlns:a16="http://schemas.microsoft.com/office/drawing/2014/main" val="10004"/>
-                  </a:ext>
-                </a:extLst>
-              </a:tr>
-              <a:tr h="535444">
-                <a:tc>
-                  <a:txBody>
-                    <a:bodyPr/>
-                    <a:lstStyle/>
-                    <a:p>
-                      <a:r>
-                        <a:rPr lang="en-US" sz="1800" dirty="0"/>
-                        <a:t>New Learning</a:t>
-                      </a:r>
-                      <a:endParaRPr lang="en-US" sz="1800" b="1" dirty="0">
-                        <a:latin typeface="+mj-lt"/>
-                      </a:endParaRPr>
-                    </a:p>
-                  </a:txBody>
-                  <a:tcPr marT="34290" marB="34290" anchor="ctr"/>
-                </a:tc>
-                <a:tc>
-                  <a:txBody>
-                    <a:bodyPr/>
-                    <a:lstStyle/>
-                    <a:p>
-                      <a:pPr marL="0" marR="0" indent="0" algn="l" defTabSz="914400" rtl="0" eaLnBrk="1" fontAlgn="auto" latinLnBrk="0" hangingPunct="1">
-                        <a:lnSpc>
-                          <a:spcPct val="100000"/>
-                        </a:lnSpc>
-                        <a:spcBef>
-                          <a:spcPts val="0"/>
-                        </a:spcBef>
-                        <a:spcAft>
-                          <a:spcPts val="0"/>
-                        </a:spcAft>
-                        <a:buClrTx/>
-                        <a:buSzTx/>
-                        <a:buFontTx/>
-                        <a:buNone/>
-                        <a:tabLst/>
-                        <a:defRPr/>
-                      </a:pPr>
-                      <a:r>
-                        <a:rPr lang="en-US" dirty="0"/>
-                        <a:t>Ability / rate of learning new information</a:t>
-                      </a:r>
-                    </a:p>
-                  </a:txBody>
-                  <a:tcPr marT="34290" marB="34290" anchor="ctr"/>
-                </a:tc>
-                <a:extLst>
-                  <a:ext uri="{0D108BD9-81ED-4DB2-BD59-A6C34878D82A}">
-                    <a16:rowId xmlns:a16="http://schemas.microsoft.com/office/drawing/2014/main" val="10005"/>
-                  </a:ext>
-                </a:extLst>
-              </a:tr>
-              <a:tr h="535444">
-                <a:tc>
-                  <a:txBody>
-                    <a:bodyPr/>
-                    <a:lstStyle/>
-                    <a:p>
-                      <a:r>
-                        <a:rPr lang="en-US" sz="1800" dirty="0"/>
-                        <a:t>Attention</a:t>
-                      </a:r>
-                      <a:endParaRPr lang="en-US" sz="1800" b="1" dirty="0">
-                        <a:latin typeface="+mj-lt"/>
-                      </a:endParaRPr>
-                    </a:p>
-                  </a:txBody>
-                  <a:tcPr marT="34290" marB="34290" anchor="ctr"/>
-                </a:tc>
-                <a:tc>
-                  <a:txBody>
-                    <a:bodyPr/>
-                    <a:lstStyle/>
-                    <a:p>
-                      <a:pPr marL="0" marR="0" indent="0" algn="l" defTabSz="914400" rtl="0" eaLnBrk="1" fontAlgn="auto" latinLnBrk="0" hangingPunct="1">
-                        <a:lnSpc>
-                          <a:spcPct val="100000"/>
-                        </a:lnSpc>
-                        <a:spcBef>
-                          <a:spcPts val="0"/>
-                        </a:spcBef>
-                        <a:spcAft>
-                          <a:spcPts val="0"/>
-                        </a:spcAft>
-                        <a:buClrTx/>
-                        <a:buSzTx/>
-                        <a:buFontTx/>
-                        <a:buNone/>
-                        <a:tabLst/>
-                        <a:defRPr/>
-                      </a:pPr>
-                      <a:r>
-                        <a:rPr lang="en-US" dirty="0"/>
-                        <a:t>Holding &amp; processing information in mind</a:t>
-                      </a:r>
-                    </a:p>
-                  </a:txBody>
-                  <a:tcPr marT="34290" marB="34290" anchor="ctr"/>
-                </a:tc>
-                <a:extLst>
-                  <a:ext uri="{0D108BD9-81ED-4DB2-BD59-A6C34878D82A}">
-                    <a16:rowId xmlns:a16="http://schemas.microsoft.com/office/drawing/2014/main" val="10006"/>
-                  </a:ext>
-                </a:extLst>
-              </a:tr>
-              <a:tr h="535444">
-                <a:tc>
-                  <a:txBody>
-                    <a:bodyPr/>
-                    <a:lstStyle/>
-                    <a:p>
-                      <a:r>
-                        <a:rPr lang="en-US" sz="1800" dirty="0"/>
-                        <a:t>Executive Functions</a:t>
-                      </a:r>
-                      <a:endParaRPr lang="en-US" sz="1800" b="1" dirty="0">
-                        <a:latin typeface="+mj-lt"/>
-                      </a:endParaRPr>
-                    </a:p>
-                  </a:txBody>
-                  <a:tcPr marT="34290" marB="34290" anchor="ctr"/>
-                </a:tc>
-                <a:tc>
-                  <a:txBody>
-                    <a:bodyPr/>
-                    <a:lstStyle/>
-                    <a:p>
-                      <a:pPr marL="0" marR="0" indent="0" algn="l" defTabSz="914400" rtl="0" eaLnBrk="1" fontAlgn="auto" latinLnBrk="0" hangingPunct="1">
-                        <a:lnSpc>
-                          <a:spcPct val="100000"/>
-                        </a:lnSpc>
-                        <a:spcBef>
-                          <a:spcPts val="0"/>
-                        </a:spcBef>
-                        <a:spcAft>
-                          <a:spcPts val="0"/>
-                        </a:spcAft>
-                        <a:buClrTx/>
-                        <a:buSzTx/>
-                        <a:buFontTx/>
-                        <a:buNone/>
-                        <a:tabLst/>
-                        <a:defRPr/>
-                      </a:pPr>
-                      <a:r>
-                        <a:rPr lang="en-US" dirty="0"/>
-                        <a:t>Planning, organizing, initiation, evaluation of activity</a:t>
-                      </a:r>
-                    </a:p>
-                  </a:txBody>
-                  <a:tcPr marT="34290" marB="34290" anchor="ctr"/>
-                </a:tc>
-                <a:extLst>
-                  <a:ext uri="{0D108BD9-81ED-4DB2-BD59-A6C34878D82A}">
-                    <a16:rowId xmlns:a16="http://schemas.microsoft.com/office/drawing/2014/main" val="10007"/>
-                  </a:ext>
-                </a:extLst>
-              </a:tr>
-              <a:tr h="535444">
-                <a:tc>
-                  <a:txBody>
-                    <a:bodyPr/>
-                    <a:lstStyle/>
-                    <a:p>
-                      <a:r>
-                        <a:rPr lang="en-US" sz="1800" dirty="0"/>
-                        <a:t>Problem</a:t>
-                      </a:r>
-                      <a:r>
-                        <a:rPr lang="en-US" sz="1800" baseline="0" dirty="0"/>
-                        <a:t> Solving</a:t>
-                      </a:r>
-                      <a:endParaRPr lang="en-US" sz="1800" b="1" dirty="0">
-                        <a:latin typeface="+mj-lt"/>
-                      </a:endParaRPr>
-                    </a:p>
-                  </a:txBody>
-                  <a:tcPr marT="34290" marB="34290" anchor="ctr"/>
-                </a:tc>
-                <a:tc>
-                  <a:txBody>
-                    <a:bodyPr/>
-                    <a:lstStyle/>
-                    <a:p>
-                      <a:pPr marL="0" marR="0" indent="0" algn="l" defTabSz="914400" rtl="0" eaLnBrk="1" fontAlgn="auto" latinLnBrk="0" hangingPunct="1">
-                        <a:lnSpc>
-                          <a:spcPct val="100000"/>
-                        </a:lnSpc>
-                        <a:spcBef>
-                          <a:spcPts val="0"/>
-                        </a:spcBef>
-                        <a:spcAft>
-                          <a:spcPts val="0"/>
-                        </a:spcAft>
-                        <a:buClrTx/>
-                        <a:buSzTx/>
-                        <a:buFontTx/>
-                        <a:buNone/>
-                        <a:tabLst/>
-                        <a:defRPr/>
-                      </a:pPr>
-                      <a:r>
-                        <a:rPr lang="en-US" dirty="0"/>
-                        <a:t>Ability to solve problems</a:t>
-                      </a:r>
-                    </a:p>
-                  </a:txBody>
-                  <a:tcPr marT="34290" marB="34290" anchor="ctr"/>
-                </a:tc>
-                <a:extLst>
-                  <a:ext uri="{0D108BD9-81ED-4DB2-BD59-A6C34878D82A}">
-                    <a16:rowId xmlns:a16="http://schemas.microsoft.com/office/drawing/2014/main" val="10008"/>
-                  </a:ext>
-                </a:extLst>
-              </a:tr>
-            </a:tbl>
-          </a:graphicData>
-        </a:graphic>
-      </p:graphicFrame>
-    </p:spTree>
-    <p:extLst>
-      <p:ext uri="{BB962C8B-B14F-4D97-AF65-F5344CB8AC3E}">
-        <p14:creationId xmlns:p14="http://schemas.microsoft.com/office/powerpoint/2010/main" val="1937405221"/>
-      </p:ext>
-    </p:extLst>
-  </p:cSld>
-  <p:clrMapOvr>
-    <a:masterClrMapping/>
-  </p:clrMapOvr>
-</p:sld>
-</file>
-
-<file path=ppt/slides/slide13.xml><?xml version="1.0" encoding="utf-8"?>
-<p:sld xmlns:a="http://schemas.openxmlformats.org/drawingml/2006/main" xmlns:r="http://schemas.openxmlformats.org/officeDocument/2006/relationships" xmlns:p="http://schemas.openxmlformats.org/presentationml/2006/main">
-  <p:cSld>
-    <p:spTree>
-      <p:nvGrpSpPr>
-        <p:cNvPr id="1" name=""/>
-        <p:cNvGrpSpPr/>
-        <p:nvPr/>
-      </p:nvGrpSpPr>
-      <p:grpSpPr>
-        <a:xfrm>
-          <a:off x="0" y="0"/>
-          <a:ext cx="0" cy="0"/>
-          <a:chOff x="0" y="0"/>
-          <a:chExt cx="0" cy="0"/>
-        </a:xfrm>
-      </p:grpSpPr>
-      <p:sp>
-        <p:nvSpPr>
-          <p:cNvPr id="22530" name="Rectangle 2"/>
-          <p:cNvSpPr>
-            <a:spLocks noGrp="1" noRot="1" noChangeArrowheads="1"/>
-          </p:cNvSpPr>
-          <p:nvPr>
-            <p:ph type="title"/>
-          </p:nvPr>
-        </p:nvSpPr>
-        <p:spPr/>
-        <p:txBody>
-          <a:bodyPr/>
-          <a:lstStyle/>
-          <a:p>
-            <a:pPr eaLnBrk="1" hangingPunct="1"/>
-            <a:r>
-              <a:rPr lang="en-US" altLang="en-US" sz="2800" dirty="0"/>
-              <a:t>Can be hard to find </a:t>
-            </a:r>
-            <a:r>
-              <a:rPr lang="ja-JP" altLang="en-US" sz="2800" dirty="0"/>
-              <a:t>“</a:t>
-            </a:r>
-            <a:r>
-              <a:rPr lang="en-US" altLang="ja-JP" sz="2800" dirty="0"/>
-              <a:t>ecologically valid</a:t>
-            </a:r>
-            <a:r>
-              <a:rPr lang="ja-JP" altLang="en-US" sz="2800" dirty="0"/>
-              <a:t>”</a:t>
-            </a:r>
-            <a:r>
-              <a:rPr lang="en-US" altLang="ja-JP" sz="2800" dirty="0"/>
-              <a:t> standardized tests..</a:t>
-            </a:r>
-            <a:endParaRPr lang="en-US" altLang="en-US" sz="2800" dirty="0"/>
-          </a:p>
-        </p:txBody>
-      </p:sp>
-      <p:sp>
-        <p:nvSpPr>
-          <p:cNvPr id="22531" name="Rectangle 3"/>
-          <p:cNvSpPr>
-            <a:spLocks noGrp="1" noRot="1" noChangeArrowheads="1"/>
-          </p:cNvSpPr>
-          <p:nvPr>
-            <p:ph type="body" idx="1"/>
-          </p:nvPr>
-        </p:nvSpPr>
-        <p:spPr/>
-        <p:txBody>
-          <a:bodyPr/>
-          <a:lstStyle/>
-          <a:p>
-            <a:pPr eaLnBrk="1" hangingPunct="1"/>
-            <a:r>
-              <a:rPr lang="en-US" altLang="en-US" sz="2800" dirty="0"/>
-              <a:t>Executive functions: Testing environment may mask problems; base rate problem…often around 50%; </a:t>
-            </a:r>
-          </a:p>
-          <a:p>
-            <a:pPr eaLnBrk="1" hangingPunct="1"/>
-            <a:r>
-              <a:rPr lang="en-US" altLang="en-US" sz="2800" dirty="0"/>
-              <a:t>Discourse/pragmatics: Sensitivity to context; base rate problem, reliability for assessing more complex functions</a:t>
-            </a:r>
-          </a:p>
-          <a:p>
-            <a:pPr eaLnBrk="1" hangingPunct="1">
-              <a:buFont typeface="Wingdings 3" charset="2"/>
-              <a:buNone/>
-            </a:pPr>
-            <a:endParaRPr lang="en-US" altLang="en-US" dirty="0"/>
-          </a:p>
-        </p:txBody>
-      </p:sp>
-      <p:sp>
-        <p:nvSpPr>
-          <p:cNvPr id="2" name="TextBox 1"/>
-          <p:cNvSpPr txBox="1"/>
-          <p:nvPr/>
-        </p:nvSpPr>
-        <p:spPr>
-          <a:xfrm>
-            <a:off x="246911" y="6173272"/>
-            <a:ext cx="2445488" cy="369332"/>
-          </a:xfrm>
-          <a:prstGeom prst="rect">
-            <a:avLst/>
-          </a:prstGeom>
-          <a:solidFill>
-            <a:schemeClr val="bg2"/>
-          </a:solidFill>
-        </p:spPr>
-        <p:txBody>
-          <a:bodyPr wrap="square" rtlCol="0">
-            <a:spAutoFit/>
-          </a:bodyPr>
-          <a:lstStyle/>
-          <a:p>
-            <a:endParaRPr lang="en-US"/>
-          </a:p>
-        </p:txBody>
-      </p:sp>
-    </p:spTree>
-    <p:extLst>
-      <p:ext uri="{BB962C8B-B14F-4D97-AF65-F5344CB8AC3E}">
-        <p14:creationId xmlns:p14="http://schemas.microsoft.com/office/powerpoint/2010/main" val="812843723"/>
-      </p:ext>
-    </p:extLst>
-  </p:cSld>
-  <p:clrMapOvr>
-    <a:masterClrMapping/>
-  </p:clrMapOvr>
-</p:sld>
-</file>
-
-<file path=ppt/slides/slide14.xml><?xml version="1.0" encoding="utf-8"?>
-<p:sld xmlns:a="http://schemas.openxmlformats.org/drawingml/2006/main" xmlns:r="http://schemas.openxmlformats.org/officeDocument/2006/relationships" xmlns:p="http://schemas.openxmlformats.org/presentationml/2006/main">
-  <p:cSld>
-    <p:spTree>
-      <p:nvGrpSpPr>
-        <p:cNvPr id="1" name=""/>
-        <p:cNvGrpSpPr/>
-        <p:nvPr/>
-      </p:nvGrpSpPr>
-      <p:grpSpPr>
-        <a:xfrm>
-          <a:off x="0" y="0"/>
-          <a:ext cx="0" cy="0"/>
-          <a:chOff x="0" y="0"/>
-          <a:chExt cx="0" cy="0"/>
-        </a:xfrm>
-      </p:grpSpPr>
-      <p:sp>
-        <p:nvSpPr>
-          <p:cNvPr id="31746" name="Rectangle 2"/>
-          <p:cNvSpPr>
-            <a:spLocks noGrp="1" noRot="1" noChangeArrowheads="1"/>
-          </p:cNvSpPr>
-          <p:nvPr>
-            <p:ph type="title"/>
-          </p:nvPr>
-        </p:nvSpPr>
-        <p:spPr/>
-        <p:txBody>
-          <a:bodyPr/>
-          <a:lstStyle/>
-          <a:p>
-            <a:pPr eaLnBrk="1" hangingPunct="1"/>
-            <a:r>
-              <a:rPr lang="en-US" altLang="en-US" dirty="0"/>
-              <a:t>Static/Descriptive vs. Dynamic/Experimental</a:t>
-            </a:r>
-          </a:p>
-        </p:txBody>
-      </p:sp>
-      <p:sp>
-        <p:nvSpPr>
-          <p:cNvPr id="31747" name="Rectangle 3"/>
-          <p:cNvSpPr>
-            <a:spLocks noGrp="1" noRot="1" noChangeArrowheads="1"/>
-          </p:cNvSpPr>
-          <p:nvPr>
-            <p:ph type="body" idx="1"/>
-          </p:nvPr>
-        </p:nvSpPr>
-        <p:spPr/>
-        <p:txBody>
-          <a:bodyPr/>
-          <a:lstStyle/>
-          <a:p>
-            <a:pPr eaLnBrk="1" hangingPunct="1">
-              <a:lnSpc>
-                <a:spcPct val="90000"/>
-              </a:lnSpc>
-            </a:pPr>
-            <a:r>
-              <a:rPr lang="en-US" altLang="en-US" dirty="0"/>
-              <a:t>Static: Measures performance w/out attempting to identify the factors that influence performance (positive or negative)</a:t>
-            </a:r>
-          </a:p>
-          <a:p>
-            <a:pPr eaLnBrk="1" hangingPunct="1">
-              <a:lnSpc>
-                <a:spcPct val="90000"/>
-              </a:lnSpc>
-            </a:pPr>
-            <a:r>
-              <a:rPr lang="en-US" altLang="en-US" dirty="0"/>
-              <a:t>Dynamic: Attempts to identify the effects of factors.</a:t>
-            </a:r>
-          </a:p>
-          <a:p>
-            <a:pPr lvl="1" eaLnBrk="1" hangingPunct="1">
-              <a:lnSpc>
-                <a:spcPct val="90000"/>
-              </a:lnSpc>
-            </a:pPr>
-            <a:r>
-              <a:rPr lang="en-US" altLang="en-US" dirty="0"/>
-              <a:t>Test-retest is one example</a:t>
-            </a:r>
-          </a:p>
-          <a:p>
-            <a:pPr lvl="1" eaLnBrk="1" hangingPunct="1">
-              <a:lnSpc>
-                <a:spcPct val="90000"/>
-              </a:lnSpc>
-            </a:pPr>
-            <a:r>
-              <a:rPr lang="en-US" altLang="en-US" dirty="0"/>
-              <a:t>Flexible testing—accommodating an impairment</a:t>
-            </a:r>
-          </a:p>
-          <a:p>
-            <a:pPr lvl="1" eaLnBrk="1" hangingPunct="1">
-              <a:lnSpc>
-                <a:spcPct val="90000"/>
-              </a:lnSpc>
-            </a:pPr>
-            <a:r>
-              <a:rPr lang="en-US" altLang="en-US" dirty="0" err="1"/>
-              <a:t>Experimental..try</a:t>
-            </a:r>
-            <a:r>
-              <a:rPr lang="en-US" altLang="en-US" dirty="0"/>
-              <a:t> altering administration  according to hypothesis</a:t>
-            </a:r>
-          </a:p>
-        </p:txBody>
-      </p:sp>
-      <p:sp>
-        <p:nvSpPr>
-          <p:cNvPr id="2" name="TextBox 1"/>
-          <p:cNvSpPr txBox="1"/>
-          <p:nvPr/>
-        </p:nvSpPr>
-        <p:spPr>
-          <a:xfrm>
-            <a:off x="267587" y="6173272"/>
-            <a:ext cx="2399413" cy="506928"/>
-          </a:xfrm>
-          <a:prstGeom prst="rect">
-            <a:avLst/>
-          </a:prstGeom>
-          <a:solidFill>
-            <a:schemeClr val="bg2"/>
-          </a:solidFill>
-        </p:spPr>
-        <p:txBody>
-          <a:bodyPr wrap="square" rtlCol="0">
-            <a:spAutoFit/>
-          </a:bodyPr>
-          <a:lstStyle/>
-          <a:p>
-            <a:endParaRPr lang="en-US"/>
-          </a:p>
-        </p:txBody>
-      </p:sp>
-    </p:spTree>
-    <p:extLst>
-      <p:ext uri="{BB962C8B-B14F-4D97-AF65-F5344CB8AC3E}">
-        <p14:creationId xmlns:p14="http://schemas.microsoft.com/office/powerpoint/2010/main" val="1996687068"/>
-      </p:ext>
-    </p:extLst>
-  </p:cSld>
-  <p:clrMapOvr>
-    <a:masterClrMapping/>
-  </p:clrMapOvr>
-</p:sld>
-</file>
-
-<file path=ppt/slides/slide15.xml><?xml version="1.0" encoding="utf-8"?>
-<p:sld xmlns:a="http://schemas.openxmlformats.org/drawingml/2006/main" xmlns:r="http://schemas.openxmlformats.org/officeDocument/2006/relationships" xmlns:p="http://schemas.openxmlformats.org/presentationml/2006/main">
-  <p:cSld>
-    <p:spTree>
-      <p:nvGrpSpPr>
-        <p:cNvPr id="1" name=""/>
-        <p:cNvGrpSpPr/>
-        <p:nvPr/>
-      </p:nvGrpSpPr>
-      <p:grpSpPr>
-        <a:xfrm>
-          <a:off x="0" y="0"/>
-          <a:ext cx="0" cy="0"/>
-          <a:chOff x="0" y="0"/>
-          <a:chExt cx="0" cy="0"/>
-        </a:xfrm>
-      </p:grpSpPr>
-      <p:sp>
-        <p:nvSpPr>
-          <p:cNvPr id="10242" name="Rectangle 2"/>
-          <p:cNvSpPr>
-            <a:spLocks noGrp="1" noRot="1" noChangeArrowheads="1"/>
-          </p:cNvSpPr>
-          <p:nvPr>
-            <p:ph type="title"/>
-          </p:nvPr>
-        </p:nvSpPr>
-        <p:spPr/>
-        <p:txBody>
-          <a:bodyPr/>
-          <a:lstStyle/>
-          <a:p>
-            <a:pPr eaLnBrk="1" hangingPunct="1"/>
-            <a:r>
-              <a:rPr lang="en-US" altLang="en-US" dirty="0"/>
-              <a:t>Cognitive Assessment Areas</a:t>
-            </a:r>
-          </a:p>
-        </p:txBody>
-      </p:sp>
-      <p:sp>
-        <p:nvSpPr>
-          <p:cNvPr id="10243" name="Rectangle 3"/>
-          <p:cNvSpPr>
-            <a:spLocks noGrp="1" noRot="1" noChangeArrowheads="1"/>
-          </p:cNvSpPr>
-          <p:nvPr>
-            <p:ph type="body" idx="1"/>
-          </p:nvPr>
-        </p:nvSpPr>
-        <p:spPr/>
-        <p:txBody>
-          <a:bodyPr/>
-          <a:lstStyle/>
-          <a:p>
-            <a:r>
-              <a:rPr lang="en-US" altLang="en-US" dirty="0">
-                <a:ea typeface="ＭＳ Ｐゴシック"/>
-              </a:rPr>
-              <a:t>Orientation/Arousal </a:t>
-            </a:r>
-          </a:p>
-          <a:p>
-            <a:pPr eaLnBrk="1" hangingPunct="1"/>
-            <a:r>
-              <a:rPr lang="en-US" altLang="en-US" dirty="0"/>
-              <a:t>General Cognitive/Intellectual Abilities</a:t>
-            </a:r>
-          </a:p>
-          <a:p>
-            <a:pPr eaLnBrk="1" hangingPunct="1"/>
-            <a:r>
-              <a:rPr lang="en-US" altLang="en-US" dirty="0"/>
-              <a:t>General Measures of Disability and Outcome</a:t>
-            </a:r>
-          </a:p>
-          <a:p>
-            <a:pPr eaLnBrk="1" hangingPunct="1"/>
-            <a:r>
-              <a:rPr lang="en-US" altLang="en-US" dirty="0"/>
-              <a:t>Attention</a:t>
-            </a:r>
-          </a:p>
-          <a:p>
-            <a:pPr eaLnBrk="1" hangingPunct="1"/>
-            <a:r>
-              <a:rPr lang="en-US" altLang="en-US" dirty="0"/>
-              <a:t>Memory &amp; New Learning</a:t>
-            </a:r>
-          </a:p>
-          <a:p>
-            <a:pPr eaLnBrk="1" hangingPunct="1"/>
-            <a:r>
-              <a:rPr lang="en-US" altLang="en-US" dirty="0"/>
-              <a:t>Executive Functions</a:t>
-            </a:r>
-          </a:p>
-        </p:txBody>
-      </p:sp>
-      <p:sp>
-        <p:nvSpPr>
-          <p:cNvPr id="2" name="TextBox 1"/>
-          <p:cNvSpPr txBox="1"/>
-          <p:nvPr/>
-        </p:nvSpPr>
-        <p:spPr>
-          <a:xfrm>
-            <a:off x="0" y="6173272"/>
-            <a:ext cx="2743200" cy="481528"/>
-          </a:xfrm>
-          <a:prstGeom prst="rect">
-            <a:avLst/>
-          </a:prstGeom>
-          <a:solidFill>
-            <a:schemeClr val="bg2"/>
-          </a:solidFill>
-        </p:spPr>
-        <p:txBody>
-          <a:bodyPr wrap="square" rtlCol="0">
-            <a:spAutoFit/>
-          </a:bodyPr>
-          <a:lstStyle/>
-          <a:p>
-            <a:endParaRPr lang="en-US"/>
-          </a:p>
-        </p:txBody>
-      </p:sp>
-    </p:spTree>
-    <p:extLst>
-      <p:ext uri="{BB962C8B-B14F-4D97-AF65-F5344CB8AC3E}">
-        <p14:creationId xmlns:p14="http://schemas.microsoft.com/office/powerpoint/2010/main" val="1808622292"/>
-      </p:ext>
-    </p:extLst>
-  </p:cSld>
-  <p:clrMapOvr>
-    <a:masterClrMapping/>
-  </p:clrMapOvr>
-</p:sld>
-</file>
-
-<file path=ppt/slides/slide16.xml><?xml version="1.0" encoding="utf-8"?>
-<p:sld xmlns:a="http://schemas.openxmlformats.org/drawingml/2006/main" xmlns:r="http://schemas.openxmlformats.org/officeDocument/2006/relationships" xmlns:p="http://schemas.openxmlformats.org/presentationml/2006/main">
-  <p:cSld>
-    <p:spTree>
-      <p:nvGrpSpPr>
-        <p:cNvPr id="1" name=""/>
-        <p:cNvGrpSpPr/>
-        <p:nvPr/>
-      </p:nvGrpSpPr>
-      <p:grpSpPr>
-        <a:xfrm>
-          <a:off x="0" y="0"/>
-          <a:ext cx="0" cy="0"/>
-          <a:chOff x="0" y="0"/>
-          <a:chExt cx="0" cy="0"/>
-        </a:xfrm>
-      </p:grpSpPr>
-      <p:sp>
-        <p:nvSpPr>
-          <p:cNvPr id="29698" name="Rectangle 2"/>
-          <p:cNvSpPr>
-            <a:spLocks noGrp="1" noRot="1" noChangeArrowheads="1"/>
-          </p:cNvSpPr>
-          <p:nvPr>
-            <p:ph type="title"/>
-          </p:nvPr>
-        </p:nvSpPr>
-        <p:spPr/>
-        <p:txBody>
-          <a:bodyPr/>
-          <a:lstStyle/>
-          <a:p>
-            <a:pPr eaLnBrk="1" hangingPunct="1"/>
-            <a:r>
-              <a:rPr lang="en-US" altLang="en-US" dirty="0"/>
-              <a:t>Orientation/Arousal</a:t>
-            </a:r>
-          </a:p>
-        </p:txBody>
-      </p:sp>
-      <p:sp>
-        <p:nvSpPr>
-          <p:cNvPr id="29699" name="Rectangle 3"/>
-          <p:cNvSpPr>
-            <a:spLocks noGrp="1" noRot="1" noChangeArrowheads="1"/>
-          </p:cNvSpPr>
-          <p:nvPr>
-            <p:ph type="body" idx="1"/>
-          </p:nvPr>
-        </p:nvSpPr>
-        <p:spPr/>
-        <p:txBody>
-          <a:bodyPr/>
-          <a:lstStyle/>
-          <a:p>
-            <a:pPr eaLnBrk="1" hangingPunct="1">
-              <a:lnSpc>
-                <a:spcPct val="90000"/>
-              </a:lnSpc>
-            </a:pPr>
-            <a:r>
-              <a:rPr lang="en-US" altLang="en-US" sz="2800"/>
-              <a:t>COMA: different instruments used to measure (Glascow Coma Scale awards points for eye opening, best motor response, best verbal response)</a:t>
-            </a:r>
-          </a:p>
-          <a:p>
-            <a:pPr eaLnBrk="1" hangingPunct="1">
-              <a:lnSpc>
-                <a:spcPct val="90000"/>
-              </a:lnSpc>
-            </a:pPr>
-            <a:r>
-              <a:rPr lang="en-US" altLang="en-US" sz="2800"/>
-              <a:t>PTA (GOAT is an example of instrument and looks at orientation to person, place, time  &amp; circumstance)</a:t>
-            </a:r>
-          </a:p>
-          <a:p>
-            <a:pPr eaLnBrk="1" hangingPunct="1">
-              <a:lnSpc>
-                <a:spcPct val="90000"/>
-              </a:lnSpc>
-            </a:pPr>
-            <a:r>
-              <a:rPr lang="en-US" altLang="en-US" sz="2800"/>
-              <a:t>Scales to track progress: most widely used is the Rancho Los Amigos Levels of Cognitive Functioning</a:t>
-            </a:r>
-          </a:p>
-        </p:txBody>
-      </p:sp>
-      <p:sp>
-        <p:nvSpPr>
-          <p:cNvPr id="2" name="TextBox 1"/>
-          <p:cNvSpPr txBox="1"/>
-          <p:nvPr/>
-        </p:nvSpPr>
-        <p:spPr>
-          <a:xfrm>
-            <a:off x="195521" y="6357938"/>
-            <a:ext cx="2105246" cy="369332"/>
-          </a:xfrm>
-          <a:prstGeom prst="rect">
-            <a:avLst/>
-          </a:prstGeom>
-          <a:solidFill>
-            <a:schemeClr val="bg2"/>
-          </a:solidFill>
-        </p:spPr>
-        <p:txBody>
-          <a:bodyPr wrap="square" rtlCol="0">
-            <a:spAutoFit/>
-          </a:bodyPr>
-          <a:lstStyle/>
-          <a:p>
-            <a:endParaRPr lang="en-US" dirty="0"/>
-          </a:p>
-        </p:txBody>
-      </p:sp>
-    </p:spTree>
-    <p:extLst>
-      <p:ext uri="{BB962C8B-B14F-4D97-AF65-F5344CB8AC3E}">
-        <p14:creationId xmlns:p14="http://schemas.microsoft.com/office/powerpoint/2010/main" val="884725071"/>
-      </p:ext>
-    </p:extLst>
-  </p:cSld>
-  <p:clrMapOvr>
-    <a:masterClrMapping/>
-  </p:clrMapOvr>
-</p:sld>
-</file>
-
-<file path=ppt/slides/slide17.xml><?xml version="1.0" encoding="utf-8"?>
-<p:sld xmlns:a="http://schemas.openxmlformats.org/drawingml/2006/main" xmlns:r="http://schemas.openxmlformats.org/officeDocument/2006/relationships" xmlns:p="http://schemas.openxmlformats.org/presentationml/2006/main">
-  <p:cSld>
-    <p:spTree>
-      <p:nvGrpSpPr>
-        <p:cNvPr id="1" name=""/>
-        <p:cNvGrpSpPr/>
-        <p:nvPr/>
-      </p:nvGrpSpPr>
-      <p:grpSpPr>
-        <a:xfrm>
-          <a:off x="0" y="0"/>
-          <a:ext cx="0" cy="0"/>
-          <a:chOff x="0" y="0"/>
-          <a:chExt cx="0" cy="0"/>
-        </a:xfrm>
-      </p:grpSpPr>
-      <p:sp>
-        <p:nvSpPr>
-          <p:cNvPr id="2" name="Date Placeholder 1"/>
-          <p:cNvSpPr>
-            <a:spLocks noGrp="1"/>
-          </p:cNvSpPr>
-          <p:nvPr>
-            <p:ph type="dt" sz="half" idx="10"/>
-          </p:nvPr>
-        </p:nvSpPr>
-        <p:spPr/>
-        <p:txBody>
-          <a:bodyPr/>
-          <a:lstStyle/>
-          <a:p>
-            <a:pPr>
-              <a:defRPr/>
-            </a:pPr>
-            <a:r>
-              <a:rPr lang="en-US"/>
-              <a:t>McKay Moore Sohlberg, PhD, CCC-SLP</a:t>
-            </a:r>
-            <a:endParaRPr lang="en-US" dirty="0"/>
-          </a:p>
-        </p:txBody>
-      </p:sp>
-      <p:sp>
-        <p:nvSpPr>
           <p:cNvPr id="3" name="Footer Placeholder 2"/>
           <p:cNvSpPr>
             <a:spLocks noGrp="1"/>
@@ -28091,36 +27074,11 @@
           <a:lstStyle/>
           <a:p>
             <a:r>
-              <a:rPr lang="en-US" dirty="0"/>
-              <a:t>GLASCOW COMA SCALE</a:t>
-            </a:r>
-          </a:p>
-        </p:txBody>
-      </p:sp>
-      <p:sp>
-        <p:nvSpPr>
-          <p:cNvPr id="5" name="Subtitle 4"/>
-          <p:cNvSpPr>
-            <a:spLocks noGrp="1"/>
-          </p:cNvSpPr>
-          <p:nvPr>
-            <p:ph type="subTitle" idx="1"/>
-          </p:nvPr>
-        </p:nvSpPr>
-        <p:spPr/>
-        <p:txBody>
-          <a:bodyPr/>
-          <a:lstStyle/>
-          <a:p>
-            <a:r>
               <a:rPr lang="en-US" dirty="0">
                 <a:hlinkClick r:id="rId3"/>
               </a:rPr>
-              <a:t>http://www.brainline.org/content/2010/10/what-is-the-glasgow-coma-scale.html</a:t>
-            </a:r>
-            <a:endParaRPr lang="en-US" dirty="0"/>
-          </a:p>
-          <a:p>
+              <a:t>GLASCOW COMA SCALE</a:t>
+            </a:r>
             <a:endParaRPr lang="en-US" dirty="0"/>
           </a:p>
         </p:txBody>
@@ -28138,7 +27096,7 @@
 </p:sld>
 </file>
 
-<file path=ppt/slides/slide18.xml><?xml version="1.0" encoding="utf-8"?>
+<file path=ppt/slides/slide16.xml><?xml version="1.0" encoding="utf-8"?>
 <p:sld xmlns:a="http://schemas.openxmlformats.org/drawingml/2006/main" xmlns:r="http://schemas.openxmlformats.org/officeDocument/2006/relationships" xmlns:p="http://schemas.openxmlformats.org/presentationml/2006/main">
   <p:cSld>
     <p:spTree>
@@ -28193,18 +27151,11 @@
           <a:lstStyle/>
           <a:p>
             <a:r>
-              <a:rPr lang="en-US" dirty="0"/>
-              <a:t>Rancho Levels Song: </a:t>
-            </a:r>
-            <a:r>
-              <a:rPr lang="en-US" u="sng" dirty="0">
+              <a:rPr lang="en-US" dirty="0">
                 <a:hlinkClick r:id="rId3"/>
               </a:rPr>
-              <a:t>https://www.youtube.com/watch?v=HnxKGCqd6OA</a:t>
-            </a:r>
-            <a:endParaRPr lang="en-US" u="sng" dirty="0"/>
-          </a:p>
-          <a:p>
+              <a:t>Rancho Levels Song</a:t>
+            </a:r>
             <a:endParaRPr lang="en-US" u="sng" dirty="0"/>
           </a:p>
           <a:p>
@@ -28212,11 +27163,8 @@
               <a:rPr lang="en-US" dirty="0">
                 <a:hlinkClick r:id="rId4"/>
               </a:rPr>
-              <a:t>https://www.neuroskills.com/resources/rancho-los-amigos-revised.php</a:t>
-            </a:r>
-            <a:endParaRPr lang="en-US" dirty="0"/>
-          </a:p>
-          <a:p>
+              <a:t>Rancho Levels Website </a:t>
+            </a:r>
             <a:endParaRPr lang="en-US" dirty="0"/>
           </a:p>
           <a:p>
@@ -28309,7 +27257,7 @@
 </p:sld>
 </file>
 
-<file path=ppt/slides/slide19.xml><?xml version="1.0" encoding="utf-8"?>
+<file path=ppt/slides/slide17.xml><?xml version="1.0" encoding="utf-8"?>
 <p:sld xmlns:a="http://schemas.openxmlformats.org/drawingml/2006/main" xmlns:r="http://schemas.openxmlformats.org/officeDocument/2006/relationships" xmlns:p="http://schemas.openxmlformats.org/presentationml/2006/main">
   <p:cSld>
     <p:spTree>
@@ -28430,6 +27378,470 @@
     <p:extLst>
       <p:ext uri="{BB962C8B-B14F-4D97-AF65-F5344CB8AC3E}">
         <p14:creationId xmlns:p14="http://schemas.microsoft.com/office/powerpoint/2010/main" val="1664775829"/>
+      </p:ext>
+    </p:extLst>
+  </p:cSld>
+  <p:clrMapOvr>
+    <a:masterClrMapping/>
+  </p:clrMapOvr>
+</p:sld>
+</file>
+
+<file path=ppt/slides/slide18.xml><?xml version="1.0" encoding="utf-8"?>
+<p:sld xmlns:a="http://schemas.openxmlformats.org/drawingml/2006/main" xmlns:r="http://schemas.openxmlformats.org/officeDocument/2006/relationships" xmlns:p="http://schemas.openxmlformats.org/presentationml/2006/main" showMasterPhAnim="0">
+  <p:cSld>
+    <p:spTree>
+      <p:nvGrpSpPr>
+        <p:cNvPr id="1" name=""/>
+        <p:cNvGrpSpPr/>
+        <p:nvPr/>
+      </p:nvGrpSpPr>
+      <p:grpSpPr>
+        <a:xfrm>
+          <a:off x="0" y="0"/>
+          <a:ext cx="0" cy="0"/>
+          <a:chOff x="0" y="0"/>
+          <a:chExt cx="0" cy="0"/>
+        </a:xfrm>
+      </p:grpSpPr>
+      <p:sp>
+        <p:nvSpPr>
+          <p:cNvPr id="12290" name="Rectangle 2"/>
+          <p:cNvSpPr>
+            <a:spLocks noGrp="1" noRot="1" noChangeArrowheads="1"/>
+          </p:cNvSpPr>
+          <p:nvPr>
+            <p:ph type="title"/>
+          </p:nvPr>
+        </p:nvSpPr>
+        <p:spPr>
+          <a:xfrm>
+            <a:off x="1825625" y="-191386"/>
+            <a:ext cx="8540750" cy="1486786"/>
+          </a:xfrm>
+        </p:spPr>
+        <p:txBody>
+          <a:bodyPr/>
+          <a:lstStyle/>
+          <a:p>
+            <a:pPr eaLnBrk="1" hangingPunct="1">
+              <a:defRPr/>
+            </a:pPr>
+            <a:r>
+              <a:rPr lang="en-US" sz="2800" dirty="0">
+                <a:cs typeface="ＭＳ Ｐゴシック" charset="0"/>
+              </a:rPr>
+              <a:t>Functional Assessment/Collaborative Contextualized Hypothesis Testing</a:t>
+            </a:r>
+            <a:br>
+              <a:rPr lang="en-US" sz="2800" dirty="0">
+                <a:cs typeface="ＭＳ Ｐゴシック" charset="0"/>
+              </a:rPr>
+            </a:br>
+            <a:r>
+              <a:rPr lang="en-US" sz="1800" dirty="0">
+                <a:cs typeface="ＭＳ Ｐゴシック" charset="0"/>
+              </a:rPr>
+              <a:t>(Ylvisaker &amp; Feeney, 1998; Coelho et al, 2005)</a:t>
+            </a:r>
+          </a:p>
+        </p:txBody>
+      </p:sp>
+      <p:sp>
+        <p:nvSpPr>
+          <p:cNvPr id="12291" name="Rectangle 3"/>
+          <p:cNvSpPr>
+            <a:spLocks noGrp="1" noRot="1" noChangeArrowheads="1"/>
+          </p:cNvSpPr>
+          <p:nvPr>
+            <p:ph type="body" idx="1"/>
+          </p:nvPr>
+        </p:nvSpPr>
+        <p:spPr>
+          <a:xfrm>
+            <a:off x="1825625" y="1295400"/>
+            <a:ext cx="8540750" cy="5410200"/>
+          </a:xfrm>
+        </p:spPr>
+        <p:txBody>
+          <a:bodyPr/>
+          <a:lstStyle/>
+          <a:p>
+            <a:pPr eaLnBrk="1" hangingPunct="1">
+              <a:lnSpc>
+                <a:spcPct val="90000"/>
+              </a:lnSpc>
+              <a:buFont typeface="Wingdings" charset="0"/>
+              <a:buChar char="§"/>
+              <a:defRPr/>
+            </a:pPr>
+            <a:r>
+              <a:rPr lang="en-US" dirty="0">
+                <a:solidFill>
+                  <a:srgbClr val="FF0000"/>
+                </a:solidFill>
+                <a:cs typeface="ＭＳ Ｐゴシック" charset="0"/>
+              </a:rPr>
+              <a:t>Ongoing</a:t>
+            </a:r>
+          </a:p>
+          <a:p>
+            <a:pPr lvl="1" eaLnBrk="1" hangingPunct="1">
+              <a:lnSpc>
+                <a:spcPct val="90000"/>
+              </a:lnSpc>
+              <a:buFont typeface="Wingdings" charset="0"/>
+              <a:buChar char="§"/>
+              <a:defRPr/>
+            </a:pPr>
+            <a:r>
+              <a:rPr lang="en-US" sz="2400" dirty="0"/>
+              <a:t>disability and contexts change</a:t>
+            </a:r>
+          </a:p>
+          <a:p>
+            <a:pPr eaLnBrk="1" hangingPunct="1">
+              <a:lnSpc>
+                <a:spcPct val="90000"/>
+              </a:lnSpc>
+              <a:buFont typeface="Wingdings" charset="0"/>
+              <a:buChar char="§"/>
+              <a:defRPr/>
+            </a:pPr>
+            <a:r>
+              <a:rPr lang="en-US" dirty="0">
+                <a:cs typeface="ＭＳ Ｐゴシック" charset="0"/>
+              </a:rPr>
+              <a:t> </a:t>
+            </a:r>
+            <a:r>
+              <a:rPr lang="en-US" dirty="0">
+                <a:solidFill>
+                  <a:srgbClr val="FF0000"/>
+                </a:solidFill>
+                <a:cs typeface="ＭＳ Ｐゴシック" charset="0"/>
+              </a:rPr>
+              <a:t>Contextualized</a:t>
+            </a:r>
+          </a:p>
+          <a:p>
+            <a:pPr lvl="1" eaLnBrk="1" hangingPunct="1">
+              <a:lnSpc>
+                <a:spcPct val="90000"/>
+              </a:lnSpc>
+              <a:buFont typeface="Wingdings" charset="0"/>
+              <a:buChar char="§"/>
+              <a:defRPr/>
+            </a:pPr>
+            <a:r>
+              <a:rPr lang="en-US" sz="2400" dirty="0"/>
+              <a:t>ecological validity of standardized testing is questionable </a:t>
+            </a:r>
+          </a:p>
+          <a:p>
+            <a:pPr eaLnBrk="1" hangingPunct="1">
+              <a:lnSpc>
+                <a:spcPct val="90000"/>
+              </a:lnSpc>
+              <a:buFont typeface="Wingdings" charset="0"/>
+              <a:buChar char="§"/>
+              <a:defRPr/>
+            </a:pPr>
+            <a:r>
+              <a:rPr lang="en-US" sz="2600" dirty="0">
+                <a:solidFill>
+                  <a:srgbClr val="FF0000"/>
+                </a:solidFill>
+                <a:cs typeface="ＭＳ Ｐゴシック" charset="0"/>
+              </a:rPr>
+              <a:t>Collaborative</a:t>
+            </a:r>
+          </a:p>
+          <a:p>
+            <a:pPr lvl="1" eaLnBrk="1" hangingPunct="1">
+              <a:lnSpc>
+                <a:spcPct val="90000"/>
+              </a:lnSpc>
+              <a:buFont typeface="Wingdings" charset="0"/>
+              <a:buChar char="§"/>
+              <a:defRPr/>
+            </a:pPr>
+            <a:r>
+              <a:rPr lang="en-US" sz="2400" dirty="0"/>
+              <a:t>increasing the number of people who participate increases perspectives and variety of observations and the contexts; more people likely to be involved in intervention</a:t>
+            </a:r>
+          </a:p>
+          <a:p>
+            <a:pPr eaLnBrk="1" hangingPunct="1">
+              <a:lnSpc>
+                <a:spcPct val="90000"/>
+              </a:lnSpc>
+              <a:buFont typeface="Wingdings" charset="0"/>
+              <a:buChar char="§"/>
+              <a:defRPr/>
+            </a:pPr>
+            <a:r>
+              <a:rPr lang="en-US" dirty="0">
+                <a:cs typeface="ＭＳ Ｐゴシック" charset="0"/>
+              </a:rPr>
+              <a:t> </a:t>
+            </a:r>
+            <a:r>
+              <a:rPr lang="en-US" dirty="0">
+                <a:solidFill>
+                  <a:srgbClr val="FF0000"/>
+                </a:solidFill>
+                <a:cs typeface="ＭＳ Ｐゴシック" charset="0"/>
+              </a:rPr>
+              <a:t>Hypothesis testing assessment</a:t>
+            </a:r>
+          </a:p>
+          <a:p>
+            <a:pPr lvl="1" eaLnBrk="1" hangingPunct="1">
+              <a:lnSpc>
+                <a:spcPct val="90000"/>
+              </a:lnSpc>
+              <a:buFont typeface="Wingdings" charset="0"/>
+              <a:buChar char="§"/>
+              <a:defRPr/>
+            </a:pPr>
+            <a:r>
+              <a:rPr lang="en-US" sz="2400" dirty="0"/>
+              <a:t>all behavior is multiply determined</a:t>
+            </a:r>
+            <a:endParaRPr lang="en-US" sz="2800" dirty="0">
+              <a:cs typeface="ＭＳ Ｐゴシック" charset="0"/>
+            </a:endParaRPr>
+          </a:p>
+          <a:p>
+            <a:pPr lvl="1" eaLnBrk="1" hangingPunct="1">
+              <a:lnSpc>
+                <a:spcPct val="90000"/>
+              </a:lnSpc>
+              <a:buFont typeface="Wingdings 3" charset="0"/>
+              <a:buChar char="}"/>
+              <a:defRPr/>
+            </a:pPr>
+            <a:endParaRPr lang="en-US" sz="2600" dirty="0">
+              <a:cs typeface="ＭＳ Ｐゴシック" charset="0"/>
+            </a:endParaRPr>
+          </a:p>
+        </p:txBody>
+      </p:sp>
+      <p:sp>
+        <p:nvSpPr>
+          <p:cNvPr id="2" name="TextBox 1"/>
+          <p:cNvSpPr txBox="1"/>
+          <p:nvPr/>
+        </p:nvSpPr>
+        <p:spPr>
+          <a:xfrm>
+            <a:off x="327026" y="6338806"/>
+            <a:ext cx="2431672" cy="366793"/>
+          </a:xfrm>
+          <a:prstGeom prst="rect">
+            <a:avLst/>
+          </a:prstGeom>
+          <a:solidFill>
+            <a:schemeClr val="bg2"/>
+          </a:solidFill>
+        </p:spPr>
+        <p:txBody>
+          <a:bodyPr wrap="square" rtlCol="0">
+            <a:spAutoFit/>
+          </a:bodyPr>
+          <a:lstStyle/>
+          <a:p>
+            <a:endParaRPr lang="en-US"/>
+          </a:p>
+        </p:txBody>
+      </p:sp>
+    </p:spTree>
+    <p:extLst>
+      <p:ext uri="{BB962C8B-B14F-4D97-AF65-F5344CB8AC3E}">
+        <p14:creationId xmlns:p14="http://schemas.microsoft.com/office/powerpoint/2010/main" val="1891408443"/>
+      </p:ext>
+    </p:extLst>
+  </p:cSld>
+  <p:clrMapOvr>
+    <a:masterClrMapping/>
+  </p:clrMapOvr>
+</p:sld>
+</file>
+
+<file path=ppt/slides/slide19.xml><?xml version="1.0" encoding="utf-8"?>
+<p:sld xmlns:a="http://schemas.openxmlformats.org/drawingml/2006/main" xmlns:r="http://schemas.openxmlformats.org/officeDocument/2006/relationships" xmlns:p="http://schemas.openxmlformats.org/presentationml/2006/main" showMasterPhAnim="0">
+  <p:cSld>
+    <p:spTree>
+      <p:nvGrpSpPr>
+        <p:cNvPr id="1" name=""/>
+        <p:cNvGrpSpPr/>
+        <p:nvPr/>
+      </p:nvGrpSpPr>
+      <p:grpSpPr>
+        <a:xfrm>
+          <a:off x="0" y="0"/>
+          <a:ext cx="0" cy="0"/>
+          <a:chOff x="0" y="0"/>
+          <a:chExt cx="0" cy="0"/>
+        </a:xfrm>
+      </p:grpSpPr>
+      <p:sp>
+        <p:nvSpPr>
+          <p:cNvPr id="1026" name="Rectangle 2"/>
+          <p:cNvSpPr>
+            <a:spLocks noGrp="1" noRot="1" noChangeArrowheads="1"/>
+          </p:cNvSpPr>
+          <p:nvPr>
+            <p:ph type="title"/>
+          </p:nvPr>
+        </p:nvSpPr>
+        <p:spPr/>
+        <p:txBody>
+          <a:bodyPr/>
+          <a:lstStyle/>
+          <a:p>
+            <a:pPr eaLnBrk="1" hangingPunct="1">
+              <a:defRPr/>
+            </a:pPr>
+            <a:r>
+              <a:rPr lang="en-US" sz="2800" dirty="0">
+                <a:cs typeface="ＭＳ Ｐゴシック" charset="0"/>
+              </a:rPr>
+              <a:t>Hypothesis Testing (Dynamic Assessment; Functional Assessment)</a:t>
+            </a:r>
+          </a:p>
+        </p:txBody>
+      </p:sp>
+      <p:sp>
+        <p:nvSpPr>
+          <p:cNvPr id="1027" name="Rectangle 3"/>
+          <p:cNvSpPr>
+            <a:spLocks noGrp="1" noRot="1" noChangeArrowheads="1"/>
+          </p:cNvSpPr>
+          <p:nvPr>
+            <p:ph type="body" idx="1"/>
+          </p:nvPr>
+        </p:nvSpPr>
+        <p:spPr/>
+        <p:txBody>
+          <a:bodyPr>
+            <a:normAutofit/>
+          </a:bodyPr>
+          <a:lstStyle/>
+          <a:p>
+            <a:pPr eaLnBrk="1" hangingPunct="1">
+              <a:lnSpc>
+                <a:spcPct val="90000"/>
+              </a:lnSpc>
+              <a:buFont typeface="Wingdings" charset="2"/>
+              <a:buChar char="§"/>
+            </a:pPr>
+            <a:r>
+              <a:rPr lang="en-US" altLang="en-US" sz="2800" dirty="0"/>
+              <a:t>Components/Implementation:</a:t>
+            </a:r>
+          </a:p>
+          <a:p>
+            <a:pPr lvl="1" eaLnBrk="1" hangingPunct="1">
+              <a:lnSpc>
+                <a:spcPct val="90000"/>
+              </a:lnSpc>
+            </a:pPr>
+            <a:r>
+              <a:rPr lang="en-US" altLang="en-US" sz="2800" dirty="0"/>
+              <a:t>Problem identification</a:t>
+            </a:r>
+          </a:p>
+          <a:p>
+            <a:pPr lvl="1" eaLnBrk="1" hangingPunct="1">
+              <a:lnSpc>
+                <a:spcPct val="90000"/>
+              </a:lnSpc>
+            </a:pPr>
+            <a:r>
+              <a:rPr lang="en-US" altLang="en-US" sz="2800" dirty="0"/>
+              <a:t>Hypothesis formulation</a:t>
+            </a:r>
+          </a:p>
+          <a:p>
+            <a:pPr lvl="1" eaLnBrk="1" hangingPunct="1">
+              <a:lnSpc>
+                <a:spcPct val="90000"/>
+              </a:lnSpc>
+            </a:pPr>
+            <a:r>
+              <a:rPr lang="en-US" altLang="en-US" sz="2800" dirty="0"/>
+              <a:t>Hypothesis selection</a:t>
+            </a:r>
+          </a:p>
+          <a:p>
+            <a:pPr lvl="1" eaLnBrk="1" hangingPunct="1">
+              <a:lnSpc>
+                <a:spcPct val="90000"/>
+              </a:lnSpc>
+            </a:pPr>
+            <a:r>
+              <a:rPr lang="en-US" altLang="en-US" sz="2800" dirty="0"/>
+              <a:t>Hypothesis testing</a:t>
+            </a:r>
+          </a:p>
+          <a:p>
+            <a:pPr lvl="1" eaLnBrk="1" hangingPunct="1">
+              <a:lnSpc>
+                <a:spcPct val="90000"/>
+              </a:lnSpc>
+            </a:pPr>
+            <a:r>
+              <a:rPr lang="en-US" altLang="en-US" sz="2800" dirty="0"/>
+              <a:t>Formulation of intervention plan</a:t>
+            </a:r>
+          </a:p>
+          <a:p>
+            <a:pPr lvl="1" eaLnBrk="1" hangingPunct="1">
+              <a:lnSpc>
+                <a:spcPct val="90000"/>
+              </a:lnSpc>
+            </a:pPr>
+            <a:r>
+              <a:rPr lang="en-US" altLang="en-US" sz="2800" dirty="0"/>
+              <a:t>Ongoing review</a:t>
+            </a:r>
+          </a:p>
+        </p:txBody>
+      </p:sp>
+      <p:sp>
+        <p:nvSpPr>
+          <p:cNvPr id="2" name="TextBox 1"/>
+          <p:cNvSpPr txBox="1"/>
+          <p:nvPr/>
+        </p:nvSpPr>
+        <p:spPr>
+          <a:xfrm>
+            <a:off x="0" y="6173272"/>
+            <a:ext cx="2509284" cy="369332"/>
+          </a:xfrm>
+          <a:prstGeom prst="rect">
+            <a:avLst/>
+          </a:prstGeom>
+          <a:solidFill>
+            <a:schemeClr val="bg2"/>
+          </a:solidFill>
+        </p:spPr>
+        <p:txBody>
+          <a:bodyPr wrap="square" rtlCol="0">
+            <a:spAutoFit/>
+          </a:bodyPr>
+          <a:lstStyle/>
+          <a:p>
+            <a:endParaRPr lang="en-US" dirty="0"/>
+          </a:p>
+        </p:txBody>
+      </p:sp>
+    </p:spTree>
+    <p:extLst>
+      <p:ext uri="{BB962C8B-B14F-4D97-AF65-F5344CB8AC3E}">
+        <p14:creationId xmlns:p14="http://schemas.microsoft.com/office/powerpoint/2010/main" val="639242861"/>
       </p:ext>
     </p:extLst>
   </p:cSld>
@@ -28637,470 +28049,6 @@
 </file>
 
 <file path=ppt/slides/slide20.xml><?xml version="1.0" encoding="utf-8"?>
-<p:sld xmlns:a="http://schemas.openxmlformats.org/drawingml/2006/main" xmlns:r="http://schemas.openxmlformats.org/officeDocument/2006/relationships" xmlns:p="http://schemas.openxmlformats.org/presentationml/2006/main" showMasterPhAnim="0">
-  <p:cSld>
-    <p:spTree>
-      <p:nvGrpSpPr>
-        <p:cNvPr id="1" name=""/>
-        <p:cNvGrpSpPr/>
-        <p:nvPr/>
-      </p:nvGrpSpPr>
-      <p:grpSpPr>
-        <a:xfrm>
-          <a:off x="0" y="0"/>
-          <a:ext cx="0" cy="0"/>
-          <a:chOff x="0" y="0"/>
-          <a:chExt cx="0" cy="0"/>
-        </a:xfrm>
-      </p:grpSpPr>
-      <p:sp>
-        <p:nvSpPr>
-          <p:cNvPr id="12290" name="Rectangle 2"/>
-          <p:cNvSpPr>
-            <a:spLocks noGrp="1" noRot="1" noChangeArrowheads="1"/>
-          </p:cNvSpPr>
-          <p:nvPr>
-            <p:ph type="title"/>
-          </p:nvPr>
-        </p:nvSpPr>
-        <p:spPr>
-          <a:xfrm>
-            <a:off x="1825625" y="-191386"/>
-            <a:ext cx="8540750" cy="1486786"/>
-          </a:xfrm>
-        </p:spPr>
-        <p:txBody>
-          <a:bodyPr/>
-          <a:lstStyle/>
-          <a:p>
-            <a:pPr eaLnBrk="1" hangingPunct="1">
-              <a:defRPr/>
-            </a:pPr>
-            <a:r>
-              <a:rPr lang="en-US" sz="2800" dirty="0">
-                <a:cs typeface="ＭＳ Ｐゴシック" charset="0"/>
-              </a:rPr>
-              <a:t>Functional Assessment/Collaborative Contextualized Hypothesis Testing</a:t>
-            </a:r>
-            <a:br>
-              <a:rPr lang="en-US" sz="2800" dirty="0">
-                <a:cs typeface="ＭＳ Ｐゴシック" charset="0"/>
-              </a:rPr>
-            </a:br>
-            <a:r>
-              <a:rPr lang="en-US" sz="1800" dirty="0">
-                <a:cs typeface="ＭＳ Ｐゴシック" charset="0"/>
-              </a:rPr>
-              <a:t>(Ylvisaker &amp; Feeney, 1998; Coelho et al, 2005)</a:t>
-            </a:r>
-          </a:p>
-        </p:txBody>
-      </p:sp>
-      <p:sp>
-        <p:nvSpPr>
-          <p:cNvPr id="12291" name="Rectangle 3"/>
-          <p:cNvSpPr>
-            <a:spLocks noGrp="1" noRot="1" noChangeArrowheads="1"/>
-          </p:cNvSpPr>
-          <p:nvPr>
-            <p:ph type="body" idx="1"/>
-          </p:nvPr>
-        </p:nvSpPr>
-        <p:spPr>
-          <a:xfrm>
-            <a:off x="1825625" y="1295400"/>
-            <a:ext cx="8540750" cy="5410200"/>
-          </a:xfrm>
-        </p:spPr>
-        <p:txBody>
-          <a:bodyPr/>
-          <a:lstStyle/>
-          <a:p>
-            <a:pPr eaLnBrk="1" hangingPunct="1">
-              <a:lnSpc>
-                <a:spcPct val="90000"/>
-              </a:lnSpc>
-              <a:buFont typeface="Wingdings" charset="0"/>
-              <a:buChar char="§"/>
-              <a:defRPr/>
-            </a:pPr>
-            <a:r>
-              <a:rPr lang="en-US" dirty="0">
-                <a:solidFill>
-                  <a:srgbClr val="FF0000"/>
-                </a:solidFill>
-                <a:cs typeface="ＭＳ Ｐゴシック" charset="0"/>
-              </a:rPr>
-              <a:t>Ongoing</a:t>
-            </a:r>
-          </a:p>
-          <a:p>
-            <a:pPr lvl="1" eaLnBrk="1" hangingPunct="1">
-              <a:lnSpc>
-                <a:spcPct val="90000"/>
-              </a:lnSpc>
-              <a:buFont typeface="Wingdings" charset="0"/>
-              <a:buChar char="§"/>
-              <a:defRPr/>
-            </a:pPr>
-            <a:r>
-              <a:rPr lang="en-US" sz="2400" dirty="0"/>
-              <a:t>disability and contexts change</a:t>
-            </a:r>
-          </a:p>
-          <a:p>
-            <a:pPr eaLnBrk="1" hangingPunct="1">
-              <a:lnSpc>
-                <a:spcPct val="90000"/>
-              </a:lnSpc>
-              <a:buFont typeface="Wingdings" charset="0"/>
-              <a:buChar char="§"/>
-              <a:defRPr/>
-            </a:pPr>
-            <a:r>
-              <a:rPr lang="en-US" dirty="0">
-                <a:cs typeface="ＭＳ Ｐゴシック" charset="0"/>
-              </a:rPr>
-              <a:t> </a:t>
-            </a:r>
-            <a:r>
-              <a:rPr lang="en-US" dirty="0">
-                <a:solidFill>
-                  <a:srgbClr val="FF0000"/>
-                </a:solidFill>
-                <a:cs typeface="ＭＳ Ｐゴシック" charset="0"/>
-              </a:rPr>
-              <a:t>Contextualized</a:t>
-            </a:r>
-          </a:p>
-          <a:p>
-            <a:pPr lvl="1" eaLnBrk="1" hangingPunct="1">
-              <a:lnSpc>
-                <a:spcPct val="90000"/>
-              </a:lnSpc>
-              <a:buFont typeface="Wingdings" charset="0"/>
-              <a:buChar char="§"/>
-              <a:defRPr/>
-            </a:pPr>
-            <a:r>
-              <a:rPr lang="en-US" sz="2400" dirty="0"/>
-              <a:t>ecological validity of standardized testing is questionable </a:t>
-            </a:r>
-          </a:p>
-          <a:p>
-            <a:pPr eaLnBrk="1" hangingPunct="1">
-              <a:lnSpc>
-                <a:spcPct val="90000"/>
-              </a:lnSpc>
-              <a:buFont typeface="Wingdings" charset="0"/>
-              <a:buChar char="§"/>
-              <a:defRPr/>
-            </a:pPr>
-            <a:r>
-              <a:rPr lang="en-US" sz="2600" dirty="0">
-                <a:solidFill>
-                  <a:srgbClr val="FF0000"/>
-                </a:solidFill>
-                <a:cs typeface="ＭＳ Ｐゴシック" charset="0"/>
-              </a:rPr>
-              <a:t>Collaborative</a:t>
-            </a:r>
-          </a:p>
-          <a:p>
-            <a:pPr lvl="1" eaLnBrk="1" hangingPunct="1">
-              <a:lnSpc>
-                <a:spcPct val="90000"/>
-              </a:lnSpc>
-              <a:buFont typeface="Wingdings" charset="0"/>
-              <a:buChar char="§"/>
-              <a:defRPr/>
-            </a:pPr>
-            <a:r>
-              <a:rPr lang="en-US" sz="2400" dirty="0"/>
-              <a:t>increasing the number of people who participate increases perspectives and variety of observations and the contexts; more people likely to be involved in intervention</a:t>
-            </a:r>
-          </a:p>
-          <a:p>
-            <a:pPr eaLnBrk="1" hangingPunct="1">
-              <a:lnSpc>
-                <a:spcPct val="90000"/>
-              </a:lnSpc>
-              <a:buFont typeface="Wingdings" charset="0"/>
-              <a:buChar char="§"/>
-              <a:defRPr/>
-            </a:pPr>
-            <a:r>
-              <a:rPr lang="en-US" dirty="0">
-                <a:cs typeface="ＭＳ Ｐゴシック" charset="0"/>
-              </a:rPr>
-              <a:t> </a:t>
-            </a:r>
-            <a:r>
-              <a:rPr lang="en-US" dirty="0">
-                <a:solidFill>
-                  <a:srgbClr val="FF0000"/>
-                </a:solidFill>
-                <a:cs typeface="ＭＳ Ｐゴシック" charset="0"/>
-              </a:rPr>
-              <a:t>Hypothesis testing assessment</a:t>
-            </a:r>
-          </a:p>
-          <a:p>
-            <a:pPr lvl="1" eaLnBrk="1" hangingPunct="1">
-              <a:lnSpc>
-                <a:spcPct val="90000"/>
-              </a:lnSpc>
-              <a:buFont typeface="Wingdings" charset="0"/>
-              <a:buChar char="§"/>
-              <a:defRPr/>
-            </a:pPr>
-            <a:r>
-              <a:rPr lang="en-US" sz="2400" dirty="0"/>
-              <a:t>all behavior is multiply determined</a:t>
-            </a:r>
-            <a:endParaRPr lang="en-US" sz="2800" dirty="0">
-              <a:cs typeface="ＭＳ Ｐゴシック" charset="0"/>
-            </a:endParaRPr>
-          </a:p>
-          <a:p>
-            <a:pPr lvl="1" eaLnBrk="1" hangingPunct="1">
-              <a:lnSpc>
-                <a:spcPct val="90000"/>
-              </a:lnSpc>
-              <a:buFont typeface="Wingdings 3" charset="0"/>
-              <a:buChar char="}"/>
-              <a:defRPr/>
-            </a:pPr>
-            <a:endParaRPr lang="en-US" sz="2600" dirty="0">
-              <a:cs typeface="ＭＳ Ｐゴシック" charset="0"/>
-            </a:endParaRPr>
-          </a:p>
-        </p:txBody>
-      </p:sp>
-      <p:sp>
-        <p:nvSpPr>
-          <p:cNvPr id="2" name="TextBox 1"/>
-          <p:cNvSpPr txBox="1"/>
-          <p:nvPr/>
-        </p:nvSpPr>
-        <p:spPr>
-          <a:xfrm>
-            <a:off x="327026" y="6338806"/>
-            <a:ext cx="2431672" cy="366793"/>
-          </a:xfrm>
-          <a:prstGeom prst="rect">
-            <a:avLst/>
-          </a:prstGeom>
-          <a:solidFill>
-            <a:schemeClr val="bg2"/>
-          </a:solidFill>
-        </p:spPr>
-        <p:txBody>
-          <a:bodyPr wrap="square" rtlCol="0">
-            <a:spAutoFit/>
-          </a:bodyPr>
-          <a:lstStyle/>
-          <a:p>
-            <a:endParaRPr lang="en-US"/>
-          </a:p>
-        </p:txBody>
-      </p:sp>
-    </p:spTree>
-    <p:extLst>
-      <p:ext uri="{BB962C8B-B14F-4D97-AF65-F5344CB8AC3E}">
-        <p14:creationId xmlns:p14="http://schemas.microsoft.com/office/powerpoint/2010/main" val="1891408443"/>
-      </p:ext>
-    </p:extLst>
-  </p:cSld>
-  <p:clrMapOvr>
-    <a:masterClrMapping/>
-  </p:clrMapOvr>
-</p:sld>
-</file>
-
-<file path=ppt/slides/slide21.xml><?xml version="1.0" encoding="utf-8"?>
-<p:sld xmlns:a="http://schemas.openxmlformats.org/drawingml/2006/main" xmlns:r="http://schemas.openxmlformats.org/officeDocument/2006/relationships" xmlns:p="http://schemas.openxmlformats.org/presentationml/2006/main" showMasterPhAnim="0">
-  <p:cSld>
-    <p:spTree>
-      <p:nvGrpSpPr>
-        <p:cNvPr id="1" name=""/>
-        <p:cNvGrpSpPr/>
-        <p:nvPr/>
-      </p:nvGrpSpPr>
-      <p:grpSpPr>
-        <a:xfrm>
-          <a:off x="0" y="0"/>
-          <a:ext cx="0" cy="0"/>
-          <a:chOff x="0" y="0"/>
-          <a:chExt cx="0" cy="0"/>
-        </a:xfrm>
-      </p:grpSpPr>
-      <p:sp>
-        <p:nvSpPr>
-          <p:cNvPr id="1026" name="Rectangle 2"/>
-          <p:cNvSpPr>
-            <a:spLocks noGrp="1" noRot="1" noChangeArrowheads="1"/>
-          </p:cNvSpPr>
-          <p:nvPr>
-            <p:ph type="title"/>
-          </p:nvPr>
-        </p:nvSpPr>
-        <p:spPr/>
-        <p:txBody>
-          <a:bodyPr/>
-          <a:lstStyle/>
-          <a:p>
-            <a:pPr eaLnBrk="1" hangingPunct="1">
-              <a:defRPr/>
-            </a:pPr>
-            <a:r>
-              <a:rPr lang="en-US" sz="2800" dirty="0">
-                <a:cs typeface="ＭＳ Ｐゴシック" charset="0"/>
-              </a:rPr>
-              <a:t>Hypothesis Testing (Dynamic Assessment; Functional Assessment)</a:t>
-            </a:r>
-          </a:p>
-        </p:txBody>
-      </p:sp>
-      <p:sp>
-        <p:nvSpPr>
-          <p:cNvPr id="1027" name="Rectangle 3"/>
-          <p:cNvSpPr>
-            <a:spLocks noGrp="1" noRot="1" noChangeArrowheads="1"/>
-          </p:cNvSpPr>
-          <p:nvPr>
-            <p:ph type="body" idx="1"/>
-          </p:nvPr>
-        </p:nvSpPr>
-        <p:spPr/>
-        <p:txBody>
-          <a:bodyPr>
-            <a:normAutofit/>
-          </a:bodyPr>
-          <a:lstStyle/>
-          <a:p>
-            <a:pPr eaLnBrk="1" hangingPunct="1">
-              <a:lnSpc>
-                <a:spcPct val="90000"/>
-              </a:lnSpc>
-              <a:buFont typeface="Wingdings" charset="2"/>
-              <a:buChar char="§"/>
-            </a:pPr>
-            <a:r>
-              <a:rPr lang="en-US" altLang="en-US" sz="2800" dirty="0"/>
-              <a:t>Components/Implementation:</a:t>
-            </a:r>
-          </a:p>
-          <a:p>
-            <a:pPr lvl="1" eaLnBrk="1" hangingPunct="1">
-              <a:lnSpc>
-                <a:spcPct val="90000"/>
-              </a:lnSpc>
-            </a:pPr>
-            <a:r>
-              <a:rPr lang="en-US" altLang="en-US" sz="2800" dirty="0"/>
-              <a:t>Problem identification</a:t>
-            </a:r>
-          </a:p>
-          <a:p>
-            <a:pPr lvl="1" eaLnBrk="1" hangingPunct="1">
-              <a:lnSpc>
-                <a:spcPct val="90000"/>
-              </a:lnSpc>
-            </a:pPr>
-            <a:r>
-              <a:rPr lang="en-US" altLang="en-US" sz="2800" dirty="0"/>
-              <a:t>Hypothesis formulation</a:t>
-            </a:r>
-          </a:p>
-          <a:p>
-            <a:pPr lvl="1" eaLnBrk="1" hangingPunct="1">
-              <a:lnSpc>
-                <a:spcPct val="90000"/>
-              </a:lnSpc>
-            </a:pPr>
-            <a:r>
-              <a:rPr lang="en-US" altLang="en-US" sz="2800" dirty="0"/>
-              <a:t>Hypothesis selection</a:t>
-            </a:r>
-          </a:p>
-          <a:p>
-            <a:pPr lvl="1" eaLnBrk="1" hangingPunct="1">
-              <a:lnSpc>
-                <a:spcPct val="90000"/>
-              </a:lnSpc>
-            </a:pPr>
-            <a:r>
-              <a:rPr lang="en-US" altLang="en-US" sz="2800" dirty="0"/>
-              <a:t>Hypothesis testing</a:t>
-            </a:r>
-          </a:p>
-          <a:p>
-            <a:pPr lvl="1" eaLnBrk="1" hangingPunct="1">
-              <a:lnSpc>
-                <a:spcPct val="90000"/>
-              </a:lnSpc>
-            </a:pPr>
-            <a:r>
-              <a:rPr lang="en-US" altLang="en-US" sz="2800" dirty="0"/>
-              <a:t>Formulation of intervention plan</a:t>
-            </a:r>
-          </a:p>
-          <a:p>
-            <a:pPr lvl="1" eaLnBrk="1" hangingPunct="1">
-              <a:lnSpc>
-                <a:spcPct val="90000"/>
-              </a:lnSpc>
-            </a:pPr>
-            <a:r>
-              <a:rPr lang="en-US" altLang="en-US" sz="2800" dirty="0"/>
-              <a:t>Ongoing review</a:t>
-            </a:r>
-          </a:p>
-        </p:txBody>
-      </p:sp>
-      <p:sp>
-        <p:nvSpPr>
-          <p:cNvPr id="2" name="TextBox 1"/>
-          <p:cNvSpPr txBox="1"/>
-          <p:nvPr/>
-        </p:nvSpPr>
-        <p:spPr>
-          <a:xfrm>
-            <a:off x="0" y="6173272"/>
-            <a:ext cx="2509284" cy="369332"/>
-          </a:xfrm>
-          <a:prstGeom prst="rect">
-            <a:avLst/>
-          </a:prstGeom>
-          <a:solidFill>
-            <a:schemeClr val="bg2"/>
-          </a:solidFill>
-        </p:spPr>
-        <p:txBody>
-          <a:bodyPr wrap="square" rtlCol="0">
-            <a:spAutoFit/>
-          </a:bodyPr>
-          <a:lstStyle/>
-          <a:p>
-            <a:endParaRPr lang="en-US" dirty="0"/>
-          </a:p>
-        </p:txBody>
-      </p:sp>
-    </p:spTree>
-    <p:extLst>
-      <p:ext uri="{BB962C8B-B14F-4D97-AF65-F5344CB8AC3E}">
-        <p14:creationId xmlns:p14="http://schemas.microsoft.com/office/powerpoint/2010/main" val="639242861"/>
-      </p:ext>
-    </p:extLst>
-  </p:cSld>
-  <p:clrMapOvr>
-    <a:masterClrMapping/>
-  </p:clrMapOvr>
-</p:sld>
-</file>
-
-<file path=ppt/slides/slide22.xml><?xml version="1.0" encoding="utf-8"?>
 <p:sld xmlns:a="http://schemas.openxmlformats.org/drawingml/2006/main" xmlns:r="http://schemas.openxmlformats.org/officeDocument/2006/relationships" xmlns:p="http://schemas.openxmlformats.org/presentationml/2006/main">
   <p:cSld>
     <p:spTree>
@@ -29273,7 +28221,7 @@
 </p:sld>
 </file>
 
-<file path=ppt/slides/slide23.xml><?xml version="1.0" encoding="utf-8"?>
+<file path=ppt/slides/slide21.xml><?xml version="1.0" encoding="utf-8"?>
 <p:sld xmlns:a="http://schemas.openxmlformats.org/drawingml/2006/main" xmlns:r="http://schemas.openxmlformats.org/officeDocument/2006/relationships" xmlns:p="http://schemas.openxmlformats.org/presentationml/2006/main">
   <p:cSld>
     <p:spTree>
@@ -29412,7 +28360,7 @@
 </p:sld>
 </file>
 
-<file path=ppt/slides/slide24.xml><?xml version="1.0" encoding="utf-8"?>
+<file path=ppt/slides/slide22.xml><?xml version="1.0" encoding="utf-8"?>
 <p:sld xmlns:a="http://schemas.openxmlformats.org/drawingml/2006/main" xmlns:r="http://schemas.openxmlformats.org/officeDocument/2006/relationships" xmlns:p="http://schemas.openxmlformats.org/presentationml/2006/main">
   <p:cSld>
     <p:spTree>
@@ -29607,7 +28555,7 @@
 </p:sld>
 </file>
 
-<file path=ppt/slides/slide25.xml><?xml version="1.0" encoding="utf-8"?>
+<file path=ppt/slides/slide23.xml><?xml version="1.0" encoding="utf-8"?>
 <p:sld xmlns:a="http://schemas.openxmlformats.org/drawingml/2006/main" xmlns:r="http://schemas.openxmlformats.org/officeDocument/2006/relationships" xmlns:p="http://schemas.openxmlformats.org/presentationml/2006/main">
   <p:cSld>
     <p:spTree>
@@ -29852,7 +28800,7 @@
 </p:sld>
 </file>
 
-<file path=ppt/slides/slide26.xml><?xml version="1.0" encoding="utf-8"?>
+<file path=ppt/slides/slide24.xml><?xml version="1.0" encoding="utf-8"?>
 <p:sld xmlns:a="http://schemas.openxmlformats.org/drawingml/2006/main" xmlns:r="http://schemas.openxmlformats.org/officeDocument/2006/relationships" xmlns:p="http://schemas.openxmlformats.org/presentationml/2006/main">
   <p:cSld>
     <p:spTree>
@@ -29976,7 +28924,7 @@
 </p:sld>
 </file>
 
-<file path=ppt/slides/slide27.xml><?xml version="1.0" encoding="utf-8"?>
+<file path=ppt/slides/slide25.xml><?xml version="1.0" encoding="utf-8"?>
 <p:sld xmlns:a="http://schemas.openxmlformats.org/drawingml/2006/main" xmlns:r="http://schemas.openxmlformats.org/officeDocument/2006/relationships" xmlns:p="http://schemas.openxmlformats.org/presentationml/2006/main">
   <p:cSld>
     <p:spTree>
@@ -30152,7 +29100,7 @@
 </p:sld>
 </file>
 
-<file path=ppt/slides/slide28.xml><?xml version="1.0" encoding="utf-8"?>
+<file path=ppt/slides/slide26.xml><?xml version="1.0" encoding="utf-8"?>
 <p:sld xmlns:a="http://schemas.openxmlformats.org/drawingml/2006/main" xmlns:r="http://schemas.openxmlformats.org/officeDocument/2006/relationships" xmlns:p="http://schemas.openxmlformats.org/presentationml/2006/main">
   <p:cSld>
     <p:spTree>
@@ -30323,7 +29271,7 @@
 </p:sld>
 </file>
 
-<file path=ppt/slides/slide29.xml><?xml version="1.0" encoding="utf-8"?>
+<file path=ppt/slides/slide27.xml><?xml version="1.0" encoding="utf-8"?>
 <p:sld xmlns:a="http://schemas.openxmlformats.org/drawingml/2006/main" xmlns:r="http://schemas.openxmlformats.org/officeDocument/2006/relationships" xmlns:p="http://schemas.openxmlformats.org/presentationml/2006/main">
   <p:cSld>
     <p:spTree>
@@ -30454,164 +29402,7 @@
 </p:sld>
 </file>
 
-<file path=ppt/slides/slide3.xml><?xml version="1.0" encoding="utf-8"?>
-<p:sld xmlns:a="http://schemas.openxmlformats.org/drawingml/2006/main" xmlns:r="http://schemas.openxmlformats.org/officeDocument/2006/relationships" xmlns:p="http://schemas.openxmlformats.org/presentationml/2006/main">
-  <p:cSld>
-    <p:spTree>
-      <p:nvGrpSpPr>
-        <p:cNvPr id="1" name=""/>
-        <p:cNvGrpSpPr/>
-        <p:nvPr/>
-      </p:nvGrpSpPr>
-      <p:grpSpPr>
-        <a:xfrm>
-          <a:off x="0" y="0"/>
-          <a:ext cx="0" cy="0"/>
-          <a:chOff x="0" y="0"/>
-          <a:chExt cx="0" cy="0"/>
-        </a:xfrm>
-      </p:grpSpPr>
-      <p:sp>
-        <p:nvSpPr>
-          <p:cNvPr id="32770" name="Rectangle 2"/>
-          <p:cNvSpPr>
-            <a:spLocks noGrp="1" noRot="1" noChangeArrowheads="1"/>
-          </p:cNvSpPr>
-          <p:nvPr>
-            <p:ph type="title"/>
-          </p:nvPr>
-        </p:nvSpPr>
-        <p:spPr/>
-        <p:txBody>
-          <a:bodyPr/>
-          <a:lstStyle/>
-          <a:p>
-            <a:pPr eaLnBrk="1" hangingPunct="1"/>
-            <a:r>
-              <a:rPr lang="en-US" altLang="en-US" sz="2800" dirty="0"/>
-              <a:t>ASSESSMENT</a:t>
-            </a:r>
-            <a:br>
-              <a:rPr lang="en-US" altLang="en-US" sz="2800" dirty="0"/>
-            </a:br>
-            <a:r>
-              <a:rPr lang="en-US" altLang="en-US" sz="2800" dirty="0"/>
-              <a:t>You will (or have already) learned </a:t>
-            </a:r>
-          </a:p>
-        </p:txBody>
-      </p:sp>
-      <p:sp>
-        <p:nvSpPr>
-          <p:cNvPr id="32772" name="Rectangle 4"/>
-          <p:cNvSpPr>
-            <a:spLocks noGrp="1" noRot="1" noChangeArrowheads="1"/>
-          </p:cNvSpPr>
-          <p:nvPr>
-            <p:ph type="body" idx="1"/>
-          </p:nvPr>
-        </p:nvSpPr>
-        <p:spPr/>
-        <p:txBody>
-          <a:bodyPr/>
-          <a:lstStyle/>
-          <a:p>
-            <a:pPr eaLnBrk="1" hangingPunct="1">
-              <a:buFont typeface="Wingdings 3" charset="0"/>
-              <a:buChar char="}"/>
-              <a:defRPr/>
-            </a:pPr>
-            <a:r>
-              <a:rPr lang="en-US" dirty="0">
-                <a:ea typeface="ＭＳ Ｐゴシック" charset="0"/>
-                <a:cs typeface="ＭＳ Ｐゴシック" charset="0"/>
-              </a:rPr>
-              <a:t>Purpose of assessments</a:t>
-            </a:r>
-          </a:p>
-          <a:p>
-            <a:pPr eaLnBrk="1" hangingPunct="1">
-              <a:buFont typeface="Wingdings 3" charset="0"/>
-              <a:buChar char="}"/>
-              <a:defRPr/>
-            </a:pPr>
-            <a:r>
-              <a:rPr lang="en-US" dirty="0">
-                <a:ea typeface="ＭＳ Ｐゴシック" charset="0"/>
-                <a:cs typeface="ＭＳ Ｐゴシック" charset="0"/>
-              </a:rPr>
-              <a:t>Review psychometric test concepts including: validity, reliability, base rate and sensitivity</a:t>
-            </a:r>
-          </a:p>
-          <a:p>
-            <a:pPr eaLnBrk="1" hangingPunct="1">
-              <a:buFont typeface="Wingdings 3" charset="0"/>
-              <a:buChar char="}"/>
-              <a:defRPr/>
-            </a:pPr>
-            <a:r>
-              <a:rPr lang="en-US" dirty="0">
-                <a:ea typeface="ＭＳ Ｐゴシック" charset="0"/>
-                <a:cs typeface="ＭＳ Ｐゴシック" charset="0"/>
-              </a:rPr>
-              <a:t>Differentiate standard/nonstandard, formal/informal; static/dynamic</a:t>
-            </a:r>
-          </a:p>
-          <a:p>
-            <a:pPr eaLnBrk="1" hangingPunct="1">
-              <a:buFont typeface="Wingdings 3" charset="0"/>
-              <a:buChar char="}"/>
-              <a:defRPr/>
-            </a:pPr>
-            <a:endParaRPr lang="en-US" dirty="0">
-              <a:ea typeface="ＭＳ Ｐゴシック" charset="0"/>
-              <a:cs typeface="ＭＳ Ｐゴシック" charset="0"/>
-            </a:endParaRPr>
-          </a:p>
-        </p:txBody>
-      </p:sp>
-      <p:sp>
-        <p:nvSpPr>
-          <p:cNvPr id="2" name="TextBox 1"/>
-          <p:cNvSpPr txBox="1"/>
-          <p:nvPr/>
-        </p:nvSpPr>
-        <p:spPr>
-          <a:xfrm>
-            <a:off x="343785" y="6240462"/>
-            <a:ext cx="2352919" cy="361816"/>
-          </a:xfrm>
-          <a:prstGeom prst="rect">
-            <a:avLst/>
-          </a:prstGeom>
-          <a:solidFill>
-            <a:schemeClr val="bg2"/>
-          </a:solidFill>
-        </p:spPr>
-        <p:txBody>
-          <a:bodyPr wrap="square" rtlCol="0">
-            <a:spAutoFit/>
-          </a:bodyPr>
-          <a:lstStyle/>
-          <a:p>
-            <a:endParaRPr lang="en-US"/>
-          </a:p>
-        </p:txBody>
-      </p:sp>
-    </p:spTree>
-    <p:extLst>
-      <p:ext uri="{BB962C8B-B14F-4D97-AF65-F5344CB8AC3E}">
-        <p14:creationId xmlns:p14="http://schemas.microsoft.com/office/powerpoint/2010/main" val="1243156302"/>
-      </p:ext>
-    </p:extLst>
-  </p:cSld>
-  <p:clrMapOvr>
-    <a:masterClrMapping/>
-  </p:clrMapOvr>
-</p:sld>
-</file>
-
-<file path=ppt/slides/slide30.xml><?xml version="1.0" encoding="utf-8"?>
+<file path=ppt/slides/slide28.xml><?xml version="1.0" encoding="utf-8"?>
 <p:sld xmlns:a="http://schemas.openxmlformats.org/drawingml/2006/main" xmlns:r="http://schemas.openxmlformats.org/officeDocument/2006/relationships" xmlns:p="http://schemas.openxmlformats.org/presentationml/2006/main">
   <p:cSld>
     <p:spTree>
@@ -31254,7 +30045,7 @@
 </p:sld>
 </file>
 
-<file path=ppt/slides/slide31.xml><?xml version="1.0" encoding="utf-8"?>
+<file path=ppt/slides/slide29.xml><?xml version="1.0" encoding="utf-8"?>
 <p:sld xmlns:a="http://schemas.openxmlformats.org/drawingml/2006/main" xmlns:r="http://schemas.openxmlformats.org/officeDocument/2006/relationships" xmlns:p="http://schemas.openxmlformats.org/presentationml/2006/main">
   <p:cSld>
     <p:spTree>
@@ -31422,7 +30213,164 @@
 </p:sld>
 </file>
 
-<file path=ppt/slides/slide32.xml><?xml version="1.0" encoding="utf-8"?>
+<file path=ppt/slides/slide3.xml><?xml version="1.0" encoding="utf-8"?>
+<p:sld xmlns:a="http://schemas.openxmlformats.org/drawingml/2006/main" xmlns:r="http://schemas.openxmlformats.org/officeDocument/2006/relationships" xmlns:p="http://schemas.openxmlformats.org/presentationml/2006/main">
+  <p:cSld>
+    <p:spTree>
+      <p:nvGrpSpPr>
+        <p:cNvPr id="1" name=""/>
+        <p:cNvGrpSpPr/>
+        <p:nvPr/>
+      </p:nvGrpSpPr>
+      <p:grpSpPr>
+        <a:xfrm>
+          <a:off x="0" y="0"/>
+          <a:ext cx="0" cy="0"/>
+          <a:chOff x="0" y="0"/>
+          <a:chExt cx="0" cy="0"/>
+        </a:xfrm>
+      </p:grpSpPr>
+      <p:sp>
+        <p:nvSpPr>
+          <p:cNvPr id="32770" name="Rectangle 2"/>
+          <p:cNvSpPr>
+            <a:spLocks noGrp="1" noRot="1" noChangeArrowheads="1"/>
+          </p:cNvSpPr>
+          <p:nvPr>
+            <p:ph type="title"/>
+          </p:nvPr>
+        </p:nvSpPr>
+        <p:spPr/>
+        <p:txBody>
+          <a:bodyPr/>
+          <a:lstStyle/>
+          <a:p>
+            <a:pPr eaLnBrk="1" hangingPunct="1"/>
+            <a:r>
+              <a:rPr lang="en-US" altLang="en-US" sz="2800" dirty="0"/>
+              <a:t>ASSESSMENT</a:t>
+            </a:r>
+            <a:br>
+              <a:rPr lang="en-US" altLang="en-US" sz="2800" dirty="0"/>
+            </a:br>
+            <a:r>
+              <a:rPr lang="en-US" altLang="en-US" sz="2800" dirty="0"/>
+              <a:t>You will (or have already) learned </a:t>
+            </a:r>
+          </a:p>
+        </p:txBody>
+      </p:sp>
+      <p:sp>
+        <p:nvSpPr>
+          <p:cNvPr id="32772" name="Rectangle 4"/>
+          <p:cNvSpPr>
+            <a:spLocks noGrp="1" noRot="1" noChangeArrowheads="1"/>
+          </p:cNvSpPr>
+          <p:nvPr>
+            <p:ph type="body" idx="1"/>
+          </p:nvPr>
+        </p:nvSpPr>
+        <p:spPr/>
+        <p:txBody>
+          <a:bodyPr/>
+          <a:lstStyle/>
+          <a:p>
+            <a:pPr eaLnBrk="1" hangingPunct="1">
+              <a:buFont typeface="Wingdings 3" charset="0"/>
+              <a:buChar char="}"/>
+              <a:defRPr/>
+            </a:pPr>
+            <a:r>
+              <a:rPr lang="en-US" dirty="0">
+                <a:ea typeface="ＭＳ Ｐゴシック" charset="0"/>
+                <a:cs typeface="ＭＳ Ｐゴシック" charset="0"/>
+              </a:rPr>
+              <a:t>Purpose of assessments</a:t>
+            </a:r>
+          </a:p>
+          <a:p>
+            <a:pPr eaLnBrk="1" hangingPunct="1">
+              <a:buFont typeface="Wingdings 3" charset="0"/>
+              <a:buChar char="}"/>
+              <a:defRPr/>
+            </a:pPr>
+            <a:r>
+              <a:rPr lang="en-US" dirty="0">
+                <a:ea typeface="ＭＳ Ｐゴシック" charset="0"/>
+                <a:cs typeface="ＭＳ Ｐゴシック" charset="0"/>
+              </a:rPr>
+              <a:t>Review psychometric test concepts including: validity, reliability, base rate and sensitivity</a:t>
+            </a:r>
+          </a:p>
+          <a:p>
+            <a:pPr eaLnBrk="1" hangingPunct="1">
+              <a:buFont typeface="Wingdings 3" charset="0"/>
+              <a:buChar char="}"/>
+              <a:defRPr/>
+            </a:pPr>
+            <a:r>
+              <a:rPr lang="en-US" dirty="0">
+                <a:ea typeface="ＭＳ Ｐゴシック" charset="0"/>
+                <a:cs typeface="ＭＳ Ｐゴシック" charset="0"/>
+              </a:rPr>
+              <a:t>Differentiate standard/nonstandard, formal/informal, static/dynamic</a:t>
+            </a:r>
+          </a:p>
+          <a:p>
+            <a:pPr eaLnBrk="1" hangingPunct="1">
+              <a:buFont typeface="Wingdings 3" charset="0"/>
+              <a:buChar char="}"/>
+              <a:defRPr/>
+            </a:pPr>
+            <a:endParaRPr lang="en-US" dirty="0">
+              <a:ea typeface="ＭＳ Ｐゴシック" charset="0"/>
+              <a:cs typeface="ＭＳ Ｐゴシック" charset="0"/>
+            </a:endParaRPr>
+          </a:p>
+        </p:txBody>
+      </p:sp>
+      <p:sp>
+        <p:nvSpPr>
+          <p:cNvPr id="2" name="TextBox 1"/>
+          <p:cNvSpPr txBox="1"/>
+          <p:nvPr/>
+        </p:nvSpPr>
+        <p:spPr>
+          <a:xfrm>
+            <a:off x="343785" y="6240462"/>
+            <a:ext cx="2352919" cy="361816"/>
+          </a:xfrm>
+          <a:prstGeom prst="rect">
+            <a:avLst/>
+          </a:prstGeom>
+          <a:solidFill>
+            <a:schemeClr val="bg2"/>
+          </a:solidFill>
+        </p:spPr>
+        <p:txBody>
+          <a:bodyPr wrap="square" rtlCol="0">
+            <a:spAutoFit/>
+          </a:bodyPr>
+          <a:lstStyle/>
+          <a:p>
+            <a:endParaRPr lang="en-US"/>
+          </a:p>
+        </p:txBody>
+      </p:sp>
+    </p:spTree>
+    <p:extLst>
+      <p:ext uri="{BB962C8B-B14F-4D97-AF65-F5344CB8AC3E}">
+        <p14:creationId xmlns:p14="http://schemas.microsoft.com/office/powerpoint/2010/main" val="1243156302"/>
+      </p:ext>
+    </p:extLst>
+  </p:cSld>
+  <p:clrMapOvr>
+    <a:masterClrMapping/>
+  </p:clrMapOvr>
+</p:sld>
+</file>
+
+<file path=ppt/slides/slide30.xml><?xml version="1.0" encoding="utf-8"?>
 <p:sld xmlns:a="http://schemas.openxmlformats.org/drawingml/2006/main" xmlns:r="http://schemas.openxmlformats.org/officeDocument/2006/relationships" xmlns:p="http://schemas.openxmlformats.org/presentationml/2006/main">
   <p:cSld>
     <p:spTree>
@@ -31461,7 +30409,7 @@
           <a:graphicData uri="http://schemas.openxmlformats.org/presentationml/2006/ole">
             <mc:AlternateContent xmlns:mc="http://schemas.openxmlformats.org/markup-compatibility/2006">
               <mc:Choice xmlns:v="urn:schemas-microsoft-com:vml" Requires="v">
-                <p:oleObj spid="_x0000_s1084" name="Document" r:id="rId3" imgW="5625893" imgH="2895493" progId="Word.Document.12">
+                <p:oleObj spid="_x0000_s1093" name="Document" r:id="rId3" imgW="5625893" imgH="2895493" progId="Word.Document.12">
                   <p:embed/>
                 </p:oleObj>
               </mc:Choice>
@@ -31710,7 +30658,7 @@
 </p:sld>
 </file>
 
-<file path=ppt/slides/slide33.xml><?xml version="1.0" encoding="utf-8"?>
+<file path=ppt/slides/slide31.xml><?xml version="1.0" encoding="utf-8"?>
 <p:sld xmlns:a="http://schemas.openxmlformats.org/drawingml/2006/main" xmlns:r="http://schemas.openxmlformats.org/officeDocument/2006/relationships" xmlns:p="http://schemas.openxmlformats.org/presentationml/2006/main">
   <p:cSld>
     <p:spTree>
@@ -32268,7 +31216,7 @@
 </p:sld>
 </file>
 
-<file path=ppt/slides/slide34.xml><?xml version="1.0" encoding="utf-8"?>
+<file path=ppt/slides/slide32.xml><?xml version="1.0" encoding="utf-8"?>
 <p:sld xmlns:a="http://schemas.openxmlformats.org/drawingml/2006/main" xmlns:r="http://schemas.openxmlformats.org/officeDocument/2006/relationships" xmlns:p="http://schemas.openxmlformats.org/presentationml/2006/main">
   <p:cSld>
     <p:spTree>
@@ -32802,7 +31750,7 @@
 </p:sld>
 </file>
 
-<file path=ppt/slides/slide35.xml><?xml version="1.0" encoding="utf-8"?>
+<file path=ppt/slides/slide33.xml><?xml version="1.0" encoding="utf-8"?>
 <p:sld xmlns:a="http://schemas.openxmlformats.org/drawingml/2006/main" xmlns:r="http://schemas.openxmlformats.org/officeDocument/2006/relationships" xmlns:p="http://schemas.openxmlformats.org/presentationml/2006/main">
   <p:cSld>
     <p:spTree>
@@ -33320,7 +32268,7 @@
 </p:sld>
 </file>
 
-<file path=ppt/slides/slide36.xml><?xml version="1.0" encoding="utf-8"?>
+<file path=ppt/slides/slide34.xml><?xml version="1.0" encoding="utf-8"?>
 <p:sld xmlns:a="http://schemas.openxmlformats.org/drawingml/2006/main" xmlns:r="http://schemas.openxmlformats.org/officeDocument/2006/relationships" xmlns:p="http://schemas.openxmlformats.org/presentationml/2006/main">
   <p:cSld>
     <p:spTree>
@@ -34597,7 +33545,7 @@
 </p:sld>
 </file>
 
-<file path=ppt/slides/slide37.xml><?xml version="1.0" encoding="utf-8"?>
+<file path=ppt/slides/slide35.xml><?xml version="1.0" encoding="utf-8"?>
 <p:sld xmlns:a="http://schemas.openxmlformats.org/drawingml/2006/main" xmlns:r="http://schemas.openxmlformats.org/officeDocument/2006/relationships" xmlns:p="http://schemas.openxmlformats.org/presentationml/2006/main">
   <p:cSld>
     <p:spTree>
@@ -35478,7 +34426,7 @@
 </p:sld>
 </file>
 
-<file path=ppt/slides/slide38.xml><?xml version="1.0" encoding="utf-8"?>
+<file path=ppt/slides/slide36.xml><?xml version="1.0" encoding="utf-8"?>
 <p:sld xmlns:a="http://schemas.openxmlformats.org/drawingml/2006/main" xmlns:r="http://schemas.openxmlformats.org/officeDocument/2006/relationships" xmlns:p="http://schemas.openxmlformats.org/presentationml/2006/main">
   <p:cSld>
     <p:spTree>
@@ -36496,7 +35444,7 @@
 </p:sld>
 </file>
 
-<file path=ppt/slides/slide39.xml><?xml version="1.0" encoding="utf-8"?>
+<file path=ppt/slides/slide37.xml><?xml version="1.0" encoding="utf-8"?>
 <p:sld xmlns:a="http://schemas.openxmlformats.org/drawingml/2006/main" xmlns:r="http://schemas.openxmlformats.org/officeDocument/2006/relationships" xmlns:p="http://schemas.openxmlformats.org/presentationml/2006/main">
   <p:cSld>
     <p:spTree>
@@ -37243,6 +36191,387 @@
 </p:sld>
 </file>
 
+<file path=ppt/slides/slide38.xml><?xml version="1.0" encoding="utf-8"?>
+<p:sld xmlns:a="http://schemas.openxmlformats.org/drawingml/2006/main" xmlns:r="http://schemas.openxmlformats.org/officeDocument/2006/relationships" xmlns:p="http://schemas.openxmlformats.org/presentationml/2006/main">
+  <p:cSld>
+    <p:spTree>
+      <p:nvGrpSpPr>
+        <p:cNvPr id="1" name=""/>
+        <p:cNvGrpSpPr/>
+        <p:nvPr/>
+      </p:nvGrpSpPr>
+      <p:grpSpPr>
+        <a:xfrm>
+          <a:off x="0" y="0"/>
+          <a:ext cx="0" cy="0"/>
+          <a:chOff x="0" y="0"/>
+          <a:chExt cx="0" cy="0"/>
+        </a:xfrm>
+      </p:grpSpPr>
+      <p:sp>
+        <p:nvSpPr>
+          <p:cNvPr id="2" name="Title 1"/>
+          <p:cNvSpPr>
+            <a:spLocks noGrp="1"/>
+          </p:cNvSpPr>
+          <p:nvPr>
+            <p:ph type="title"/>
+          </p:nvPr>
+        </p:nvSpPr>
+        <p:spPr>
+          <a:xfrm>
+            <a:off x="1981200" y="-127000"/>
+            <a:ext cx="8229600" cy="1143000"/>
+          </a:xfrm>
+        </p:spPr>
+        <p:txBody>
+          <a:bodyPr/>
+          <a:lstStyle/>
+          <a:p>
+            <a:r>
+              <a:rPr lang="en-US" altLang="en-US" dirty="0"/>
+              <a:t>Summary of Benefits for GAS</a:t>
+            </a:r>
+          </a:p>
+        </p:txBody>
+      </p:sp>
+      <p:sp>
+        <p:nvSpPr>
+          <p:cNvPr id="3" name="Content Placeholder 2"/>
+          <p:cNvSpPr>
+            <a:spLocks noGrp="1"/>
+          </p:cNvSpPr>
+          <p:nvPr>
+            <p:ph idx="1"/>
+          </p:nvPr>
+        </p:nvSpPr>
+        <p:spPr>
+          <a:xfrm>
+            <a:off x="1981200" y="1157289"/>
+            <a:ext cx="8229600" cy="5381625"/>
+          </a:xfrm>
+        </p:spPr>
+        <p:txBody>
+          <a:bodyPr>
+            <a:normAutofit/>
+          </a:bodyPr>
+          <a:lstStyle/>
+          <a:p>
+            <a:pPr>
+              <a:lnSpc>
+                <a:spcPct val="90000"/>
+              </a:lnSpc>
+            </a:pPr>
+            <a:r>
+              <a:rPr lang="en-US" altLang="en-US" sz="3000"/>
+              <a:t>Client-centric versus population-centric</a:t>
+            </a:r>
+          </a:p>
+          <a:p>
+            <a:pPr lvl="1">
+              <a:lnSpc>
+                <a:spcPct val="90000"/>
+              </a:lnSpc>
+            </a:pPr>
+            <a:r>
+              <a:rPr lang="en-US" altLang="en-US" sz="2600"/>
+              <a:t>Individualized vs. global measure </a:t>
+            </a:r>
+          </a:p>
+          <a:p>
+            <a:pPr lvl="1">
+              <a:lnSpc>
+                <a:spcPct val="90000"/>
+              </a:lnSpc>
+              <a:buFont typeface="Wingdings" charset="2"/>
+              <a:buNone/>
+            </a:pPr>
+            <a:endParaRPr lang="en-US" altLang="en-US" sz="2600"/>
+          </a:p>
+          <a:p>
+            <a:pPr>
+              <a:lnSpc>
+                <a:spcPct val="90000"/>
+              </a:lnSpc>
+            </a:pPr>
+            <a:r>
+              <a:rPr lang="en-US" altLang="en-US" sz="3000"/>
+              <a:t>Accommodate different goals for same client</a:t>
+            </a:r>
+          </a:p>
+          <a:p>
+            <a:pPr>
+              <a:lnSpc>
+                <a:spcPct val="90000"/>
+              </a:lnSpc>
+              <a:buFont typeface="Wingdings 3" charset="2"/>
+              <a:buNone/>
+            </a:pPr>
+            <a:endParaRPr lang="en-US" altLang="en-US" sz="3000"/>
+          </a:p>
+          <a:p>
+            <a:pPr>
+              <a:lnSpc>
+                <a:spcPct val="90000"/>
+              </a:lnSpc>
+            </a:pPr>
+            <a:r>
+              <a:rPr lang="en-US" altLang="en-US" sz="3000"/>
+              <a:t>Aggregate results across clients receiving the same treatment with different goals 	</a:t>
+            </a:r>
+          </a:p>
+          <a:p>
+            <a:pPr lvl="1">
+              <a:lnSpc>
+                <a:spcPct val="90000"/>
+              </a:lnSpc>
+            </a:pPr>
+            <a:r>
+              <a:rPr lang="en-US" altLang="en-US" sz="2600"/>
+              <a:t> Practice-based evidence	 </a:t>
+            </a:r>
+          </a:p>
+          <a:p>
+            <a:pPr lvl="1">
+              <a:lnSpc>
+                <a:spcPct val="90000"/>
+              </a:lnSpc>
+            </a:pPr>
+            <a:endParaRPr lang="en-US" altLang="en-US" sz="2600"/>
+          </a:p>
+          <a:p>
+            <a:pPr>
+              <a:lnSpc>
+                <a:spcPct val="90000"/>
+              </a:lnSpc>
+            </a:pPr>
+            <a:r>
+              <a:rPr lang="en-US" altLang="en-US" sz="3000"/>
+              <a:t>Can objectively assess degree of goal attainment – outcome measure</a:t>
+            </a:r>
+          </a:p>
+        </p:txBody>
+      </p:sp>
+      <p:sp>
+        <p:nvSpPr>
+          <p:cNvPr id="4" name="TextBox 3"/>
+          <p:cNvSpPr txBox="1"/>
+          <p:nvPr/>
+        </p:nvSpPr>
+        <p:spPr>
+          <a:xfrm>
+            <a:off x="109869" y="6308174"/>
+            <a:ext cx="2716457" cy="372029"/>
+          </a:xfrm>
+          <a:prstGeom prst="rect">
+            <a:avLst/>
+          </a:prstGeom>
+          <a:solidFill>
+            <a:schemeClr val="bg2"/>
+          </a:solidFill>
+        </p:spPr>
+        <p:txBody>
+          <a:bodyPr wrap="square" rtlCol="0">
+            <a:spAutoFit/>
+          </a:bodyPr>
+          <a:lstStyle/>
+          <a:p>
+            <a:endParaRPr lang="en-US" dirty="0"/>
+          </a:p>
+        </p:txBody>
+      </p:sp>
+    </p:spTree>
+    <p:extLst>
+      <p:ext uri="{BB962C8B-B14F-4D97-AF65-F5344CB8AC3E}">
+        <p14:creationId xmlns:p14="http://schemas.microsoft.com/office/powerpoint/2010/main" val="3593164894"/>
+      </p:ext>
+    </p:extLst>
+  </p:cSld>
+  <p:clrMapOvr>
+    <a:masterClrMapping/>
+  </p:clrMapOvr>
+</p:sld>
+</file>
+
+<file path=ppt/slides/slide39.xml><?xml version="1.0" encoding="utf-8"?>
+<p:sld xmlns:a="http://schemas.openxmlformats.org/drawingml/2006/main" xmlns:r="http://schemas.openxmlformats.org/officeDocument/2006/relationships" xmlns:p="http://schemas.openxmlformats.org/presentationml/2006/main">
+  <p:cSld>
+    <p:spTree>
+      <p:nvGrpSpPr>
+        <p:cNvPr id="1" name=""/>
+        <p:cNvGrpSpPr/>
+        <p:nvPr/>
+      </p:nvGrpSpPr>
+      <p:grpSpPr>
+        <a:xfrm>
+          <a:off x="0" y="0"/>
+          <a:ext cx="0" cy="0"/>
+          <a:chOff x="0" y="0"/>
+          <a:chExt cx="0" cy="0"/>
+        </a:xfrm>
+      </p:grpSpPr>
+      <p:sp>
+        <p:nvSpPr>
+          <p:cNvPr id="2" name="Title 1">
+            <a:extLst>
+              <a:ext uri="{FF2B5EF4-FFF2-40B4-BE49-F238E27FC236}">
+                <a16:creationId xmlns:a16="http://schemas.microsoft.com/office/drawing/2014/main" id="{5DD32342-7727-6249-A751-BCAB568C4B13}"/>
+              </a:ext>
+            </a:extLst>
+          </p:cNvPr>
+          <p:cNvSpPr>
+            <a:spLocks noGrp="1"/>
+          </p:cNvSpPr>
+          <p:nvPr>
+            <p:ph type="title"/>
+          </p:nvPr>
+        </p:nvSpPr>
+        <p:spPr/>
+        <p:txBody>
+          <a:bodyPr/>
+          <a:lstStyle/>
+          <a:p>
+            <a:r>
+              <a:rPr lang="en-US" dirty="0"/>
+              <a:t>Lecture Map Part B</a:t>
+            </a:r>
+          </a:p>
+        </p:txBody>
+      </p:sp>
+      <p:sp>
+        <p:nvSpPr>
+          <p:cNvPr id="3" name="Content Placeholder 2">
+            <a:extLst>
+              <a:ext uri="{FF2B5EF4-FFF2-40B4-BE49-F238E27FC236}">
+                <a16:creationId xmlns:a16="http://schemas.microsoft.com/office/drawing/2014/main" id="{8C53F19A-BF9A-9642-AED1-DEE31FF619F2}"/>
+              </a:ext>
+            </a:extLst>
+          </p:cNvPr>
+          <p:cNvSpPr>
+            <a:spLocks noGrp="1"/>
+          </p:cNvSpPr>
+          <p:nvPr>
+            <p:ph idx="1"/>
+          </p:nvPr>
+        </p:nvSpPr>
+        <p:spPr/>
+        <p:txBody>
+          <a:bodyPr>
+            <a:normAutofit fontScale="92500"/>
+          </a:bodyPr>
+          <a:lstStyle/>
+          <a:p>
+            <a:r>
+              <a:rPr lang="en-US" dirty="0"/>
+              <a:t>Increasing Client Buy-In (Building Therapeutic Alliance)</a:t>
+            </a:r>
+          </a:p>
+          <a:p>
+            <a:pPr lvl="1"/>
+            <a:r>
+              <a:rPr lang="en-US" dirty="0"/>
+              <a:t>Need to promote self efficacy, motivation, and trust</a:t>
+            </a:r>
+          </a:p>
+          <a:p>
+            <a:pPr lvl="1"/>
+            <a:r>
+              <a:rPr lang="en-US" dirty="0"/>
+              <a:t>Challenges may be due to deficits in self awareness, psychological conditions (denial, depression) </a:t>
+            </a:r>
+          </a:p>
+          <a:p>
+            <a:r>
+              <a:rPr lang="en-US" dirty="0"/>
+              <a:t>SLPs need to know how to promote resilience </a:t>
+            </a:r>
+          </a:p>
+          <a:p>
+            <a:pPr lvl="1"/>
+            <a:r>
+              <a:rPr lang="en-US" dirty="0"/>
+              <a:t>Tools: client-centered goal setting, collaborative interview skills and MI</a:t>
+            </a:r>
+          </a:p>
+          <a:p>
+            <a:pPr lvl="1"/>
+            <a:r>
+              <a:rPr lang="en-US" dirty="0"/>
+              <a:t>Therapy approaches to decrease deficits in self awareness and increase motivation</a:t>
+            </a:r>
+          </a:p>
+          <a:p>
+            <a:r>
+              <a:rPr lang="en-US" dirty="0"/>
+              <a:t>Big picture flow of therapy that can promote resilience and self efficacy</a:t>
+            </a:r>
+          </a:p>
+          <a:p>
+            <a:pPr lvl="1"/>
+            <a:r>
+              <a:rPr lang="en-US" dirty="0"/>
+              <a:t>Four phases of cognitive rehabilitation (from Clinician’s Guideline)</a:t>
+            </a:r>
+          </a:p>
+          <a:p>
+            <a:pPr lvl="1"/>
+            <a:r>
+              <a:rPr lang="en-US" dirty="0"/>
+              <a:t>Dynamic Coaching</a:t>
+            </a:r>
+          </a:p>
+          <a:p>
+            <a:endParaRPr lang="en-US" dirty="0"/>
+          </a:p>
+        </p:txBody>
+      </p:sp>
+      <p:sp>
+        <p:nvSpPr>
+          <p:cNvPr id="5" name="TextBox 4">
+            <a:extLst>
+              <a:ext uri="{FF2B5EF4-FFF2-40B4-BE49-F238E27FC236}">
+                <a16:creationId xmlns:a16="http://schemas.microsoft.com/office/drawing/2014/main" id="{3743496F-DD1E-554A-968E-B5E0803F9DB9}"/>
+              </a:ext>
+            </a:extLst>
+          </p:cNvPr>
+          <p:cNvSpPr txBox="1"/>
+          <p:nvPr/>
+        </p:nvSpPr>
+        <p:spPr>
+          <a:xfrm>
+            <a:off x="263471" y="6080125"/>
+            <a:ext cx="2386739" cy="584146"/>
+          </a:xfrm>
+          <a:prstGeom prst="rect">
+            <a:avLst/>
+          </a:prstGeom>
+          <a:solidFill>
+            <a:schemeClr val="bg2"/>
+          </a:solidFill>
+        </p:spPr>
+        <p:txBody>
+          <a:bodyPr wrap="square" rtlCol="0">
+            <a:spAutoFit/>
+          </a:bodyPr>
+          <a:lstStyle/>
+          <a:p>
+            <a:endParaRPr lang="en-US" dirty="0"/>
+          </a:p>
+        </p:txBody>
+      </p:sp>
+    </p:spTree>
+    <p:extLst>
+      <p:ext uri="{BB962C8B-B14F-4D97-AF65-F5344CB8AC3E}">
+        <p14:creationId xmlns:p14="http://schemas.microsoft.com/office/powerpoint/2010/main" val="1593781746"/>
+      </p:ext>
+    </p:extLst>
+  </p:cSld>
+  <p:clrMapOvr>
+    <a:masterClrMapping/>
+  </p:clrMapOvr>
+</p:sld>
+</file>
+
 <file path=ppt/slides/slide4.xml><?xml version="1.0" encoding="utf-8"?>
 <p:sld xmlns:a="http://schemas.openxmlformats.org/drawingml/2006/main" xmlns:r="http://schemas.openxmlformats.org/officeDocument/2006/relationships" xmlns:p="http://schemas.openxmlformats.org/presentationml/2006/main" showMasterPhAnim="0">
   <p:cSld>
@@ -37858,387 +37187,6 @@
       </p:grpSpPr>
       <p:sp>
         <p:nvSpPr>
-          <p:cNvPr id="2" name="Title 1"/>
-          <p:cNvSpPr>
-            <a:spLocks noGrp="1"/>
-          </p:cNvSpPr>
-          <p:nvPr>
-            <p:ph type="title"/>
-          </p:nvPr>
-        </p:nvSpPr>
-        <p:spPr>
-          <a:xfrm>
-            <a:off x="1981200" y="-127000"/>
-            <a:ext cx="8229600" cy="1143000"/>
-          </a:xfrm>
-        </p:spPr>
-        <p:txBody>
-          <a:bodyPr/>
-          <a:lstStyle/>
-          <a:p>
-            <a:r>
-              <a:rPr lang="en-US" altLang="en-US" dirty="0"/>
-              <a:t>Summary of Benefits for GAS</a:t>
-            </a:r>
-          </a:p>
-        </p:txBody>
-      </p:sp>
-      <p:sp>
-        <p:nvSpPr>
-          <p:cNvPr id="3" name="Content Placeholder 2"/>
-          <p:cNvSpPr>
-            <a:spLocks noGrp="1"/>
-          </p:cNvSpPr>
-          <p:nvPr>
-            <p:ph idx="1"/>
-          </p:nvPr>
-        </p:nvSpPr>
-        <p:spPr>
-          <a:xfrm>
-            <a:off x="1981200" y="1157289"/>
-            <a:ext cx="8229600" cy="5381625"/>
-          </a:xfrm>
-        </p:spPr>
-        <p:txBody>
-          <a:bodyPr>
-            <a:normAutofit/>
-          </a:bodyPr>
-          <a:lstStyle/>
-          <a:p>
-            <a:pPr>
-              <a:lnSpc>
-                <a:spcPct val="90000"/>
-              </a:lnSpc>
-            </a:pPr>
-            <a:r>
-              <a:rPr lang="en-US" altLang="en-US" sz="3000"/>
-              <a:t>Client-centric versus population-centric</a:t>
-            </a:r>
-          </a:p>
-          <a:p>
-            <a:pPr lvl="1">
-              <a:lnSpc>
-                <a:spcPct val="90000"/>
-              </a:lnSpc>
-            </a:pPr>
-            <a:r>
-              <a:rPr lang="en-US" altLang="en-US" sz="2600"/>
-              <a:t>Individualized vs. global measure </a:t>
-            </a:r>
-          </a:p>
-          <a:p>
-            <a:pPr lvl="1">
-              <a:lnSpc>
-                <a:spcPct val="90000"/>
-              </a:lnSpc>
-              <a:buFont typeface="Wingdings" charset="2"/>
-              <a:buNone/>
-            </a:pPr>
-            <a:endParaRPr lang="en-US" altLang="en-US" sz="2600"/>
-          </a:p>
-          <a:p>
-            <a:pPr>
-              <a:lnSpc>
-                <a:spcPct val="90000"/>
-              </a:lnSpc>
-            </a:pPr>
-            <a:r>
-              <a:rPr lang="en-US" altLang="en-US" sz="3000"/>
-              <a:t>Accommodate different goals for same client</a:t>
-            </a:r>
-          </a:p>
-          <a:p>
-            <a:pPr>
-              <a:lnSpc>
-                <a:spcPct val="90000"/>
-              </a:lnSpc>
-              <a:buFont typeface="Wingdings 3" charset="2"/>
-              <a:buNone/>
-            </a:pPr>
-            <a:endParaRPr lang="en-US" altLang="en-US" sz="3000"/>
-          </a:p>
-          <a:p>
-            <a:pPr>
-              <a:lnSpc>
-                <a:spcPct val="90000"/>
-              </a:lnSpc>
-            </a:pPr>
-            <a:r>
-              <a:rPr lang="en-US" altLang="en-US" sz="3000"/>
-              <a:t>Aggregate results across clients receiving the same treatment with different goals 	</a:t>
-            </a:r>
-          </a:p>
-          <a:p>
-            <a:pPr lvl="1">
-              <a:lnSpc>
-                <a:spcPct val="90000"/>
-              </a:lnSpc>
-            </a:pPr>
-            <a:r>
-              <a:rPr lang="en-US" altLang="en-US" sz="2600"/>
-              <a:t> Practice-based evidence	 </a:t>
-            </a:r>
-          </a:p>
-          <a:p>
-            <a:pPr lvl="1">
-              <a:lnSpc>
-                <a:spcPct val="90000"/>
-              </a:lnSpc>
-            </a:pPr>
-            <a:endParaRPr lang="en-US" altLang="en-US" sz="2600"/>
-          </a:p>
-          <a:p>
-            <a:pPr>
-              <a:lnSpc>
-                <a:spcPct val="90000"/>
-              </a:lnSpc>
-            </a:pPr>
-            <a:r>
-              <a:rPr lang="en-US" altLang="en-US" sz="3000"/>
-              <a:t>Can objectively assess degree of goal attainment – outcome measure</a:t>
-            </a:r>
-          </a:p>
-        </p:txBody>
-      </p:sp>
-      <p:sp>
-        <p:nvSpPr>
-          <p:cNvPr id="4" name="TextBox 3"/>
-          <p:cNvSpPr txBox="1"/>
-          <p:nvPr/>
-        </p:nvSpPr>
-        <p:spPr>
-          <a:xfrm>
-            <a:off x="109869" y="6308174"/>
-            <a:ext cx="2716457" cy="372029"/>
-          </a:xfrm>
-          <a:prstGeom prst="rect">
-            <a:avLst/>
-          </a:prstGeom>
-          <a:solidFill>
-            <a:schemeClr val="bg2"/>
-          </a:solidFill>
-        </p:spPr>
-        <p:txBody>
-          <a:bodyPr wrap="square" rtlCol="0">
-            <a:spAutoFit/>
-          </a:bodyPr>
-          <a:lstStyle/>
-          <a:p>
-            <a:endParaRPr lang="en-US" dirty="0"/>
-          </a:p>
-        </p:txBody>
-      </p:sp>
-    </p:spTree>
-    <p:extLst>
-      <p:ext uri="{BB962C8B-B14F-4D97-AF65-F5344CB8AC3E}">
-        <p14:creationId xmlns:p14="http://schemas.microsoft.com/office/powerpoint/2010/main" val="3593164894"/>
-      </p:ext>
-    </p:extLst>
-  </p:cSld>
-  <p:clrMapOvr>
-    <a:masterClrMapping/>
-  </p:clrMapOvr>
-</p:sld>
-</file>
-
-<file path=ppt/slides/slide41.xml><?xml version="1.0" encoding="utf-8"?>
-<p:sld xmlns:a="http://schemas.openxmlformats.org/drawingml/2006/main" xmlns:r="http://schemas.openxmlformats.org/officeDocument/2006/relationships" xmlns:p="http://schemas.openxmlformats.org/presentationml/2006/main">
-  <p:cSld>
-    <p:spTree>
-      <p:nvGrpSpPr>
-        <p:cNvPr id="1" name=""/>
-        <p:cNvGrpSpPr/>
-        <p:nvPr/>
-      </p:nvGrpSpPr>
-      <p:grpSpPr>
-        <a:xfrm>
-          <a:off x="0" y="0"/>
-          <a:ext cx="0" cy="0"/>
-          <a:chOff x="0" y="0"/>
-          <a:chExt cx="0" cy="0"/>
-        </a:xfrm>
-      </p:grpSpPr>
-      <p:sp>
-        <p:nvSpPr>
-          <p:cNvPr id="2" name="Title 1">
-            <a:extLst>
-              <a:ext uri="{FF2B5EF4-FFF2-40B4-BE49-F238E27FC236}">
-                <a16:creationId xmlns:a16="http://schemas.microsoft.com/office/drawing/2014/main" id="{5DD32342-7727-6249-A751-BCAB568C4B13}"/>
-              </a:ext>
-            </a:extLst>
-          </p:cNvPr>
-          <p:cNvSpPr>
-            <a:spLocks noGrp="1"/>
-          </p:cNvSpPr>
-          <p:nvPr>
-            <p:ph type="title"/>
-          </p:nvPr>
-        </p:nvSpPr>
-        <p:spPr/>
-        <p:txBody>
-          <a:bodyPr/>
-          <a:lstStyle/>
-          <a:p>
-            <a:r>
-              <a:rPr lang="en-US" dirty="0"/>
-              <a:t>Lecture Map Part B</a:t>
-            </a:r>
-          </a:p>
-        </p:txBody>
-      </p:sp>
-      <p:sp>
-        <p:nvSpPr>
-          <p:cNvPr id="3" name="Content Placeholder 2">
-            <a:extLst>
-              <a:ext uri="{FF2B5EF4-FFF2-40B4-BE49-F238E27FC236}">
-                <a16:creationId xmlns:a16="http://schemas.microsoft.com/office/drawing/2014/main" id="{8C53F19A-BF9A-9642-AED1-DEE31FF619F2}"/>
-              </a:ext>
-            </a:extLst>
-          </p:cNvPr>
-          <p:cNvSpPr>
-            <a:spLocks noGrp="1"/>
-          </p:cNvSpPr>
-          <p:nvPr>
-            <p:ph idx="1"/>
-          </p:nvPr>
-        </p:nvSpPr>
-        <p:spPr/>
-        <p:txBody>
-          <a:bodyPr>
-            <a:normAutofit fontScale="92500"/>
-          </a:bodyPr>
-          <a:lstStyle/>
-          <a:p>
-            <a:r>
-              <a:rPr lang="en-US" dirty="0"/>
-              <a:t>Increasing Client Buy-In (Building Therapeutic Alliance)</a:t>
-            </a:r>
-          </a:p>
-          <a:p>
-            <a:pPr lvl="1"/>
-            <a:r>
-              <a:rPr lang="en-US" dirty="0"/>
-              <a:t>Need to promote self efficacy, motivation, and trust</a:t>
-            </a:r>
-          </a:p>
-          <a:p>
-            <a:pPr lvl="1"/>
-            <a:r>
-              <a:rPr lang="en-US" dirty="0"/>
-              <a:t>Challenges may be due to deficits in self awareness, psychological conditions (denial, depression) </a:t>
-            </a:r>
-          </a:p>
-          <a:p>
-            <a:r>
-              <a:rPr lang="en-US" dirty="0"/>
-              <a:t>SLPs need to know how to promote resilience </a:t>
-            </a:r>
-          </a:p>
-          <a:p>
-            <a:pPr lvl="1"/>
-            <a:r>
-              <a:rPr lang="en-US" dirty="0"/>
-              <a:t>Tools: client-centered goal setting, collaborative interview skills and MI</a:t>
-            </a:r>
-          </a:p>
-          <a:p>
-            <a:pPr lvl="1"/>
-            <a:r>
-              <a:rPr lang="en-US" dirty="0"/>
-              <a:t>Therapy approaches to decrease deficits in self awareness and increase motivation</a:t>
-            </a:r>
-          </a:p>
-          <a:p>
-            <a:r>
-              <a:rPr lang="en-US" dirty="0"/>
-              <a:t>Big picture flow of therapy that can promote resilience and self efficacy</a:t>
-            </a:r>
-          </a:p>
-          <a:p>
-            <a:pPr lvl="1"/>
-            <a:r>
-              <a:rPr lang="en-US" dirty="0"/>
-              <a:t>Four phases of cognitive rehabilitation (from Clinician’s Guideline)</a:t>
-            </a:r>
-          </a:p>
-          <a:p>
-            <a:pPr lvl="1"/>
-            <a:r>
-              <a:rPr lang="en-US" dirty="0"/>
-              <a:t>Dynamic Coaching</a:t>
-            </a:r>
-          </a:p>
-          <a:p>
-            <a:endParaRPr lang="en-US" dirty="0"/>
-          </a:p>
-        </p:txBody>
-      </p:sp>
-      <p:sp>
-        <p:nvSpPr>
-          <p:cNvPr id="5" name="TextBox 4">
-            <a:extLst>
-              <a:ext uri="{FF2B5EF4-FFF2-40B4-BE49-F238E27FC236}">
-                <a16:creationId xmlns:a16="http://schemas.microsoft.com/office/drawing/2014/main" id="{3743496F-DD1E-554A-968E-B5E0803F9DB9}"/>
-              </a:ext>
-            </a:extLst>
-          </p:cNvPr>
-          <p:cNvSpPr txBox="1"/>
-          <p:nvPr/>
-        </p:nvSpPr>
-        <p:spPr>
-          <a:xfrm>
-            <a:off x="263471" y="6080125"/>
-            <a:ext cx="2386739" cy="584146"/>
-          </a:xfrm>
-          <a:prstGeom prst="rect">
-            <a:avLst/>
-          </a:prstGeom>
-          <a:solidFill>
-            <a:schemeClr val="bg2"/>
-          </a:solidFill>
-        </p:spPr>
-        <p:txBody>
-          <a:bodyPr wrap="square" rtlCol="0">
-            <a:spAutoFit/>
-          </a:bodyPr>
-          <a:lstStyle/>
-          <a:p>
-            <a:endParaRPr lang="en-US" dirty="0"/>
-          </a:p>
-        </p:txBody>
-      </p:sp>
-    </p:spTree>
-    <p:extLst>
-      <p:ext uri="{BB962C8B-B14F-4D97-AF65-F5344CB8AC3E}">
-        <p14:creationId xmlns:p14="http://schemas.microsoft.com/office/powerpoint/2010/main" val="1593781746"/>
-      </p:ext>
-    </p:extLst>
-  </p:cSld>
-  <p:clrMapOvr>
-    <a:masterClrMapping/>
-  </p:clrMapOvr>
-</p:sld>
-</file>
-
-<file path=ppt/slides/slide42.xml><?xml version="1.0" encoding="utf-8"?>
-<p:sld xmlns:a="http://schemas.openxmlformats.org/drawingml/2006/main" xmlns:r="http://schemas.openxmlformats.org/officeDocument/2006/relationships" xmlns:p="http://schemas.openxmlformats.org/presentationml/2006/main">
-  <p:cSld>
-    <p:spTree>
-      <p:nvGrpSpPr>
-        <p:cNvPr id="1" name=""/>
-        <p:cNvGrpSpPr/>
-        <p:nvPr/>
-      </p:nvGrpSpPr>
-      <p:grpSpPr>
-        <a:xfrm>
-          <a:off x="0" y="0"/>
-          <a:ext cx="0" cy="0"/>
-          <a:chOff x="0" y="0"/>
-          <a:chExt cx="0" cy="0"/>
-        </a:xfrm>
-      </p:grpSpPr>
-      <p:sp>
-        <p:nvSpPr>
           <p:cNvPr id="2" name="Title 1">
             <a:extLst>
               <a:ext uri="{FF2B5EF4-FFF2-40B4-BE49-F238E27FC236}">
@@ -38352,7 +37300,7 @@
 </p:sld>
 </file>
 
-<file path=ppt/slides/slide43.xml><?xml version="1.0" encoding="utf-8"?>
+<file path=ppt/slides/slide41.xml><?xml version="1.0" encoding="utf-8"?>
 <p:sld xmlns:a="http://schemas.openxmlformats.org/drawingml/2006/main" xmlns:r="http://schemas.openxmlformats.org/officeDocument/2006/relationships" xmlns:p="http://schemas.openxmlformats.org/presentationml/2006/main">
   <p:cSld>
     <p:spTree>
@@ -38487,7 +37435,7 @@
 </p:sld>
 </file>
 
-<file path=ppt/slides/slide44.xml><?xml version="1.0" encoding="utf-8"?>
+<file path=ppt/slides/slide42.xml><?xml version="1.0" encoding="utf-8"?>
 <p:sld xmlns:a="http://schemas.openxmlformats.org/drawingml/2006/main" xmlns:r="http://schemas.openxmlformats.org/officeDocument/2006/relationships" xmlns:p="http://schemas.openxmlformats.org/presentationml/2006/main">
   <p:cSld>
     <p:spTree>
@@ -38801,7 +37749,7 @@
 </p:sld>
 </file>
 
-<file path=ppt/slides/slide45.xml><?xml version="1.0" encoding="utf-8"?>
+<file path=ppt/slides/slide43.xml><?xml version="1.0" encoding="utf-8"?>
 <p:sld xmlns:a="http://schemas.openxmlformats.org/drawingml/2006/main" xmlns:r="http://schemas.openxmlformats.org/officeDocument/2006/relationships" xmlns:p="http://schemas.openxmlformats.org/presentationml/2006/main">
   <p:cSld>
     <p:spTree>
@@ -39082,7 +38030,7 @@
 </p:sld>
 </file>
 
-<file path=ppt/slides/slide46.xml><?xml version="1.0" encoding="utf-8"?>
+<file path=ppt/slides/slide44.xml><?xml version="1.0" encoding="utf-8"?>
 <p:sld xmlns:a="http://schemas.openxmlformats.org/drawingml/2006/main" xmlns:r="http://schemas.openxmlformats.org/officeDocument/2006/relationships" xmlns:p="http://schemas.openxmlformats.org/presentationml/2006/main">
   <p:cSld>
     <p:spTree>
@@ -39277,7 +38225,7 @@
 </p:sld>
 </file>
 
-<file path=ppt/slides/slide47.xml><?xml version="1.0" encoding="utf-8"?>
+<file path=ppt/slides/slide45.xml><?xml version="1.0" encoding="utf-8"?>
 <p:sld xmlns:a="http://schemas.openxmlformats.org/drawingml/2006/main" xmlns:r="http://schemas.openxmlformats.org/officeDocument/2006/relationships" xmlns:p="http://schemas.openxmlformats.org/presentationml/2006/main">
   <p:cSld>
     <p:spTree>
@@ -39560,7 +38508,7 @@
 </p:sld>
 </file>
 
-<file path=ppt/slides/slide48.xml><?xml version="1.0" encoding="utf-8"?>
+<file path=ppt/slides/slide46.xml><?xml version="1.0" encoding="utf-8"?>
 <p:sld xmlns:a="http://schemas.openxmlformats.org/drawingml/2006/main" xmlns:r="http://schemas.openxmlformats.org/officeDocument/2006/relationships" xmlns:p="http://schemas.openxmlformats.org/presentationml/2006/main">
   <p:cSld>
     <p:spTree>
@@ -39737,7 +38685,7 @@
 </p:sld>
 </file>
 
-<file path=ppt/slides/slide49.xml><?xml version="1.0" encoding="utf-8"?>
+<file path=ppt/slides/slide47.xml><?xml version="1.0" encoding="utf-8"?>
 <p:sld xmlns:a="http://schemas.openxmlformats.org/drawingml/2006/main" xmlns:r="http://schemas.openxmlformats.org/officeDocument/2006/relationships" xmlns:p="http://schemas.openxmlformats.org/presentationml/2006/main">
   <p:cSld>
     <p:spTree>
@@ -39834,147 +38782,7 @@
 </p:sld>
 </file>
 
-<file path=ppt/slides/slide5.xml><?xml version="1.0" encoding="utf-8"?>
-<p:sld xmlns:a="http://schemas.openxmlformats.org/drawingml/2006/main" xmlns:r="http://schemas.openxmlformats.org/officeDocument/2006/relationships" xmlns:p="http://schemas.openxmlformats.org/presentationml/2006/main">
-  <p:cSld>
-    <p:spTree>
-      <p:nvGrpSpPr>
-        <p:cNvPr id="1" name=""/>
-        <p:cNvGrpSpPr/>
-        <p:nvPr/>
-      </p:nvGrpSpPr>
-      <p:grpSpPr>
-        <a:xfrm>
-          <a:off x="0" y="0"/>
-          <a:ext cx="0" cy="0"/>
-          <a:chOff x="0" y="0"/>
-          <a:chExt cx="0" cy="0"/>
-        </a:xfrm>
-      </p:grpSpPr>
-      <p:sp>
-        <p:nvSpPr>
-          <p:cNvPr id="2" name="Title 1"/>
-          <p:cNvSpPr>
-            <a:spLocks noGrp="1"/>
-          </p:cNvSpPr>
-          <p:nvPr>
-            <p:ph type="title"/>
-          </p:nvPr>
-        </p:nvSpPr>
-        <p:spPr/>
-        <p:txBody>
-          <a:bodyPr/>
-          <a:lstStyle/>
-          <a:p>
-            <a:r>
-              <a:rPr lang="en-US" altLang="en-US" dirty="0"/>
-              <a:t>Timing of Assessments often determines purpose</a:t>
-            </a:r>
-          </a:p>
-        </p:txBody>
-      </p:sp>
-      <p:sp>
-        <p:nvSpPr>
-          <p:cNvPr id="3" name="Content Placeholder 2"/>
-          <p:cNvSpPr>
-            <a:spLocks noGrp="1"/>
-          </p:cNvSpPr>
-          <p:nvPr>
-            <p:ph idx="1"/>
-          </p:nvPr>
-        </p:nvSpPr>
-        <p:spPr/>
-        <p:txBody>
-          <a:bodyPr>
-            <a:normAutofit/>
-          </a:bodyPr>
-          <a:lstStyle/>
-          <a:p>
-            <a:r>
-              <a:rPr lang="en-US" altLang="en-US" sz="2800" dirty="0">
-                <a:solidFill>
-                  <a:srgbClr val="FF0000"/>
-                </a:solidFill>
-              </a:rPr>
-              <a:t>Initial Assessment</a:t>
-            </a:r>
-            <a:r>
-              <a:rPr lang="en-US" altLang="en-US" sz="2800" dirty="0"/>
-              <a:t>: Documents baseline abilities, helps identify sources of concern; documents performance and participation prior to intervention; assists with treatment selection</a:t>
-            </a:r>
-          </a:p>
-          <a:p>
-            <a:r>
-              <a:rPr lang="en-US" altLang="en-US" sz="2800" dirty="0">
-                <a:solidFill>
-                  <a:srgbClr val="FF0000"/>
-                </a:solidFill>
-              </a:rPr>
-              <a:t>Ongoing Assessment</a:t>
-            </a:r>
-            <a:r>
-              <a:rPr lang="en-US" altLang="en-US" sz="2800" dirty="0"/>
-              <a:t>: Documents progress related to therapy goals and provides information useful for modifying intervention</a:t>
-            </a:r>
-          </a:p>
-          <a:p>
-            <a:r>
-              <a:rPr lang="en-US" altLang="en-US" sz="2800" dirty="0">
-                <a:solidFill>
-                  <a:srgbClr val="FF0000"/>
-                </a:solidFill>
-              </a:rPr>
-              <a:t>Outcome Assessment</a:t>
-            </a:r>
-            <a:r>
-              <a:rPr lang="en-US" altLang="en-US" sz="2800" dirty="0"/>
-              <a:t>: Documents final effects of intervention or condition after a discrete time period</a:t>
-            </a:r>
-          </a:p>
-        </p:txBody>
-      </p:sp>
-      <p:sp>
-        <p:nvSpPr>
-          <p:cNvPr id="4" name="TextBox 3"/>
-          <p:cNvSpPr txBox="1"/>
-          <p:nvPr/>
-        </p:nvSpPr>
-        <p:spPr>
-          <a:xfrm>
-            <a:off x="365051" y="6199322"/>
-            <a:ext cx="2409146" cy="435872"/>
-          </a:xfrm>
-          <a:prstGeom prst="rect">
-            <a:avLst/>
-          </a:prstGeom>
-          <a:solidFill>
-            <a:schemeClr val="bg2"/>
-          </a:solidFill>
-        </p:spPr>
-        <p:txBody>
-          <a:bodyPr wrap="square" rtlCol="0">
-            <a:spAutoFit/>
-          </a:bodyPr>
-          <a:lstStyle/>
-          <a:p>
-            <a:endParaRPr lang="en-US"/>
-          </a:p>
-        </p:txBody>
-      </p:sp>
-    </p:spTree>
-    <p:extLst>
-      <p:ext uri="{BB962C8B-B14F-4D97-AF65-F5344CB8AC3E}">
-        <p14:creationId xmlns:p14="http://schemas.microsoft.com/office/powerpoint/2010/main" val="1637718688"/>
-      </p:ext>
-    </p:extLst>
-  </p:cSld>
-  <p:clrMapOvr>
-    <a:masterClrMapping/>
-  </p:clrMapOvr>
-</p:sld>
-</file>
-
-<file path=ppt/slides/slide50.xml><?xml version="1.0" encoding="utf-8"?>
+<file path=ppt/slides/slide48.xml><?xml version="1.0" encoding="utf-8"?>
 <p:sld xmlns:a="http://schemas.openxmlformats.org/drawingml/2006/main" xmlns:r="http://schemas.openxmlformats.org/officeDocument/2006/relationships" xmlns:p="http://schemas.openxmlformats.org/presentationml/2006/main">
   <p:cSld>
     <p:spTree>
@@ -40099,7 +38907,7 @@
 </p:sld>
 </file>
 
-<file path=ppt/slides/slide51.xml><?xml version="1.0" encoding="utf-8"?>
+<file path=ppt/slides/slide49.xml><?xml version="1.0" encoding="utf-8"?>
 <p:sld xmlns:a="http://schemas.openxmlformats.org/drawingml/2006/main" xmlns:r="http://schemas.openxmlformats.org/officeDocument/2006/relationships" xmlns:p="http://schemas.openxmlformats.org/presentationml/2006/main">
   <p:cSld>
     <p:spTree>
@@ -40240,7 +39048,147 @@
 </p:sld>
 </file>
 
-<file path=ppt/slides/slide52.xml><?xml version="1.0" encoding="utf-8"?>
+<file path=ppt/slides/slide5.xml><?xml version="1.0" encoding="utf-8"?>
+<p:sld xmlns:a="http://schemas.openxmlformats.org/drawingml/2006/main" xmlns:r="http://schemas.openxmlformats.org/officeDocument/2006/relationships" xmlns:p="http://schemas.openxmlformats.org/presentationml/2006/main">
+  <p:cSld>
+    <p:spTree>
+      <p:nvGrpSpPr>
+        <p:cNvPr id="1" name=""/>
+        <p:cNvGrpSpPr/>
+        <p:nvPr/>
+      </p:nvGrpSpPr>
+      <p:grpSpPr>
+        <a:xfrm>
+          <a:off x="0" y="0"/>
+          <a:ext cx="0" cy="0"/>
+          <a:chOff x="0" y="0"/>
+          <a:chExt cx="0" cy="0"/>
+        </a:xfrm>
+      </p:grpSpPr>
+      <p:sp>
+        <p:nvSpPr>
+          <p:cNvPr id="2" name="Title 1"/>
+          <p:cNvSpPr>
+            <a:spLocks noGrp="1"/>
+          </p:cNvSpPr>
+          <p:nvPr>
+            <p:ph type="title"/>
+          </p:nvPr>
+        </p:nvSpPr>
+        <p:spPr/>
+        <p:txBody>
+          <a:bodyPr/>
+          <a:lstStyle/>
+          <a:p>
+            <a:r>
+              <a:rPr lang="en-US" altLang="en-US" dirty="0"/>
+              <a:t>Timing of Assessments often determines purpose</a:t>
+            </a:r>
+          </a:p>
+        </p:txBody>
+      </p:sp>
+      <p:sp>
+        <p:nvSpPr>
+          <p:cNvPr id="3" name="Content Placeholder 2"/>
+          <p:cNvSpPr>
+            <a:spLocks noGrp="1"/>
+          </p:cNvSpPr>
+          <p:nvPr>
+            <p:ph idx="1"/>
+          </p:nvPr>
+        </p:nvSpPr>
+        <p:spPr/>
+        <p:txBody>
+          <a:bodyPr>
+            <a:normAutofit/>
+          </a:bodyPr>
+          <a:lstStyle/>
+          <a:p>
+            <a:r>
+              <a:rPr lang="en-US" altLang="en-US" sz="2800" dirty="0">
+                <a:solidFill>
+                  <a:srgbClr val="FF0000"/>
+                </a:solidFill>
+              </a:rPr>
+              <a:t>Initial Assessment</a:t>
+            </a:r>
+            <a:r>
+              <a:rPr lang="en-US" altLang="en-US" sz="2800" dirty="0"/>
+              <a:t>: Documents baseline abilities, helps identify sources of concern; documents performance and participation prior to intervention; assists with treatment selection</a:t>
+            </a:r>
+          </a:p>
+          <a:p>
+            <a:r>
+              <a:rPr lang="en-US" altLang="en-US" sz="2800" dirty="0">
+                <a:solidFill>
+                  <a:srgbClr val="FF0000"/>
+                </a:solidFill>
+              </a:rPr>
+              <a:t>Ongoing Assessment</a:t>
+            </a:r>
+            <a:r>
+              <a:rPr lang="en-US" altLang="en-US" sz="2800" dirty="0"/>
+              <a:t>: Documents progress related to therapy goals and provides information useful for modifying intervention</a:t>
+            </a:r>
+          </a:p>
+          <a:p>
+            <a:r>
+              <a:rPr lang="en-US" altLang="en-US" sz="2800" dirty="0">
+                <a:solidFill>
+                  <a:srgbClr val="FF0000"/>
+                </a:solidFill>
+              </a:rPr>
+              <a:t>Outcome Assessment</a:t>
+            </a:r>
+            <a:r>
+              <a:rPr lang="en-US" altLang="en-US" sz="2800" dirty="0"/>
+              <a:t>: Documents final effects of intervention or condition after a discrete time period</a:t>
+            </a:r>
+          </a:p>
+        </p:txBody>
+      </p:sp>
+      <p:sp>
+        <p:nvSpPr>
+          <p:cNvPr id="4" name="TextBox 3"/>
+          <p:cNvSpPr txBox="1"/>
+          <p:nvPr/>
+        </p:nvSpPr>
+        <p:spPr>
+          <a:xfrm>
+            <a:off x="365051" y="6199322"/>
+            <a:ext cx="2409146" cy="435872"/>
+          </a:xfrm>
+          <a:prstGeom prst="rect">
+            <a:avLst/>
+          </a:prstGeom>
+          <a:solidFill>
+            <a:schemeClr val="bg2"/>
+          </a:solidFill>
+        </p:spPr>
+        <p:txBody>
+          <a:bodyPr wrap="square" rtlCol="0">
+            <a:spAutoFit/>
+          </a:bodyPr>
+          <a:lstStyle/>
+          <a:p>
+            <a:endParaRPr lang="en-US"/>
+          </a:p>
+        </p:txBody>
+      </p:sp>
+    </p:spTree>
+    <p:extLst>
+      <p:ext uri="{BB962C8B-B14F-4D97-AF65-F5344CB8AC3E}">
+        <p14:creationId xmlns:p14="http://schemas.microsoft.com/office/powerpoint/2010/main" val="1637718688"/>
+      </p:ext>
+    </p:extLst>
+  </p:cSld>
+  <p:clrMapOvr>
+    <a:masterClrMapping/>
+  </p:clrMapOvr>
+</p:sld>
+</file>
+
+<file path=ppt/slides/slide50.xml><?xml version="1.0" encoding="utf-8"?>
 <p:sld xmlns:a="http://schemas.openxmlformats.org/drawingml/2006/main" xmlns:r="http://schemas.openxmlformats.org/officeDocument/2006/relationships" xmlns:p="http://schemas.openxmlformats.org/presentationml/2006/main">
   <p:cSld>
     <p:spTree>
@@ -41342,6 +40290,474 @@
 </p:sld>
 </file>
 
+<file path=ppt/slides/slide51.xml><?xml version="1.0" encoding="utf-8"?>
+<p:sld xmlns:a="http://schemas.openxmlformats.org/drawingml/2006/main" xmlns:r="http://schemas.openxmlformats.org/officeDocument/2006/relationships" xmlns:p="http://schemas.openxmlformats.org/presentationml/2006/main">
+  <p:cSld>
+    <p:spTree>
+      <p:nvGrpSpPr>
+        <p:cNvPr id="1" name=""/>
+        <p:cNvGrpSpPr/>
+        <p:nvPr/>
+      </p:nvGrpSpPr>
+      <p:grpSpPr>
+        <a:xfrm>
+          <a:off x="0" y="0"/>
+          <a:ext cx="0" cy="0"/>
+          <a:chOff x="0" y="0"/>
+          <a:chExt cx="0" cy="0"/>
+        </a:xfrm>
+      </p:grpSpPr>
+      <p:sp>
+        <p:nvSpPr>
+          <p:cNvPr id="2" name="Date Placeholder 1"/>
+          <p:cNvSpPr>
+            <a:spLocks noGrp="1"/>
+          </p:cNvSpPr>
+          <p:nvPr>
+            <p:ph type="dt" sz="half" idx="10"/>
+          </p:nvPr>
+        </p:nvSpPr>
+        <p:spPr/>
+        <p:txBody>
+          <a:bodyPr/>
+          <a:lstStyle/>
+          <a:p>
+            <a:pPr>
+              <a:defRPr/>
+            </a:pPr>
+            <a:r>
+              <a:rPr lang="en-US"/>
+              <a:t>McKay Moore Sohlberg, PhD, CCC-SLP</a:t>
+            </a:r>
+            <a:endParaRPr lang="en-US" dirty="0"/>
+          </a:p>
+        </p:txBody>
+      </p:sp>
+      <p:sp>
+        <p:nvSpPr>
+          <p:cNvPr id="3" name="Title 2"/>
+          <p:cNvSpPr>
+            <a:spLocks noGrp="1"/>
+          </p:cNvSpPr>
+          <p:nvPr>
+            <p:ph type="title"/>
+          </p:nvPr>
+        </p:nvSpPr>
+        <p:spPr>
+          <a:xfrm>
+            <a:off x="1977263" y="225970"/>
+            <a:ext cx="8233540" cy="838200"/>
+          </a:xfrm>
+        </p:spPr>
+        <p:txBody>
+          <a:bodyPr/>
+          <a:lstStyle/>
+          <a:p>
+            <a:r>
+              <a:rPr lang="en-US" sz="2800" dirty="0"/>
+              <a:t>An Operational Definition of a Collaborative Goal Using MI Techniques</a:t>
+            </a:r>
+          </a:p>
+        </p:txBody>
+      </p:sp>
+      <p:sp>
+        <p:nvSpPr>
+          <p:cNvPr id="4" name="Text Placeholder 3"/>
+          <p:cNvSpPr>
+            <a:spLocks noGrp="1"/>
+          </p:cNvSpPr>
+          <p:nvPr>
+            <p:ph type="body" sz="quarter" idx="12"/>
+          </p:nvPr>
+        </p:nvSpPr>
+        <p:spPr/>
+        <p:txBody>
+          <a:bodyPr/>
+          <a:lstStyle/>
+          <a:p>
+            <a:pPr marL="0" indent="0">
+              <a:buNone/>
+            </a:pPr>
+            <a:r>
+              <a:rPr lang="en-US" b="1" i="1" dirty="0">
+                <a:solidFill>
+                  <a:schemeClr val="accent2">
+                    <a:lumMod val="75000"/>
+                  </a:schemeClr>
+                </a:solidFill>
+              </a:rPr>
+              <a:t>A goal in which: </a:t>
+            </a:r>
+          </a:p>
+          <a:p>
+            <a:pPr marL="514350" indent="-514350">
+              <a:buFont typeface="+mj-lt"/>
+              <a:buAutoNum type="arabicPeriod"/>
+            </a:pPr>
+            <a:r>
+              <a:rPr lang="en-US" dirty="0">
+                <a:solidFill>
+                  <a:schemeClr val="tx1"/>
+                </a:solidFill>
+              </a:rPr>
+              <a:t>the </a:t>
+            </a:r>
+            <a:r>
+              <a:rPr lang="en-US" u="sng" dirty="0">
+                <a:solidFill>
+                  <a:schemeClr val="tx1"/>
+                </a:solidFill>
+              </a:rPr>
+              <a:t>functional context</a:t>
+            </a:r>
+            <a:r>
+              <a:rPr lang="en-US" dirty="0">
+                <a:solidFill>
+                  <a:schemeClr val="tx1"/>
+                </a:solidFill>
+              </a:rPr>
+              <a:t>, </a:t>
+            </a:r>
+            <a:r>
+              <a:rPr lang="en-US" u="sng" dirty="0">
+                <a:solidFill>
+                  <a:schemeClr val="tx1"/>
+                </a:solidFill>
+              </a:rPr>
+              <a:t>functional activity</a:t>
+            </a:r>
+            <a:r>
+              <a:rPr lang="en-US" dirty="0">
+                <a:solidFill>
+                  <a:schemeClr val="tx1"/>
+                </a:solidFill>
+              </a:rPr>
+              <a:t>, and </a:t>
+            </a:r>
+            <a:r>
+              <a:rPr lang="en-US" u="sng" dirty="0">
+                <a:solidFill>
+                  <a:schemeClr val="tx1"/>
+                </a:solidFill>
+              </a:rPr>
+              <a:t>cognitive context</a:t>
+            </a:r>
+            <a:r>
+              <a:rPr lang="en-US" dirty="0">
+                <a:solidFill>
+                  <a:schemeClr val="tx1"/>
+                </a:solidFill>
+              </a:rPr>
+              <a:t> for that goal are identified through client responses to open ended questions or reflections by the clinician </a:t>
+            </a:r>
+          </a:p>
+          <a:p>
+            <a:pPr marL="514350" indent="-514350">
+              <a:buFont typeface="+mj-lt"/>
+              <a:buAutoNum type="arabicPeriod"/>
+            </a:pPr>
+            <a:r>
+              <a:rPr lang="en-US" dirty="0">
+                <a:solidFill>
+                  <a:schemeClr val="tx1"/>
+                </a:solidFill>
+              </a:rPr>
+              <a:t>and </a:t>
+            </a:r>
+            <a:r>
+              <a:rPr lang="en-US" u="sng" dirty="0">
+                <a:solidFill>
+                  <a:schemeClr val="tx1"/>
+                </a:solidFill>
+              </a:rPr>
+              <a:t>validated by the client</a:t>
+            </a:r>
+            <a:r>
+              <a:rPr lang="en-US" dirty="0">
+                <a:solidFill>
+                  <a:schemeClr val="tx1"/>
+                </a:solidFill>
+              </a:rPr>
+              <a:t> in response to a clinician summary of that information.</a:t>
+            </a:r>
+          </a:p>
+          <a:p>
+            <a:endParaRPr lang="en-US" dirty="0"/>
+          </a:p>
+        </p:txBody>
+      </p:sp>
+    </p:spTree>
+    <p:extLst>
+      <p:ext uri="{BB962C8B-B14F-4D97-AF65-F5344CB8AC3E}">
+        <p14:creationId xmlns:p14="http://schemas.microsoft.com/office/powerpoint/2010/main" val="3787991316"/>
+      </p:ext>
+    </p:extLst>
+  </p:cSld>
+  <p:clrMapOvr>
+    <a:masterClrMapping/>
+  </p:clrMapOvr>
+</p:sld>
+</file>
+
+<file path=ppt/slides/slide52.xml><?xml version="1.0" encoding="utf-8"?>
+<p:sld xmlns:a="http://schemas.openxmlformats.org/drawingml/2006/main" xmlns:r="http://schemas.openxmlformats.org/officeDocument/2006/relationships" xmlns:p="http://schemas.openxmlformats.org/presentationml/2006/main">
+  <p:cSld>
+    <p:spTree>
+      <p:nvGrpSpPr>
+        <p:cNvPr id="1" name=""/>
+        <p:cNvGrpSpPr/>
+        <p:nvPr/>
+      </p:nvGrpSpPr>
+      <p:grpSpPr>
+        <a:xfrm>
+          <a:off x="0" y="0"/>
+          <a:ext cx="0" cy="0"/>
+          <a:chOff x="0" y="0"/>
+          <a:chExt cx="0" cy="0"/>
+        </a:xfrm>
+      </p:grpSpPr>
+      <p:sp>
+        <p:nvSpPr>
+          <p:cNvPr id="2" name="Date Placeholder 1"/>
+          <p:cNvSpPr>
+            <a:spLocks noGrp="1"/>
+          </p:cNvSpPr>
+          <p:nvPr>
+            <p:ph type="dt" sz="half" idx="10"/>
+          </p:nvPr>
+        </p:nvSpPr>
+        <p:spPr/>
+        <p:txBody>
+          <a:bodyPr/>
+          <a:lstStyle/>
+          <a:p>
+            <a:pPr>
+              <a:defRPr/>
+            </a:pPr>
+            <a:r>
+              <a:rPr lang="en-US"/>
+              <a:t>McKay Moore Sohlberg, PhD, CCC-SLP</a:t>
+            </a:r>
+            <a:endParaRPr lang="en-US" dirty="0"/>
+          </a:p>
+        </p:txBody>
+      </p:sp>
+      <p:sp>
+        <p:nvSpPr>
+          <p:cNvPr id="3" name="Title 2"/>
+          <p:cNvSpPr>
+            <a:spLocks noGrp="1"/>
+          </p:cNvSpPr>
+          <p:nvPr>
+            <p:ph type="title"/>
+          </p:nvPr>
+        </p:nvSpPr>
+        <p:spPr>
+          <a:xfrm>
+            <a:off x="1977263" y="225970"/>
+            <a:ext cx="8233540" cy="838200"/>
+          </a:xfrm>
+        </p:spPr>
+        <p:txBody>
+          <a:bodyPr/>
+          <a:lstStyle/>
+          <a:p>
+            <a:r>
+              <a:rPr lang="en-US" sz="2800" dirty="0"/>
+              <a:t>An Operational Definition of a Collaborative Goal Using MI Techniques: An Example</a:t>
+            </a:r>
+          </a:p>
+        </p:txBody>
+      </p:sp>
+      <p:sp>
+        <p:nvSpPr>
+          <p:cNvPr id="4" name="Text Placeholder 3"/>
+          <p:cNvSpPr>
+            <a:spLocks noGrp="1"/>
+          </p:cNvSpPr>
+          <p:nvPr>
+            <p:ph type="body" sz="quarter" idx="12"/>
+          </p:nvPr>
+        </p:nvSpPr>
+        <p:spPr/>
+        <p:txBody>
+          <a:bodyPr>
+            <a:normAutofit fontScale="85000" lnSpcReduction="20000"/>
+          </a:bodyPr>
+          <a:lstStyle/>
+          <a:p>
+            <a:pPr lvl="0"/>
+            <a:r>
+              <a:rPr lang="en-US" b="1" dirty="0"/>
+              <a:t>Open ended question: </a:t>
+            </a:r>
+            <a:r>
+              <a:rPr lang="en-US" sz="2000" dirty="0"/>
+              <a:t>How can I help you?</a:t>
+            </a:r>
+            <a:r>
+              <a:rPr lang="en-US" sz="2000" dirty="0">
+                <a:sym typeface="Wingdings"/>
+              </a:rPr>
+              <a:t></a:t>
+            </a:r>
+            <a:r>
+              <a:rPr lang="en-US" sz="2000" dirty="0"/>
+              <a:t> </a:t>
+            </a:r>
+            <a:r>
+              <a:rPr lang="en-US" sz="2000" b="1" i="1" dirty="0">
+                <a:solidFill>
+                  <a:schemeClr val="accent1">
+                    <a:lumMod val="75000"/>
+                  </a:schemeClr>
+                </a:solidFill>
+              </a:rPr>
+              <a:t>I’m really struggling in school, my test grades are terrible</a:t>
+            </a:r>
+          </a:p>
+          <a:p>
+            <a:pPr lvl="1"/>
+            <a:endParaRPr lang="en-US" sz="2000" dirty="0"/>
+          </a:p>
+          <a:p>
+            <a:pPr lvl="1"/>
+            <a:r>
+              <a:rPr lang="en-US" sz="2000" dirty="0"/>
+              <a:t>Functional Context = school</a:t>
+            </a:r>
+          </a:p>
+          <a:p>
+            <a:pPr lvl="1"/>
+            <a:endParaRPr lang="en-US" sz="2000" dirty="0"/>
+          </a:p>
+          <a:p>
+            <a:pPr lvl="0"/>
+            <a:r>
+              <a:rPr lang="en-US" b="1" dirty="0"/>
+              <a:t>Open ended question: </a:t>
+            </a:r>
+            <a:r>
+              <a:rPr lang="en-US" sz="2000" dirty="0"/>
+              <a:t>Tell me how do you study? </a:t>
+            </a:r>
+            <a:r>
+              <a:rPr lang="en-US" sz="2000" dirty="0">
+                <a:sym typeface="Wingdings"/>
+              </a:rPr>
+              <a:t></a:t>
+            </a:r>
+            <a:r>
+              <a:rPr lang="en-US" sz="2000" dirty="0"/>
+              <a:t> </a:t>
+            </a:r>
+            <a:r>
+              <a:rPr lang="en-US" sz="2000" b="1" i="1" dirty="0">
+                <a:solidFill>
+                  <a:schemeClr val="accent1">
+                    <a:lumMod val="75000"/>
+                  </a:schemeClr>
+                </a:solidFill>
+              </a:rPr>
+              <a:t>Well I try and read these chapters and it’s a lot harder than it used to be</a:t>
+            </a:r>
+          </a:p>
+          <a:p>
+            <a:pPr lvl="1"/>
+            <a:endParaRPr lang="en-US" sz="2000" dirty="0">
+              <a:solidFill>
+                <a:srgbClr val="376092"/>
+              </a:solidFill>
+            </a:endParaRPr>
+          </a:p>
+          <a:p>
+            <a:pPr lvl="1"/>
+            <a:r>
+              <a:rPr lang="en-US" sz="2000" dirty="0"/>
+              <a:t>Functional Activity = reading college textbooks</a:t>
+            </a:r>
+          </a:p>
+          <a:p>
+            <a:pPr lvl="1"/>
+            <a:endParaRPr lang="en-US" sz="2000" dirty="0"/>
+          </a:p>
+          <a:p>
+            <a:pPr lvl="0"/>
+            <a:r>
+              <a:rPr lang="en-US" b="1" dirty="0"/>
+              <a:t>Reflection: </a:t>
+            </a:r>
+            <a:r>
+              <a:rPr lang="en-US" sz="2000" dirty="0"/>
+              <a:t>It’s hard to keep your focus when you are reading </a:t>
+            </a:r>
+            <a:r>
+              <a:rPr lang="en-US" sz="2000" dirty="0">
+                <a:sym typeface="Wingdings"/>
+              </a:rPr>
+              <a:t></a:t>
+            </a:r>
+            <a:r>
+              <a:rPr lang="en-US" sz="2000" dirty="0">
+                <a:solidFill>
+                  <a:schemeClr val="tx2">
+                    <a:lumMod val="60000"/>
+                    <a:lumOff val="40000"/>
+                  </a:schemeClr>
+                </a:solidFill>
+              </a:rPr>
+              <a:t> </a:t>
+            </a:r>
+            <a:r>
+              <a:rPr lang="en-US" sz="2000" b="1" i="1" dirty="0">
+                <a:solidFill>
+                  <a:schemeClr val="accent1">
+                    <a:lumMod val="75000"/>
+                  </a:schemeClr>
+                </a:solidFill>
+              </a:rPr>
+              <a:t>Yes, my mind wanders, my eyes are moving across the page like I’m reading but I’m thinking about something completely different</a:t>
+            </a:r>
+            <a:r>
+              <a:rPr lang="en-US" sz="2000" dirty="0">
+                <a:solidFill>
+                  <a:schemeClr val="accent1">
+                    <a:lumMod val="75000"/>
+                  </a:schemeClr>
+                </a:solidFill>
+              </a:rPr>
+              <a:t>.</a:t>
+            </a:r>
+          </a:p>
+          <a:p>
+            <a:pPr lvl="0"/>
+            <a:endParaRPr lang="en-US" sz="2000" dirty="0"/>
+          </a:p>
+          <a:p>
+            <a:pPr lvl="1"/>
+            <a:r>
+              <a:rPr lang="en-US" sz="2000" dirty="0"/>
+              <a:t>Cognitive Context = distractibility</a:t>
+            </a:r>
+          </a:p>
+          <a:p>
+            <a:endParaRPr lang="en-US" dirty="0"/>
+          </a:p>
+        </p:txBody>
+      </p:sp>
+    </p:spTree>
+    <p:extLst>
+      <p:ext uri="{BB962C8B-B14F-4D97-AF65-F5344CB8AC3E}">
+        <p14:creationId xmlns:p14="http://schemas.microsoft.com/office/powerpoint/2010/main" val="2481088592"/>
+      </p:ext>
+    </p:extLst>
+  </p:cSld>
+  <p:clrMapOvr>
+    <a:masterClrMapping/>
+  </p:clrMapOvr>
+</p:sld>
+</file>
+
 <file path=ppt/slides/slide53.xml><?xml version="1.0" encoding="utf-8"?>
 <p:sld xmlns:a="http://schemas.openxmlformats.org/drawingml/2006/main" xmlns:r="http://schemas.openxmlformats.org/officeDocument/2006/relationships" xmlns:p="http://schemas.openxmlformats.org/presentationml/2006/main">
   <p:cSld>
@@ -41407,474 +40823,6 @@
           <a:p>
             <a:r>
               <a:rPr lang="en-US" sz="2800" dirty="0"/>
-              <a:t>An Operational Definition of a Collaborative Goal Using MI Techniques</a:t>
-            </a:r>
-          </a:p>
-        </p:txBody>
-      </p:sp>
-      <p:sp>
-        <p:nvSpPr>
-          <p:cNvPr id="4" name="Text Placeholder 3"/>
-          <p:cNvSpPr>
-            <a:spLocks noGrp="1"/>
-          </p:cNvSpPr>
-          <p:nvPr>
-            <p:ph type="body" sz="quarter" idx="12"/>
-          </p:nvPr>
-        </p:nvSpPr>
-        <p:spPr/>
-        <p:txBody>
-          <a:bodyPr/>
-          <a:lstStyle/>
-          <a:p>
-            <a:pPr marL="0" indent="0">
-              <a:buNone/>
-            </a:pPr>
-            <a:r>
-              <a:rPr lang="en-US" b="1" i="1" dirty="0">
-                <a:solidFill>
-                  <a:schemeClr val="accent2">
-                    <a:lumMod val="75000"/>
-                  </a:schemeClr>
-                </a:solidFill>
-              </a:rPr>
-              <a:t>A goal in which: </a:t>
-            </a:r>
-          </a:p>
-          <a:p>
-            <a:pPr marL="514350" indent="-514350">
-              <a:buFont typeface="+mj-lt"/>
-              <a:buAutoNum type="arabicPeriod"/>
-            </a:pPr>
-            <a:r>
-              <a:rPr lang="en-US" dirty="0">
-                <a:solidFill>
-                  <a:schemeClr val="tx1"/>
-                </a:solidFill>
-              </a:rPr>
-              <a:t>the </a:t>
-            </a:r>
-            <a:r>
-              <a:rPr lang="en-US" u="sng" dirty="0">
-                <a:solidFill>
-                  <a:schemeClr val="tx1"/>
-                </a:solidFill>
-              </a:rPr>
-              <a:t>functional context</a:t>
-            </a:r>
-            <a:r>
-              <a:rPr lang="en-US" dirty="0">
-                <a:solidFill>
-                  <a:schemeClr val="tx1"/>
-                </a:solidFill>
-              </a:rPr>
-              <a:t>, </a:t>
-            </a:r>
-            <a:r>
-              <a:rPr lang="en-US" u="sng" dirty="0">
-                <a:solidFill>
-                  <a:schemeClr val="tx1"/>
-                </a:solidFill>
-              </a:rPr>
-              <a:t>functional activity</a:t>
-            </a:r>
-            <a:r>
-              <a:rPr lang="en-US" dirty="0">
-                <a:solidFill>
-                  <a:schemeClr val="tx1"/>
-                </a:solidFill>
-              </a:rPr>
-              <a:t>, and </a:t>
-            </a:r>
-            <a:r>
-              <a:rPr lang="en-US" u="sng" dirty="0">
-                <a:solidFill>
-                  <a:schemeClr val="tx1"/>
-                </a:solidFill>
-              </a:rPr>
-              <a:t>cognitive context</a:t>
-            </a:r>
-            <a:r>
-              <a:rPr lang="en-US" dirty="0">
-                <a:solidFill>
-                  <a:schemeClr val="tx1"/>
-                </a:solidFill>
-              </a:rPr>
-              <a:t> for that goal are identified through client responses to open ended questions or reflections by the clinician </a:t>
-            </a:r>
-          </a:p>
-          <a:p>
-            <a:pPr marL="514350" indent="-514350">
-              <a:buFont typeface="+mj-lt"/>
-              <a:buAutoNum type="arabicPeriod"/>
-            </a:pPr>
-            <a:r>
-              <a:rPr lang="en-US" dirty="0">
-                <a:solidFill>
-                  <a:schemeClr val="tx1"/>
-                </a:solidFill>
-              </a:rPr>
-              <a:t>and </a:t>
-            </a:r>
-            <a:r>
-              <a:rPr lang="en-US" u="sng" dirty="0">
-                <a:solidFill>
-                  <a:schemeClr val="tx1"/>
-                </a:solidFill>
-              </a:rPr>
-              <a:t>validated by the client</a:t>
-            </a:r>
-            <a:r>
-              <a:rPr lang="en-US" dirty="0">
-                <a:solidFill>
-                  <a:schemeClr val="tx1"/>
-                </a:solidFill>
-              </a:rPr>
-              <a:t> in response to a clinician summary of that information.</a:t>
-            </a:r>
-          </a:p>
-          <a:p>
-            <a:endParaRPr lang="en-US" dirty="0"/>
-          </a:p>
-        </p:txBody>
-      </p:sp>
-    </p:spTree>
-    <p:extLst>
-      <p:ext uri="{BB962C8B-B14F-4D97-AF65-F5344CB8AC3E}">
-        <p14:creationId xmlns:p14="http://schemas.microsoft.com/office/powerpoint/2010/main" val="3787991316"/>
-      </p:ext>
-    </p:extLst>
-  </p:cSld>
-  <p:clrMapOvr>
-    <a:masterClrMapping/>
-  </p:clrMapOvr>
-</p:sld>
-</file>
-
-<file path=ppt/slides/slide54.xml><?xml version="1.0" encoding="utf-8"?>
-<p:sld xmlns:a="http://schemas.openxmlformats.org/drawingml/2006/main" xmlns:r="http://schemas.openxmlformats.org/officeDocument/2006/relationships" xmlns:p="http://schemas.openxmlformats.org/presentationml/2006/main">
-  <p:cSld>
-    <p:spTree>
-      <p:nvGrpSpPr>
-        <p:cNvPr id="1" name=""/>
-        <p:cNvGrpSpPr/>
-        <p:nvPr/>
-      </p:nvGrpSpPr>
-      <p:grpSpPr>
-        <a:xfrm>
-          <a:off x="0" y="0"/>
-          <a:ext cx="0" cy="0"/>
-          <a:chOff x="0" y="0"/>
-          <a:chExt cx="0" cy="0"/>
-        </a:xfrm>
-      </p:grpSpPr>
-      <p:sp>
-        <p:nvSpPr>
-          <p:cNvPr id="2" name="Date Placeholder 1"/>
-          <p:cNvSpPr>
-            <a:spLocks noGrp="1"/>
-          </p:cNvSpPr>
-          <p:nvPr>
-            <p:ph type="dt" sz="half" idx="10"/>
-          </p:nvPr>
-        </p:nvSpPr>
-        <p:spPr/>
-        <p:txBody>
-          <a:bodyPr/>
-          <a:lstStyle/>
-          <a:p>
-            <a:pPr>
-              <a:defRPr/>
-            </a:pPr>
-            <a:r>
-              <a:rPr lang="en-US"/>
-              <a:t>McKay Moore Sohlberg, PhD, CCC-SLP</a:t>
-            </a:r>
-            <a:endParaRPr lang="en-US" dirty="0"/>
-          </a:p>
-        </p:txBody>
-      </p:sp>
-      <p:sp>
-        <p:nvSpPr>
-          <p:cNvPr id="3" name="Title 2"/>
-          <p:cNvSpPr>
-            <a:spLocks noGrp="1"/>
-          </p:cNvSpPr>
-          <p:nvPr>
-            <p:ph type="title"/>
-          </p:nvPr>
-        </p:nvSpPr>
-        <p:spPr>
-          <a:xfrm>
-            <a:off x="1977263" y="225970"/>
-            <a:ext cx="8233540" cy="838200"/>
-          </a:xfrm>
-        </p:spPr>
-        <p:txBody>
-          <a:bodyPr/>
-          <a:lstStyle/>
-          <a:p>
-            <a:r>
-              <a:rPr lang="en-US" sz="2800" dirty="0"/>
-              <a:t>An Operational Definition of a Collaborative Goal Using MI Techniques: An Example</a:t>
-            </a:r>
-          </a:p>
-        </p:txBody>
-      </p:sp>
-      <p:sp>
-        <p:nvSpPr>
-          <p:cNvPr id="4" name="Text Placeholder 3"/>
-          <p:cNvSpPr>
-            <a:spLocks noGrp="1"/>
-          </p:cNvSpPr>
-          <p:nvPr>
-            <p:ph type="body" sz="quarter" idx="12"/>
-          </p:nvPr>
-        </p:nvSpPr>
-        <p:spPr/>
-        <p:txBody>
-          <a:bodyPr>
-            <a:normAutofit fontScale="85000" lnSpcReduction="20000"/>
-          </a:bodyPr>
-          <a:lstStyle/>
-          <a:p>
-            <a:pPr lvl="0"/>
-            <a:r>
-              <a:rPr lang="en-US" b="1" dirty="0"/>
-              <a:t>Open ended question: </a:t>
-            </a:r>
-            <a:r>
-              <a:rPr lang="en-US" sz="2000" dirty="0"/>
-              <a:t>How can I help you?</a:t>
-            </a:r>
-            <a:r>
-              <a:rPr lang="en-US" sz="2000" dirty="0">
-                <a:sym typeface="Wingdings"/>
-              </a:rPr>
-              <a:t></a:t>
-            </a:r>
-            <a:r>
-              <a:rPr lang="en-US" sz="2000" dirty="0"/>
-              <a:t> </a:t>
-            </a:r>
-            <a:r>
-              <a:rPr lang="en-US" sz="2000" b="1" i="1" dirty="0">
-                <a:solidFill>
-                  <a:schemeClr val="accent1">
-                    <a:lumMod val="75000"/>
-                  </a:schemeClr>
-                </a:solidFill>
-              </a:rPr>
-              <a:t>I’m really struggling in school, my test grades are terrible</a:t>
-            </a:r>
-          </a:p>
-          <a:p>
-            <a:pPr lvl="1"/>
-            <a:endParaRPr lang="en-US" sz="2000" dirty="0"/>
-          </a:p>
-          <a:p>
-            <a:pPr lvl="1"/>
-            <a:r>
-              <a:rPr lang="en-US" sz="2000" dirty="0"/>
-              <a:t>Functional Context = school</a:t>
-            </a:r>
-          </a:p>
-          <a:p>
-            <a:pPr lvl="1"/>
-            <a:endParaRPr lang="en-US" sz="2000" dirty="0"/>
-          </a:p>
-          <a:p>
-            <a:pPr lvl="0"/>
-            <a:r>
-              <a:rPr lang="en-US" b="1" dirty="0"/>
-              <a:t>Open ended question: </a:t>
-            </a:r>
-            <a:r>
-              <a:rPr lang="en-US" sz="2000" dirty="0"/>
-              <a:t>Tell me how do you study? </a:t>
-            </a:r>
-            <a:r>
-              <a:rPr lang="en-US" sz="2000" dirty="0">
-                <a:sym typeface="Wingdings"/>
-              </a:rPr>
-              <a:t></a:t>
-            </a:r>
-            <a:r>
-              <a:rPr lang="en-US" sz="2000" dirty="0"/>
-              <a:t> </a:t>
-            </a:r>
-            <a:r>
-              <a:rPr lang="en-US" sz="2000" b="1" i="1" dirty="0">
-                <a:solidFill>
-                  <a:schemeClr val="accent1">
-                    <a:lumMod val="75000"/>
-                  </a:schemeClr>
-                </a:solidFill>
-              </a:rPr>
-              <a:t>Well I try and read these chapters and it’s a lot harder than it used to be</a:t>
-            </a:r>
-          </a:p>
-          <a:p>
-            <a:pPr lvl="1"/>
-            <a:endParaRPr lang="en-US" sz="2000" dirty="0">
-              <a:solidFill>
-                <a:srgbClr val="376092"/>
-              </a:solidFill>
-            </a:endParaRPr>
-          </a:p>
-          <a:p>
-            <a:pPr lvl="1"/>
-            <a:r>
-              <a:rPr lang="en-US" sz="2000" dirty="0"/>
-              <a:t>Functional Activity = reading college textbooks</a:t>
-            </a:r>
-          </a:p>
-          <a:p>
-            <a:pPr lvl="1"/>
-            <a:endParaRPr lang="en-US" sz="2000" dirty="0"/>
-          </a:p>
-          <a:p>
-            <a:pPr lvl="0"/>
-            <a:r>
-              <a:rPr lang="en-US" b="1" dirty="0"/>
-              <a:t>Reflection: </a:t>
-            </a:r>
-            <a:r>
-              <a:rPr lang="en-US" sz="2000" dirty="0"/>
-              <a:t>It’s hard to keep your focus when you are reading </a:t>
-            </a:r>
-            <a:r>
-              <a:rPr lang="en-US" sz="2000" dirty="0">
-                <a:sym typeface="Wingdings"/>
-              </a:rPr>
-              <a:t></a:t>
-            </a:r>
-            <a:r>
-              <a:rPr lang="en-US" sz="2000" dirty="0">
-                <a:solidFill>
-                  <a:schemeClr val="tx2">
-                    <a:lumMod val="60000"/>
-                    <a:lumOff val="40000"/>
-                  </a:schemeClr>
-                </a:solidFill>
-              </a:rPr>
-              <a:t> </a:t>
-            </a:r>
-            <a:r>
-              <a:rPr lang="en-US" sz="2000" b="1" i="1" dirty="0">
-                <a:solidFill>
-                  <a:schemeClr val="accent1">
-                    <a:lumMod val="75000"/>
-                  </a:schemeClr>
-                </a:solidFill>
-              </a:rPr>
-              <a:t>Yes, my mind wanders, my eyes are moving across the page like I’m reading but I’m thinking about something completely different</a:t>
-            </a:r>
-            <a:r>
-              <a:rPr lang="en-US" sz="2000" dirty="0">
-                <a:solidFill>
-                  <a:schemeClr val="accent1">
-                    <a:lumMod val="75000"/>
-                  </a:schemeClr>
-                </a:solidFill>
-              </a:rPr>
-              <a:t>.</a:t>
-            </a:r>
-          </a:p>
-          <a:p>
-            <a:pPr lvl="0"/>
-            <a:endParaRPr lang="en-US" sz="2000" dirty="0"/>
-          </a:p>
-          <a:p>
-            <a:pPr lvl="1"/>
-            <a:r>
-              <a:rPr lang="en-US" sz="2000" dirty="0"/>
-              <a:t>Cognitive Context = distractibility</a:t>
-            </a:r>
-          </a:p>
-          <a:p>
-            <a:endParaRPr lang="en-US" dirty="0"/>
-          </a:p>
-        </p:txBody>
-      </p:sp>
-    </p:spTree>
-    <p:extLst>
-      <p:ext uri="{BB962C8B-B14F-4D97-AF65-F5344CB8AC3E}">
-        <p14:creationId xmlns:p14="http://schemas.microsoft.com/office/powerpoint/2010/main" val="2481088592"/>
-      </p:ext>
-    </p:extLst>
-  </p:cSld>
-  <p:clrMapOvr>
-    <a:masterClrMapping/>
-  </p:clrMapOvr>
-</p:sld>
-</file>
-
-<file path=ppt/slides/slide55.xml><?xml version="1.0" encoding="utf-8"?>
-<p:sld xmlns:a="http://schemas.openxmlformats.org/drawingml/2006/main" xmlns:r="http://schemas.openxmlformats.org/officeDocument/2006/relationships" xmlns:p="http://schemas.openxmlformats.org/presentationml/2006/main">
-  <p:cSld>
-    <p:spTree>
-      <p:nvGrpSpPr>
-        <p:cNvPr id="1" name=""/>
-        <p:cNvGrpSpPr/>
-        <p:nvPr/>
-      </p:nvGrpSpPr>
-      <p:grpSpPr>
-        <a:xfrm>
-          <a:off x="0" y="0"/>
-          <a:ext cx="0" cy="0"/>
-          <a:chOff x="0" y="0"/>
-          <a:chExt cx="0" cy="0"/>
-        </a:xfrm>
-      </p:grpSpPr>
-      <p:sp>
-        <p:nvSpPr>
-          <p:cNvPr id="2" name="Date Placeholder 1"/>
-          <p:cNvSpPr>
-            <a:spLocks noGrp="1"/>
-          </p:cNvSpPr>
-          <p:nvPr>
-            <p:ph type="dt" sz="half" idx="10"/>
-          </p:nvPr>
-        </p:nvSpPr>
-        <p:spPr/>
-        <p:txBody>
-          <a:bodyPr/>
-          <a:lstStyle/>
-          <a:p>
-            <a:pPr>
-              <a:defRPr/>
-            </a:pPr>
-            <a:r>
-              <a:rPr lang="en-US"/>
-              <a:t>McKay Moore Sohlberg, PhD, CCC-SLP</a:t>
-            </a:r>
-            <a:endParaRPr lang="en-US" dirty="0"/>
-          </a:p>
-        </p:txBody>
-      </p:sp>
-      <p:sp>
-        <p:nvSpPr>
-          <p:cNvPr id="3" name="Title 2"/>
-          <p:cNvSpPr>
-            <a:spLocks noGrp="1"/>
-          </p:cNvSpPr>
-          <p:nvPr>
-            <p:ph type="title"/>
-          </p:nvPr>
-        </p:nvSpPr>
-        <p:spPr>
-          <a:xfrm>
-            <a:off x="1977263" y="225970"/>
-            <a:ext cx="8233540" cy="838200"/>
-          </a:xfrm>
-        </p:spPr>
-        <p:txBody>
-          <a:bodyPr/>
-          <a:lstStyle/>
-          <a:p>
-            <a:r>
-              <a:rPr lang="en-US" sz="2800" dirty="0"/>
               <a:t>An Operational Definition of a Collaborative Goal Using MI Techniques: An Example</a:t>
             </a:r>
           </a:p>
@@ -41975,7 +40923,7 @@
 </p:sld>
 </file>
 
-<file path=ppt/slides/slide56.xml><?xml version="1.0" encoding="utf-8"?>
+<file path=ppt/slides/slide54.xml><?xml version="1.0" encoding="utf-8"?>
 <p:sld xmlns:a="http://schemas.openxmlformats.org/drawingml/2006/main" xmlns:r="http://schemas.openxmlformats.org/officeDocument/2006/relationships" xmlns:p="http://schemas.openxmlformats.org/presentationml/2006/main">
   <p:cSld>
     <p:spTree>
@@ -42126,7 +41074,7 @@
 </p:sld>
 </file>
 
-<file path=ppt/slides/slide57.xml><?xml version="1.0" encoding="utf-8"?>
+<file path=ppt/slides/slide55.xml><?xml version="1.0" encoding="utf-8"?>
 <p:sld xmlns:a="http://schemas.openxmlformats.org/drawingml/2006/main" xmlns:r="http://schemas.openxmlformats.org/officeDocument/2006/relationships" xmlns:p="http://schemas.openxmlformats.org/presentationml/2006/main">
   <p:cSld>
     <p:spTree>
@@ -42222,7 +41170,7 @@
 </p:sld>
 </file>
 
-<file path=ppt/slides/slide58.xml><?xml version="1.0" encoding="utf-8"?>
+<file path=ppt/slides/slide56.xml><?xml version="1.0" encoding="utf-8"?>
 <p:sld xmlns:a="http://schemas.openxmlformats.org/drawingml/2006/main" xmlns:r="http://schemas.openxmlformats.org/officeDocument/2006/relationships" xmlns:p="http://schemas.openxmlformats.org/presentationml/2006/main">
   <p:cSld>
     <p:spTree>
@@ -43683,7 +42631,7 @@
 </p:sld>
 </file>
 
-<file path=ppt/slides/slide59.xml><?xml version="1.0" encoding="utf-8"?>
+<file path=ppt/slides/slide57.xml><?xml version="1.0" encoding="utf-8"?>
 <p:sld xmlns:a="http://schemas.openxmlformats.org/drawingml/2006/main" xmlns:r="http://schemas.openxmlformats.org/officeDocument/2006/relationships" xmlns:p="http://schemas.openxmlformats.org/presentationml/2006/main">
   <p:cSld>
     <p:spTree>
@@ -44008,146 +42956,7 @@
 </p:sld>
 </file>
 
-<file path=ppt/slides/slide6.xml><?xml version="1.0" encoding="utf-8"?>
-<p:sld xmlns:a="http://schemas.openxmlformats.org/drawingml/2006/main" xmlns:r="http://schemas.openxmlformats.org/officeDocument/2006/relationships" xmlns:p="http://schemas.openxmlformats.org/presentationml/2006/main">
-  <p:cSld>
-    <p:spTree>
-      <p:nvGrpSpPr>
-        <p:cNvPr id="1" name=""/>
-        <p:cNvGrpSpPr/>
-        <p:nvPr/>
-      </p:nvGrpSpPr>
-      <p:grpSpPr>
-        <a:xfrm>
-          <a:off x="0" y="0"/>
-          <a:ext cx="0" cy="0"/>
-          <a:chOff x="0" y="0"/>
-          <a:chExt cx="0" cy="0"/>
-        </a:xfrm>
-      </p:grpSpPr>
-      <p:sp>
-        <p:nvSpPr>
-          <p:cNvPr id="20482" name="Rectangle 2"/>
-          <p:cNvSpPr>
-            <a:spLocks noGrp="1" noRot="1" noChangeArrowheads="1"/>
-          </p:cNvSpPr>
-          <p:nvPr>
-            <p:ph type="title"/>
-          </p:nvPr>
-        </p:nvSpPr>
-        <p:spPr/>
-        <p:txBody>
-          <a:bodyPr/>
-          <a:lstStyle/>
-          <a:p>
-            <a:pPr eaLnBrk="1" hangingPunct="1"/>
-            <a:r>
-              <a:rPr lang="en-US" altLang="en-US" sz="2800" dirty="0"/>
-              <a:t>CHARTR Clinical Decision Making</a:t>
-            </a:r>
-            <a:br>
-              <a:rPr lang="en-US" altLang="en-US" sz="2800" dirty="0"/>
-            </a:br>
-            <a:r>
-              <a:rPr lang="en-US" altLang="en-US" sz="2800" dirty="0"/>
-              <a:t>(Initial Assessment)</a:t>
-            </a:r>
-          </a:p>
-        </p:txBody>
-      </p:sp>
-      <p:sp>
-        <p:nvSpPr>
-          <p:cNvPr id="20483" name="Rectangle 3"/>
-          <p:cNvSpPr>
-            <a:spLocks noGrp="1" noRot="1" noChangeArrowheads="1"/>
-          </p:cNvSpPr>
-          <p:nvPr>
-            <p:ph type="body" idx="1"/>
-          </p:nvPr>
-        </p:nvSpPr>
-        <p:spPr/>
-        <p:txBody>
-          <a:bodyPr/>
-          <a:lstStyle/>
-          <a:p>
-            <a:pPr eaLnBrk="1" hangingPunct="1"/>
-            <a:r>
-              <a:rPr lang="en-US" altLang="en-US"/>
-              <a:t>Am I making a diagnosis or determining the source of a problem?</a:t>
-            </a:r>
-          </a:p>
-          <a:p>
-            <a:pPr eaLnBrk="1" hangingPunct="1">
-              <a:buFont typeface="Wingdings 3" charset="2"/>
-              <a:buNone/>
-            </a:pPr>
-            <a:endParaRPr lang="en-US" altLang="en-US"/>
-          </a:p>
-          <a:p>
-            <a:pPr eaLnBrk="1" hangingPunct="1">
-              <a:buFont typeface="Wingdings 3" charset="2"/>
-              <a:buNone/>
-            </a:pPr>
-            <a:r>
-              <a:rPr lang="en-US" altLang="en-US"/>
-              <a:t>				OR</a:t>
-            </a:r>
-          </a:p>
-          <a:p>
-            <a:pPr eaLnBrk="1" hangingPunct="1"/>
-            <a:endParaRPr lang="en-US" altLang="en-US"/>
-          </a:p>
-          <a:p>
-            <a:pPr eaLnBrk="1" hangingPunct="1"/>
-            <a:r>
-              <a:rPr lang="en-US" altLang="en-US"/>
-              <a:t>Do I already know the cognitive-communicative diagnosis?</a:t>
-            </a:r>
-          </a:p>
-        </p:txBody>
-      </p:sp>
-      <p:sp>
-        <p:nvSpPr>
-          <p:cNvPr id="2" name="TextBox 1"/>
-          <p:cNvSpPr txBox="1"/>
-          <p:nvPr/>
-        </p:nvSpPr>
-        <p:spPr>
-          <a:xfrm>
-            <a:off x="304801" y="6173272"/>
-            <a:ext cx="2147777" cy="369332"/>
-          </a:xfrm>
-          <a:prstGeom prst="rect">
-            <a:avLst/>
-          </a:prstGeom>
-          <a:solidFill>
-            <a:schemeClr val="bg2"/>
-          </a:solidFill>
-        </p:spPr>
-        <p:txBody>
-          <a:bodyPr wrap="square" rtlCol="0">
-            <a:spAutoFit/>
-          </a:bodyPr>
-          <a:lstStyle/>
-          <a:p>
-            <a:endParaRPr lang="en-US"/>
-          </a:p>
-        </p:txBody>
-      </p:sp>
-    </p:spTree>
-    <p:extLst>
-      <p:ext uri="{BB962C8B-B14F-4D97-AF65-F5344CB8AC3E}">
-        <p14:creationId xmlns:p14="http://schemas.microsoft.com/office/powerpoint/2010/main" val="1773404581"/>
-      </p:ext>
-    </p:extLst>
-  </p:cSld>
-  <p:clrMapOvr>
-    <a:masterClrMapping/>
-  </p:clrMapOvr>
-</p:sld>
-</file>
-
-<file path=ppt/slides/slide60.xml><?xml version="1.0" encoding="utf-8"?>
+<file path=ppt/slides/slide58.xml><?xml version="1.0" encoding="utf-8"?>
 <p:sld xmlns:a="http://schemas.openxmlformats.org/drawingml/2006/main" xmlns:r="http://schemas.openxmlformats.org/officeDocument/2006/relationships" xmlns:p="http://schemas.openxmlformats.org/presentationml/2006/main">
   <p:cSld>
     <p:spTree>
@@ -44811,7 +43620,7 @@
 </p:sld>
 </file>
 
-<file path=ppt/slides/slide61.xml><?xml version="1.0" encoding="utf-8"?>
+<file path=ppt/slides/slide59.xml><?xml version="1.0" encoding="utf-8"?>
 <p:sld xmlns:a="http://schemas.openxmlformats.org/drawingml/2006/main" xmlns:r="http://schemas.openxmlformats.org/officeDocument/2006/relationships" xmlns:p="http://schemas.openxmlformats.org/presentationml/2006/main">
   <p:cSld>
     <p:spTree>
@@ -45502,7 +44311,146 @@
 </p:sld>
 </file>
 
-<file path=ppt/slides/slide62.xml><?xml version="1.0" encoding="utf-8"?>
+<file path=ppt/slides/slide6.xml><?xml version="1.0" encoding="utf-8"?>
+<p:sld xmlns:a="http://schemas.openxmlformats.org/drawingml/2006/main" xmlns:r="http://schemas.openxmlformats.org/officeDocument/2006/relationships" xmlns:p="http://schemas.openxmlformats.org/presentationml/2006/main">
+  <p:cSld>
+    <p:spTree>
+      <p:nvGrpSpPr>
+        <p:cNvPr id="1" name=""/>
+        <p:cNvGrpSpPr/>
+        <p:nvPr/>
+      </p:nvGrpSpPr>
+      <p:grpSpPr>
+        <a:xfrm>
+          <a:off x="0" y="0"/>
+          <a:ext cx="0" cy="0"/>
+          <a:chOff x="0" y="0"/>
+          <a:chExt cx="0" cy="0"/>
+        </a:xfrm>
+      </p:grpSpPr>
+      <p:sp>
+        <p:nvSpPr>
+          <p:cNvPr id="20482" name="Rectangle 2"/>
+          <p:cNvSpPr>
+            <a:spLocks noGrp="1" noRot="1" noChangeArrowheads="1"/>
+          </p:cNvSpPr>
+          <p:nvPr>
+            <p:ph type="title"/>
+          </p:nvPr>
+        </p:nvSpPr>
+        <p:spPr/>
+        <p:txBody>
+          <a:bodyPr/>
+          <a:lstStyle/>
+          <a:p>
+            <a:pPr eaLnBrk="1" hangingPunct="1"/>
+            <a:r>
+              <a:rPr lang="en-US" altLang="en-US" sz="2800" dirty="0"/>
+              <a:t>CHARTR Clinical Decision Making</a:t>
+            </a:r>
+            <a:br>
+              <a:rPr lang="en-US" altLang="en-US" sz="2800" dirty="0"/>
+            </a:br>
+            <a:r>
+              <a:rPr lang="en-US" altLang="en-US" sz="2800" dirty="0"/>
+              <a:t>(Initial Assessment)</a:t>
+            </a:r>
+          </a:p>
+        </p:txBody>
+      </p:sp>
+      <p:sp>
+        <p:nvSpPr>
+          <p:cNvPr id="20483" name="Rectangle 3"/>
+          <p:cNvSpPr>
+            <a:spLocks noGrp="1" noRot="1" noChangeArrowheads="1"/>
+          </p:cNvSpPr>
+          <p:nvPr>
+            <p:ph type="body" idx="1"/>
+          </p:nvPr>
+        </p:nvSpPr>
+        <p:spPr/>
+        <p:txBody>
+          <a:bodyPr/>
+          <a:lstStyle/>
+          <a:p>
+            <a:pPr eaLnBrk="1" hangingPunct="1"/>
+            <a:r>
+              <a:rPr lang="en-US" altLang="en-US"/>
+              <a:t>Am I making a diagnosis or determining the source of a problem?</a:t>
+            </a:r>
+          </a:p>
+          <a:p>
+            <a:pPr eaLnBrk="1" hangingPunct="1">
+              <a:buFont typeface="Wingdings 3" charset="2"/>
+              <a:buNone/>
+            </a:pPr>
+            <a:endParaRPr lang="en-US" altLang="en-US"/>
+          </a:p>
+          <a:p>
+            <a:pPr eaLnBrk="1" hangingPunct="1">
+              <a:buFont typeface="Wingdings 3" charset="2"/>
+              <a:buNone/>
+            </a:pPr>
+            <a:r>
+              <a:rPr lang="en-US" altLang="en-US"/>
+              <a:t>				OR</a:t>
+            </a:r>
+          </a:p>
+          <a:p>
+            <a:pPr eaLnBrk="1" hangingPunct="1"/>
+            <a:endParaRPr lang="en-US" altLang="en-US"/>
+          </a:p>
+          <a:p>
+            <a:pPr eaLnBrk="1" hangingPunct="1"/>
+            <a:r>
+              <a:rPr lang="en-US" altLang="en-US"/>
+              <a:t>Do I already know the cognitive-communicative diagnosis?</a:t>
+            </a:r>
+          </a:p>
+        </p:txBody>
+      </p:sp>
+      <p:sp>
+        <p:nvSpPr>
+          <p:cNvPr id="2" name="TextBox 1"/>
+          <p:cNvSpPr txBox="1"/>
+          <p:nvPr/>
+        </p:nvSpPr>
+        <p:spPr>
+          <a:xfrm>
+            <a:off x="304801" y="6173272"/>
+            <a:ext cx="2147777" cy="369332"/>
+          </a:xfrm>
+          <a:prstGeom prst="rect">
+            <a:avLst/>
+          </a:prstGeom>
+          <a:solidFill>
+            <a:schemeClr val="bg2"/>
+          </a:solidFill>
+        </p:spPr>
+        <p:txBody>
+          <a:bodyPr wrap="square" rtlCol="0">
+            <a:spAutoFit/>
+          </a:bodyPr>
+          <a:lstStyle/>
+          <a:p>
+            <a:endParaRPr lang="en-US"/>
+          </a:p>
+        </p:txBody>
+      </p:sp>
+    </p:spTree>
+    <p:extLst>
+      <p:ext uri="{BB962C8B-B14F-4D97-AF65-F5344CB8AC3E}">
+        <p14:creationId xmlns:p14="http://schemas.microsoft.com/office/powerpoint/2010/main" val="1773404581"/>
+      </p:ext>
+    </p:extLst>
+  </p:cSld>
+  <p:clrMapOvr>
+    <a:masterClrMapping/>
+  </p:clrMapOvr>
+</p:sld>
+</file>
+
+<file path=ppt/slides/slide60.xml><?xml version="1.0" encoding="utf-8"?>
 <p:sld xmlns:a="http://schemas.openxmlformats.org/drawingml/2006/main" xmlns:r="http://schemas.openxmlformats.org/officeDocument/2006/relationships" xmlns:p="http://schemas.openxmlformats.org/presentationml/2006/main">
   <p:cSld>
     <p:spTree>
@@ -45647,7 +44595,7 @@
 </p:sld>
 </file>
 
-<file path=ppt/slides/slide63.xml><?xml version="1.0" encoding="utf-8"?>
+<file path=ppt/slides/slide61.xml><?xml version="1.0" encoding="utf-8"?>
 <p:sld xmlns:a="http://schemas.openxmlformats.org/drawingml/2006/main" xmlns:r="http://schemas.openxmlformats.org/officeDocument/2006/relationships" xmlns:p="http://schemas.openxmlformats.org/presentationml/2006/main">
   <p:cSld>
     <p:spTree>
@@ -45862,35 +44810,14 @@
           <a:p>
             <a:r>
               <a:rPr lang="en-US" dirty="0"/>
-              <a:t>Standardized vs. </a:t>
-            </a:r>
-            <a:r>
-              <a:rPr lang="en-US" dirty="0" err="1"/>
-              <a:t>Nonstandardized</a:t>
-            </a:r>
-            <a:endParaRPr lang="en-US" dirty="0"/>
+              <a:t>Standardized vs. Non-standardized</a:t>
+            </a:r>
           </a:p>
           <a:p>
             <a:pPr lvl="1"/>
             <a:r>
               <a:rPr lang="en-US" dirty="0"/>
-              <a:t>All standardized tests are formal; some </a:t>
-            </a:r>
-            <a:r>
-              <a:rPr lang="en-US" dirty="0" err="1"/>
-              <a:t>nonstandardized</a:t>
-            </a:r>
-            <a:r>
-              <a:rPr lang="en-US" dirty="0"/>
-              <a:t> test are formal; all informal tests are </a:t>
-            </a:r>
-            <a:r>
-              <a:rPr lang="en-US" dirty="0" err="1"/>
-              <a:t>nonstandardized</a:t>
-            </a:r>
-            <a:r>
-              <a:rPr lang="en-US" dirty="0"/>
-              <a:t> </a:t>
+              <a:t>All standardized tests are formal; some non-standardized test are formal; all informal tests are non-standardized </a:t>
             </a:r>
           </a:p>
           <a:p>
@@ -45909,23 +44836,7 @@
           <a:p>
             <a:r>
               <a:rPr lang="en-US" dirty="0"/>
-              <a:t>All </a:t>
-            </a:r>
-            <a:r>
-              <a:rPr lang="en-US" dirty="0" err="1"/>
-              <a:t>standarized</a:t>
-            </a:r>
-            <a:r>
-              <a:rPr lang="en-US" dirty="0"/>
-              <a:t> tests are static; </a:t>
-            </a:r>
-            <a:r>
-              <a:rPr lang="en-US" dirty="0" err="1"/>
-              <a:t>nonstandardized</a:t>
-            </a:r>
-            <a:r>
-              <a:rPr lang="en-US" dirty="0"/>
-              <a:t> tests may be either</a:t>
+              <a:t>All standardized tests are static; non-standardized tests may be either</a:t>
             </a:r>
           </a:p>
           <a:p>
@@ -46267,7 +45178,33 @@
       </p:grpSpPr>
       <p:sp>
         <p:nvSpPr>
-          <p:cNvPr id="2" name="Title 1"/>
+          <p:cNvPr id="2" name="Date Placeholder 1"/>
+          <p:cNvSpPr>
+            <a:spLocks noGrp="1"/>
+          </p:cNvSpPr>
+          <p:nvPr>
+            <p:ph type="dt" sz="half" idx="10"/>
+          </p:nvPr>
+        </p:nvSpPr>
+        <p:spPr/>
+        <p:txBody>
+          <a:bodyPr/>
+          <a:lstStyle/>
+          <a:p>
+            <a:pPr>
+              <a:defRPr/>
+            </a:pPr>
+            <a:r>
+              <a:rPr lang="en-US"/>
+              <a:t>McKay Moore Sohlberg, PhD, CCC-SLP</a:t>
+            </a:r>
+            <a:endParaRPr lang="en-US" dirty="0"/>
+          </a:p>
+        </p:txBody>
+      </p:sp>
+      <p:sp>
+        <p:nvSpPr>
+          <p:cNvPr id="3" name="Title 2"/>
           <p:cNvSpPr>
             <a:spLocks noGrp="1"/>
           </p:cNvSpPr>
@@ -46277,98 +45214,74 @@
         </p:nvSpPr>
         <p:spPr>
           <a:xfrm>
-            <a:off x="1828800" y="228600"/>
-            <a:ext cx="8540750" cy="1143000"/>
+            <a:off x="1977263" y="225970"/>
+            <a:ext cx="8233540" cy="838200"/>
           </a:xfrm>
         </p:spPr>
         <p:txBody>
           <a:bodyPr/>
           <a:lstStyle/>
           <a:p>
-            <a:pPr eaLnBrk="1" hangingPunct="1"/>
-            <a:r>
-              <a:rPr lang="en-US" altLang="en-US" dirty="0"/>
-              <a:t>Consider 4 Options listed by Practice Guidelines for Standardized Assessment</a:t>
+            <a:r>
+              <a:rPr lang="en-US" sz="2800" dirty="0"/>
+              <a:t>The Tension when Selecting Outcome Measures for Cognitive Rehabilitation</a:t>
             </a:r>
           </a:p>
         </p:txBody>
       </p:sp>
       <p:sp>
         <p:nvSpPr>
-          <p:cNvPr id="3" name="Content Placeholder 2"/>
-          <p:cNvSpPr>
-            <a:spLocks noGrp="1"/>
-          </p:cNvSpPr>
-          <p:nvPr>
-            <p:ph idx="1"/>
-          </p:nvPr>
+          <p:cNvPr id="9" name="Up Arrow 8"/>
+          <p:cNvSpPr/>
+          <p:nvPr/>
         </p:nvSpPr>
-        <p:spPr/>
-        <p:txBody>
-          <a:bodyPr/>
-          <a:lstStyle/>
-          <a:p>
-            <a:pPr eaLnBrk="1" hangingPunct="1"/>
-            <a:r>
-              <a:rPr lang="en-US" altLang="en-US" dirty="0">
-                <a:ea typeface="ＭＳ Ｐゴシック"/>
-              </a:rPr>
-              <a:t>Option 1:</a:t>
-            </a:r>
-          </a:p>
-          <a:p>
-            <a:pPr eaLnBrk="1" hangingPunct="1"/>
-            <a:r>
-              <a:rPr lang="en-US" altLang="en-US" dirty="0">
-                <a:ea typeface="ＭＳ Ｐゴシック"/>
-              </a:rPr>
-              <a:t>Option 2:</a:t>
-            </a:r>
-          </a:p>
-          <a:p>
-            <a:pPr eaLnBrk="1" hangingPunct="1"/>
-            <a:r>
-              <a:rPr lang="en-US" altLang="en-US" dirty="0">
-                <a:ea typeface="ＭＳ Ｐゴシック"/>
-              </a:rPr>
-              <a:t>Option 3:</a:t>
-            </a:r>
-          </a:p>
-          <a:p>
-            <a:r>
-              <a:rPr lang="en-US" altLang="en-US" dirty="0">
-                <a:ea typeface="ＭＳ Ｐゴシック"/>
-              </a:rPr>
-              <a:t>Option  4:</a:t>
-            </a:r>
-          </a:p>
-          <a:p>
-            <a:r>
-              <a:rPr lang="en-US" altLang="en-US" dirty="0">
-                <a:ea typeface="ＭＳ Ｐゴシック"/>
-              </a:rPr>
-              <a:t>Check with McKay on option slides </a:t>
-            </a:r>
-          </a:p>
-        </p:txBody>
+        <p:spPr>
+          <a:xfrm rot="16200000" flipH="1">
+            <a:off x="2366193" y="1071297"/>
+            <a:ext cx="3087298" cy="3515583"/>
+          </a:xfrm>
+          <a:prstGeom prst="upArrow">
+            <a:avLst>
+              <a:gd name="adj1" fmla="val 50000"/>
+              <a:gd name="adj2" fmla="val 35000"/>
+            </a:avLst>
+          </a:prstGeom>
+          <a:solidFill>
+            <a:srgbClr val="0070C0"/>
+          </a:solidFill>
+        </p:spPr>
+        <p:style>
+          <a:lnRef idx="2">
+            <a:schemeClr val="accent2">
+              <a:shade val="50000"/>
+            </a:schemeClr>
+          </a:lnRef>
+          <a:fillRef idx="1">
+            <a:schemeClr val="accent2"/>
+          </a:fillRef>
+          <a:effectRef idx="0">
+            <a:schemeClr val="accent2"/>
+          </a:effectRef>
+          <a:fontRef idx="minor">
+            <a:schemeClr val="lt1"/>
+          </a:fontRef>
+        </p:style>
       </p:sp>
       <p:sp>
         <p:nvSpPr>
-          <p:cNvPr id="4" name="TextBox 3"/>
+          <p:cNvPr id="10" name="TextBox 9"/>
           <p:cNvSpPr txBox="1"/>
           <p:nvPr/>
         </p:nvSpPr>
         <p:spPr>
           <a:xfrm>
-            <a:off x="228601" y="6138862"/>
-            <a:ext cx="2406111" cy="478913"/>
+            <a:off x="2609250" y="2321257"/>
+            <a:ext cx="2869324" cy="1015663"/>
           </a:xfrm>
           <a:prstGeom prst="rect">
             <a:avLst/>
           </a:prstGeom>
-          <a:solidFill>
-            <a:schemeClr val="bg2"/>
-          </a:solidFill>
+          <a:noFill/>
         </p:spPr>
         <p:txBody>
           <a:bodyPr wrap="square" rtlCol="0">
@@ -46376,14 +45289,211 @@
           </a:bodyPr>
           <a:lstStyle/>
           <a:p>
-            <a:endParaRPr lang="en-US" dirty="0"/>
+            <a:pPr algn="r"/>
+            <a:r>
+              <a:rPr lang="en-US" sz="2000" b="1" dirty="0">
+                <a:solidFill>
+                  <a:schemeClr val="bg1"/>
+                </a:solidFill>
+                <a:latin typeface="+mj-lt"/>
+              </a:rPr>
+              <a:t>Person-Centered Focus </a:t>
+            </a:r>
+            <a:br>
+              <a:rPr lang="en-US" sz="2000" b="1" dirty="0">
+                <a:solidFill>
+                  <a:schemeClr val="bg1"/>
+                </a:solidFill>
+                <a:latin typeface="+mj-lt"/>
+              </a:rPr>
+            </a:br>
+            <a:r>
+              <a:rPr lang="en-US" sz="2000" i="1" dirty="0">
+                <a:solidFill>
+                  <a:schemeClr val="bg1"/>
+                </a:solidFill>
+                <a:latin typeface="+mj-lt"/>
+              </a:rPr>
+              <a:t>(meaningful, ecological)</a:t>
+            </a:r>
+          </a:p>
+        </p:txBody>
+      </p:sp>
+      <p:sp>
+        <p:nvSpPr>
+          <p:cNvPr id="11" name="Up Arrow 10"/>
+          <p:cNvSpPr/>
+          <p:nvPr/>
+        </p:nvSpPr>
+        <p:spPr>
+          <a:xfrm rot="5400000">
+            <a:off x="6538811" y="1071297"/>
+            <a:ext cx="3087298" cy="3515583"/>
+          </a:xfrm>
+          <a:prstGeom prst="upArrow">
+            <a:avLst>
+              <a:gd name="adj1" fmla="val 50000"/>
+              <a:gd name="adj2" fmla="val 35000"/>
+            </a:avLst>
+          </a:prstGeom>
+          <a:solidFill>
+            <a:srgbClr val="0070C0"/>
+          </a:solidFill>
+        </p:spPr>
+        <p:style>
+          <a:lnRef idx="2">
+            <a:schemeClr val="accent2">
+              <a:shade val="50000"/>
+            </a:schemeClr>
+          </a:lnRef>
+          <a:fillRef idx="1">
+            <a:schemeClr val="accent2"/>
+          </a:fillRef>
+          <a:effectRef idx="0">
+            <a:schemeClr val="accent2"/>
+          </a:effectRef>
+          <a:fontRef idx="minor">
+            <a:schemeClr val="lt1"/>
+          </a:fontRef>
+        </p:style>
+      </p:sp>
+      <p:sp>
+        <p:nvSpPr>
+          <p:cNvPr id="12" name="TextBox 11"/>
+          <p:cNvSpPr txBox="1"/>
+          <p:nvPr/>
+        </p:nvSpPr>
+        <p:spPr>
+          <a:xfrm>
+            <a:off x="6498089" y="2475144"/>
+            <a:ext cx="2664372" cy="707886"/>
+          </a:xfrm>
+          <a:prstGeom prst="rect">
+            <a:avLst/>
+          </a:prstGeom>
+          <a:noFill/>
+        </p:spPr>
+        <p:txBody>
+          <a:bodyPr wrap="square" rtlCol="0">
+            <a:spAutoFit/>
+          </a:bodyPr>
+          <a:lstStyle/>
+          <a:p>
+            <a:r>
+              <a:rPr lang="en-US" sz="2000" b="1" dirty="0">
+                <a:solidFill>
+                  <a:schemeClr val="bg1"/>
+                </a:solidFill>
+                <a:latin typeface="+mj-lt"/>
+              </a:rPr>
+              <a:t>Measurable</a:t>
+            </a:r>
+            <a:br>
+              <a:rPr lang="en-US" sz="2000" b="1" dirty="0">
+                <a:solidFill>
+                  <a:schemeClr val="bg1"/>
+                </a:solidFill>
+                <a:latin typeface="+mj-lt"/>
+              </a:rPr>
+            </a:br>
+            <a:r>
+              <a:rPr lang="en-US" sz="2000" i="1" dirty="0">
+                <a:solidFill>
+                  <a:schemeClr val="bg1"/>
+                </a:solidFill>
+                <a:latin typeface="+mj-lt"/>
+              </a:rPr>
+              <a:t>(reliable, observable)</a:t>
+            </a:r>
+          </a:p>
+        </p:txBody>
+      </p:sp>
+      <p:sp>
+        <p:nvSpPr>
+          <p:cNvPr id="13" name="TextBox 12"/>
+          <p:cNvSpPr txBox="1"/>
+          <p:nvPr/>
+        </p:nvSpPr>
+        <p:spPr>
+          <a:xfrm>
+            <a:off x="3494692" y="3881518"/>
+            <a:ext cx="5029198" cy="1785104"/>
+          </a:xfrm>
+          <a:prstGeom prst="rect">
+            <a:avLst/>
+          </a:prstGeom>
+          <a:noFill/>
+        </p:spPr>
+        <p:txBody>
+          <a:bodyPr wrap="square" rtlCol="0">
+            <a:spAutoFit/>
+          </a:bodyPr>
+          <a:lstStyle/>
+          <a:p>
+            <a:r>
+              <a:rPr lang="en-US" sz="2200" dirty="0">
+                <a:latin typeface="+mj-lt"/>
+              </a:rPr>
+              <a:t>In a review of 31 tests assessing cognitive-linguistic skills:</a:t>
+            </a:r>
+          </a:p>
+          <a:p>
+            <a:r>
+              <a:rPr lang="en-US" sz="2200" b="1" dirty="0">
+                <a:solidFill>
+                  <a:schemeClr val="accent2">
+                    <a:lumMod val="75000"/>
+                  </a:schemeClr>
+                </a:solidFill>
+                <a:latin typeface="+mj-lt"/>
+              </a:rPr>
+              <a:t>None of the tests were predictive of performance in contexts relevant to daily life (ecological validity)</a:t>
+            </a:r>
+          </a:p>
+        </p:txBody>
+      </p:sp>
+      <p:sp>
+        <p:nvSpPr>
+          <p:cNvPr id="14" name="TextBox 13"/>
+          <p:cNvSpPr txBox="1"/>
+          <p:nvPr/>
+        </p:nvSpPr>
+        <p:spPr>
+          <a:xfrm>
+            <a:off x="7673895" y="5783726"/>
+            <a:ext cx="2729041" cy="400110"/>
+          </a:xfrm>
+          <a:prstGeom prst="rect">
+            <a:avLst/>
+          </a:prstGeom>
+          <a:noFill/>
+        </p:spPr>
+        <p:txBody>
+          <a:bodyPr wrap="square" rtlCol="0">
+            <a:spAutoFit/>
+          </a:bodyPr>
+          <a:lstStyle/>
+          <a:p>
+            <a:pPr algn="ctr"/>
+            <a:r>
+              <a:rPr lang="en-US" sz="2000" i="1" dirty="0" err="1">
+                <a:latin typeface="+mj-lt"/>
+              </a:rPr>
+              <a:t>Turkstra</a:t>
+            </a:r>
+            <a:r>
+              <a:rPr lang="en-US" sz="2000" i="1" dirty="0">
+                <a:latin typeface="+mj-lt"/>
+              </a:rPr>
+              <a:t> et al, 2005</a:t>
+            </a:r>
           </a:p>
         </p:txBody>
       </p:sp>
     </p:spTree>
     <p:extLst>
       <p:ext uri="{BB962C8B-B14F-4D97-AF65-F5344CB8AC3E}">
-        <p14:creationId xmlns:p14="http://schemas.microsoft.com/office/powerpoint/2010/main" val="3618877102"/>
+        <p14:creationId xmlns:p14="http://schemas.microsoft.com/office/powerpoint/2010/main" val="2532172994"/>
       </p:ext>
     </p:extLst>
   </p:cSld>

--- a/slides/Week2__21_Assessment_Fundamentals.pptx
+++ b/slides/Week2__21_Assessment_Fundamentals.pptx
@@ -14383,7 +14383,7 @@
           <a:p>
             <a:fld id="{55C38658-7CB9-E440-832B-263D86A72D82}" type="datetimeFigureOut">
               <a:rPr lang="en-US" smtClean="0"/>
-              <a:t>12/14/20</a:t>
+              <a:t>12/22/20</a:t>
             </a:fld>
             <a:endParaRPr lang="en-US"/>
           </a:p>
@@ -18809,7 +18809,7 @@
               </a14:hiddenLine>
             </a:ext>
             <a:ext uri="{FAA26D3D-D897-4be2-8F04-BA451C77F1D7}">
-              <ma14:placeholderFlag xmlns="" xmlns:ma14="http://schemas.microsoft.com/office/mac/drawingml/2011/main" val="1"/>
+              <ma14:placeholderFlag xmlns:ma14="http://schemas.microsoft.com/office/mac/drawingml/2011/main" xmlns="" val="1"/>
             </a:ext>
           </a:extLst>
         </p:spPr>
@@ -18949,7 +18949,7 @@
               </a14:hiddenLine>
             </a:ext>
             <a:ext uri="{FAA26D3D-D897-4be2-8F04-BA451C77F1D7}">
-              <ma14:placeholderFlag xmlns:ma14="http://schemas.microsoft.com/office/mac/drawingml/2011/main" xmlns="" val="1"/>
+              <ma14:placeholderFlag xmlns="" xmlns:ma14="http://schemas.microsoft.com/office/mac/drawingml/2011/main" val="1"/>
             </a:ext>
           </a:extLst>
         </p:spPr>
@@ -19327,7 +19327,7 @@
           <a:p>
             <a:fld id="{E76F26E0-2ED5-1B4C-9D44-9364A5F1EF5B}" type="datetimeFigureOut">
               <a:rPr lang="en-US" smtClean="0"/>
-              <a:t>12/14/20</a:t>
+              <a:t>12/22/20</a:t>
             </a:fld>
             <a:endParaRPr lang="en-US"/>
           </a:p>
@@ -19397,7 +19397,7 @@
               </a14:hiddenLine>
             </a:ext>
             <a:ext uri="{FAA26D3D-D897-4be2-8F04-BA451C77F1D7}">
-              <ma14:placeholderFlag xmlns:ma14="http://schemas.microsoft.com/office/mac/drawingml/2011/main" xmlns="" val="1"/>
+              <ma14:placeholderFlag xmlns="" xmlns:ma14="http://schemas.microsoft.com/office/mac/drawingml/2011/main" val="1"/>
             </a:ext>
           </a:extLst>
         </p:spPr>
@@ -19531,7 +19531,7 @@
           <a:p>
             <a:fld id="{E76F26E0-2ED5-1B4C-9D44-9364A5F1EF5B}" type="datetimeFigureOut">
               <a:rPr lang="en-US" smtClean="0"/>
-              <a:t>12/14/20</a:t>
+              <a:t>12/22/20</a:t>
             </a:fld>
             <a:endParaRPr lang="en-US"/>
           </a:p>
@@ -19944,7 +19944,7 @@
           <a:p>
             <a:fld id="{E76F26E0-2ED5-1B4C-9D44-9364A5F1EF5B}" type="datetimeFigureOut">
               <a:rPr lang="en-US" smtClean="0"/>
-              <a:t>12/14/20</a:t>
+              <a:t>12/22/20</a:t>
             </a:fld>
             <a:endParaRPr lang="en-US"/>
           </a:p>
@@ -21696,7 +21696,7 @@
               </a14:hiddenLine>
             </a:ext>
             <a:ext uri="{FAA26D3D-D897-4be2-8F04-BA451C77F1D7}">
-              <ma14:placeholderFlag xmlns:ma14="http://schemas.microsoft.com/office/mac/drawingml/2011/main" xmlns="" val="1"/>
+              <ma14:placeholderFlag xmlns="" xmlns:ma14="http://schemas.microsoft.com/office/mac/drawingml/2011/main" val="1"/>
             </a:ext>
           </a:extLst>
         </p:spPr>
@@ -22233,7 +22233,7 @@
               </a14:hiddenLine>
             </a:ext>
             <a:ext uri="{FAA26D3D-D897-4be2-8F04-BA451C77F1D7}">
-              <ma14:placeholderFlag xmlns:ma14="http://schemas.microsoft.com/office/mac/drawingml/2011/main" xmlns="" val="1"/>
+              <ma14:placeholderFlag xmlns="" xmlns:ma14="http://schemas.microsoft.com/office/mac/drawingml/2011/main" val="1"/>
             </a:ext>
           </a:extLst>
         </p:spPr>
@@ -22763,7 +22763,7 @@
           <a:p>
             <a:fld id="{E76F26E0-2ED5-1B4C-9D44-9364A5F1EF5B}" type="datetimeFigureOut">
               <a:rPr lang="en-US" smtClean="0"/>
-              <a:t>12/14/20</a:t>
+              <a:t>12/22/20</a:t>
             </a:fld>
             <a:endParaRPr lang="en-US"/>
           </a:p>
@@ -23012,7 +23012,7 @@
           <a:p>
             <a:fld id="{E76F26E0-2ED5-1B4C-9D44-9364A5F1EF5B}" type="datetimeFigureOut">
               <a:rPr lang="en-US" smtClean="0"/>
-              <a:t>12/14/20</a:t>
+              <a:t>12/22/20</a:t>
             </a:fld>
             <a:endParaRPr lang="en-US"/>
           </a:p>
@@ -23082,7 +23082,7 @@
               </a14:hiddenLine>
             </a:ext>
             <a:ext uri="{FAA26D3D-D897-4be2-8F04-BA451C77F1D7}">
-              <ma14:placeholderFlag xmlns:ma14="http://schemas.microsoft.com/office/mac/drawingml/2011/main" xmlns="" val="1"/>
+              <ma14:placeholderFlag xmlns="" xmlns:ma14="http://schemas.microsoft.com/office/mac/drawingml/2011/main" val="1"/>
             </a:ext>
           </a:extLst>
         </p:spPr>
@@ -23144,7 +23144,7 @@
               </a14:hiddenLine>
             </a:ext>
             <a:ext uri="{FAA26D3D-D897-4be2-8F04-BA451C77F1D7}">
-              <ma14:placeholderFlag xmlns:ma14="http://schemas.microsoft.com/office/mac/drawingml/2011/main" xmlns="" val="1"/>
+              <ma14:placeholderFlag xmlns="" xmlns:ma14="http://schemas.microsoft.com/office/mac/drawingml/2011/main" val="1"/>
             </a:ext>
           </a:extLst>
         </p:spPr>
@@ -23244,7 +23244,7 @@
           <a:p>
             <a:fld id="{E76F26E0-2ED5-1B4C-9D44-9364A5F1EF5B}" type="datetimeFigureOut">
               <a:rPr lang="en-US" smtClean="0"/>
-              <a:t>12/14/20</a:t>
+              <a:t>12/22/20</a:t>
             </a:fld>
             <a:endParaRPr lang="en-US"/>
           </a:p>
@@ -23314,7 +23314,7 @@
               </a14:hiddenLine>
             </a:ext>
             <a:ext uri="{FAA26D3D-D897-4be2-8F04-BA451C77F1D7}">
-              <ma14:placeholderFlag xmlns:ma14="http://schemas.microsoft.com/office/mac/drawingml/2011/main" xmlns="" val="1"/>
+              <ma14:placeholderFlag xmlns="" xmlns:ma14="http://schemas.microsoft.com/office/mac/drawingml/2011/main" val="1"/>
             </a:ext>
           </a:extLst>
         </p:spPr>
@@ -23376,7 +23376,7 @@
               </a14:hiddenLine>
             </a:ext>
             <a:ext uri="{FAA26D3D-D897-4be2-8F04-BA451C77F1D7}">
-              <ma14:placeholderFlag xmlns:ma14="http://schemas.microsoft.com/office/mac/drawingml/2011/main" xmlns="" val="1"/>
+              <ma14:placeholderFlag xmlns="" xmlns:ma14="http://schemas.microsoft.com/office/mac/drawingml/2011/main" val="1"/>
             </a:ext>
           </a:extLst>
         </p:spPr>
@@ -23560,7 +23560,7 @@
           <a:p>
             <a:fld id="{E76F26E0-2ED5-1B4C-9D44-9364A5F1EF5B}" type="datetimeFigureOut">
               <a:rPr lang="en-US" smtClean="0"/>
-              <a:t>12/14/20</a:t>
+              <a:t>12/22/20</a:t>
             </a:fld>
             <a:endParaRPr lang="en-US"/>
           </a:p>
@@ -23630,7 +23630,7 @@
               </a14:hiddenLine>
             </a:ext>
             <a:ext uri="{FAA26D3D-D897-4be2-8F04-BA451C77F1D7}">
-              <ma14:placeholderFlag xmlns:ma14="http://schemas.microsoft.com/office/mac/drawingml/2011/main" xmlns="" val="1"/>
+              <ma14:placeholderFlag xmlns="" xmlns:ma14="http://schemas.microsoft.com/office/mac/drawingml/2011/main" val="1"/>
             </a:ext>
           </a:extLst>
         </p:spPr>
@@ -23692,7 +23692,7 @@
               </a14:hiddenLine>
             </a:ext>
             <a:ext uri="{FAA26D3D-D897-4be2-8F04-BA451C77F1D7}">
-              <ma14:placeholderFlag xmlns:ma14="http://schemas.microsoft.com/office/mac/drawingml/2011/main" xmlns="" val="1"/>
+              <ma14:placeholderFlag xmlns="" xmlns:ma14="http://schemas.microsoft.com/office/mac/drawingml/2011/main" val="1"/>
             </a:ext>
           </a:extLst>
         </p:spPr>
@@ -23792,7 +23792,7 @@
           <a:p>
             <a:fld id="{E76F26E0-2ED5-1B4C-9D44-9364A5F1EF5B}" type="datetimeFigureOut">
               <a:rPr lang="en-US" smtClean="0"/>
-              <a:t>12/14/20</a:t>
+              <a:t>12/22/20</a:t>
             </a:fld>
             <a:endParaRPr lang="en-US"/>
           </a:p>
@@ -23862,7 +23862,7 @@
               </a14:hiddenLine>
             </a:ext>
             <a:ext uri="{FAA26D3D-D897-4be2-8F04-BA451C77F1D7}">
-              <ma14:placeholderFlag xmlns:ma14="http://schemas.microsoft.com/office/mac/drawingml/2011/main" xmlns="" val="1"/>
+              <ma14:placeholderFlag xmlns="" xmlns:ma14="http://schemas.microsoft.com/office/mac/drawingml/2011/main" val="1"/>
             </a:ext>
           </a:extLst>
         </p:spPr>
@@ -23924,7 +23924,7 @@
               </a14:hiddenLine>
             </a:ext>
             <a:ext uri="{FAA26D3D-D897-4be2-8F04-BA451C77F1D7}">
-              <ma14:placeholderFlag xmlns:ma14="http://schemas.microsoft.com/office/mac/drawingml/2011/main" xmlns="" val="1"/>
+              <ma14:placeholderFlag xmlns="" xmlns:ma14="http://schemas.microsoft.com/office/mac/drawingml/2011/main" val="1"/>
             </a:ext>
           </a:extLst>
         </p:spPr>
@@ -24014,7 +24014,7 @@
               </a14:hiddenLine>
             </a:ext>
             <a:ext uri="{FAA26D3D-D897-4be2-8F04-BA451C77F1D7}">
-              <ma14:placeholderFlag xmlns:ma14="http://schemas.microsoft.com/office/mac/drawingml/2011/main" xmlns="" val="1"/>
+              <ma14:placeholderFlag xmlns="" xmlns:ma14="http://schemas.microsoft.com/office/mac/drawingml/2011/main" val="1"/>
             </a:ext>
           </a:extLst>
         </p:spPr>
@@ -24110,7 +24110,7 @@
           <a:p>
             <a:fld id="{E76F26E0-2ED5-1B4C-9D44-9364A5F1EF5B}" type="datetimeFigureOut">
               <a:rPr lang="en-US" smtClean="0"/>
-              <a:t>12/14/20</a:t>
+              <a:t>12/22/20</a:t>
             </a:fld>
             <a:endParaRPr lang="en-US"/>
           </a:p>
@@ -24547,7 +24547,7 @@
               </a14:hiddenLine>
             </a:ext>
             <a:ext uri="{FAA26D3D-D897-4be2-8F04-BA451C77F1D7}">
-              <ma14:placeholderFlag xmlns:ma14="http://schemas.microsoft.com/office/mac/drawingml/2011/main" xmlns="" val="1"/>
+              <ma14:placeholderFlag xmlns="" xmlns:ma14="http://schemas.microsoft.com/office/mac/drawingml/2011/main" val="1"/>
             </a:ext>
           </a:extLst>
         </p:spPr>
@@ -24611,7 +24611,7 @@
           <a:p>
             <a:fld id="{E76F26E0-2ED5-1B4C-9D44-9364A5F1EF5B}" type="datetimeFigureOut">
               <a:rPr lang="en-US" smtClean="0"/>
-              <a:t>12/14/20</a:t>
+              <a:t>12/22/20</a:t>
             </a:fld>
             <a:endParaRPr lang="en-US"/>
           </a:p>
@@ -24702,7 +24702,7 @@
               </a14:hiddenLine>
             </a:ext>
             <a:ext uri="{FAA26D3D-D897-4be2-8F04-BA451C77F1D7}">
-              <ma14:placeholderFlag xmlns:ma14="http://schemas.microsoft.com/office/mac/drawingml/2011/main" xmlns="" val="1"/>
+              <ma14:placeholderFlag xmlns="" xmlns:ma14="http://schemas.microsoft.com/office/mac/drawingml/2011/main" val="1"/>
             </a:ext>
           </a:extLst>
         </p:spPr>
@@ -24926,7 +24926,7 @@
               </a14:hiddenLine>
             </a:ext>
             <a:ext uri="{FAA26D3D-D897-4be2-8F04-BA451C77F1D7}">
-              <ma14:placeholderFlag xmlns:ma14="http://schemas.microsoft.com/office/mac/drawingml/2011/main" xmlns="" val="1"/>
+              <ma14:placeholderFlag xmlns="" xmlns:ma14="http://schemas.microsoft.com/office/mac/drawingml/2011/main" val="1"/>
             </a:ext>
           </a:extLst>
         </p:spPr>
@@ -28122,15 +28122,7 @@
             </a:pPr>
             <a:r>
               <a:rPr lang="en-US" altLang="en-US" dirty="0"/>
-              <a:t>Observed reading </a:t>
-            </a:r>
-            <a:r>
-              <a:rPr lang="en-US" altLang="en-US" dirty="0" err="1"/>
-              <a:t>problem..what</a:t>
-            </a:r>
-            <a:r>
-              <a:rPr lang="en-US" altLang="en-US" dirty="0"/>
-              <a:t> is the source?</a:t>
+              <a:t>Observed reading problem. What is the source?</a:t>
             </a:r>
           </a:p>
           <a:p>
@@ -30409,7 +30401,7 @@
           <a:graphicData uri="http://schemas.openxmlformats.org/presentationml/2006/ole">
             <mc:AlternateContent xmlns:mc="http://schemas.openxmlformats.org/markup-compatibility/2006">
               <mc:Choice xmlns:v="urn:schemas-microsoft-com:vml" Requires="v">
-                <p:oleObj spid="_x0000_s1093" name="Document" r:id="rId3" imgW="5625893" imgH="2895493" progId="Word.Document.12">
+                <p:oleObj spid="_x0000_s1095" name="Document" r:id="rId3" imgW="5625893" imgH="2895493" progId="Word.Document.12">
                   <p:embed/>
                 </p:oleObj>
               </mc:Choice>
